--- a/ppt/50_Java 專案：前置作業.pptx
+++ b/ppt/50_Java 專案：前置作業.pptx
@@ -5,7 +5,7 @@
     <p:sldMasterId id="2147483665" r:id="rId1"/>
   </p:sldMasterIdLst>
   <p:notesMasterIdLst>
-    <p:notesMasterId r:id="rId27"/>
+    <p:notesMasterId r:id="rId32"/>
   </p:notesMasterIdLst>
   <p:sldIdLst>
     <p:sldId id="256" r:id="rId2"/>
@@ -33,6 +33,11 @@
     <p:sldId id="273" r:id="rId24"/>
     <p:sldId id="274" r:id="rId25"/>
     <p:sldId id="305" r:id="rId26"/>
+    <p:sldId id="306" r:id="rId27"/>
+    <p:sldId id="307" r:id="rId28"/>
+    <p:sldId id="308" r:id="rId29"/>
+    <p:sldId id="309" r:id="rId30"/>
+    <p:sldId id="310" r:id="rId31"/>
   </p:sldIdLst>
   <p:sldSz cx="12192000" cy="6858000"/>
   <p:notesSz cx="6858000" cy="9144000"/>
@@ -233,7 +238,7 @@
           <a:p>
             <a:fld id="{C27144CB-533C-4CD2-9ED3-63FEE8E9FA13}" type="datetimeFigureOut">
               <a:rPr lang="zh-TW" altLang="en-US" smtClean="0"/>
-              <a:t>2025/2/11</a:t>
+              <a:t>2025/2/12</a:t>
             </a:fld>
             <a:endParaRPr lang="zh-TW" altLang="en-US"/>
           </a:p>
@@ -8123,21 +8128,8 @@
                   <a:srgbClr val="FFC000"/>
                 </a:solidFill>
               </a:rPr>
-              <a:t>Gradle </a:t>
-            </a:r>
-            <a:r>
-              <a:rPr lang="zh-TW" altLang="en-US">
-                <a:solidFill>
-                  <a:srgbClr val="FFC000"/>
-                </a:solidFill>
-              </a:rPr>
-              <a:t>圖示</a:t>
-            </a:r>
-            <a:endParaRPr lang="en-US" altLang="zh-TW">
-              <a:solidFill>
-                <a:srgbClr val="FFC000"/>
-              </a:solidFill>
-            </a:endParaRPr>
+              <a:t>Gradle</a:t>
+            </a:r>
           </a:p>
           <a:p>
             <a:r>
@@ -16110,6 +16102,1771 @@
 </p:sld>
 </file>
 
+<file path=ppt/slides/slide26.xml><?xml version="1.0" encoding="utf-8"?>
+<p:sld xmlns:a="http://schemas.openxmlformats.org/drawingml/2006/main" xmlns:r="http://schemas.openxmlformats.org/officeDocument/2006/relationships" xmlns:p="http://schemas.openxmlformats.org/presentationml/2006/main">
+  <p:cSld>
+    <p:spTree>
+      <p:nvGrpSpPr>
+        <p:cNvPr id="1" name=""/>
+        <p:cNvGrpSpPr/>
+        <p:nvPr/>
+      </p:nvGrpSpPr>
+      <p:grpSpPr>
+        <a:xfrm>
+          <a:off x="0" y="0"/>
+          <a:ext cx="0" cy="0"/>
+          <a:chOff x="0" y="0"/>
+          <a:chExt cx="0" cy="0"/>
+        </a:xfrm>
+      </p:grpSpPr>
+      <p:sp>
+        <p:nvSpPr>
+          <p:cNvPr id="2" name="標題 1">
+            <a:extLst>
+              <a:ext uri="{FF2B5EF4-FFF2-40B4-BE49-F238E27FC236}">
+                <a16:creationId xmlns:a16="http://schemas.microsoft.com/office/drawing/2014/main" id="{D660B3A6-5BE7-4149-8EA6-E4E754F162D9}"/>
+              </a:ext>
+            </a:extLst>
+          </p:cNvPr>
+          <p:cNvSpPr>
+            <a:spLocks noGrp="1"/>
+          </p:cNvSpPr>
+          <p:nvPr>
+            <p:ph type="title"/>
+          </p:nvPr>
+        </p:nvSpPr>
+        <p:spPr/>
+        <p:txBody>
+          <a:bodyPr/>
+          <a:lstStyle/>
+          <a:p>
+            <a:r>
+              <a:rPr lang="en-US" altLang="zh-TW"/>
+              <a:t>Minecraft </a:t>
+            </a:r>
+            <a:r>
+              <a:rPr lang="zh-TW" altLang="en-US"/>
+              <a:t>原始碼</a:t>
+            </a:r>
+          </a:p>
+        </p:txBody>
+      </p:sp>
+      <p:sp>
+        <p:nvSpPr>
+          <p:cNvPr id="3" name="內容版面配置區 2">
+            <a:extLst>
+              <a:ext uri="{FF2B5EF4-FFF2-40B4-BE49-F238E27FC236}">
+                <a16:creationId xmlns:a16="http://schemas.microsoft.com/office/drawing/2014/main" id="{1697202B-05C4-4FD3-A2F9-85B1A732D5FB}"/>
+              </a:ext>
+            </a:extLst>
+          </p:cNvPr>
+          <p:cNvSpPr>
+            <a:spLocks noGrp="1"/>
+          </p:cNvSpPr>
+          <p:nvPr>
+            <p:ph idx="1"/>
+          </p:nvPr>
+        </p:nvSpPr>
+        <p:spPr/>
+        <p:txBody>
+          <a:bodyPr>
+            <a:normAutofit/>
+          </a:bodyPr>
+          <a:lstStyle/>
+          <a:p>
+            <a:pPr algn="ctr"/>
+            <a:r>
+              <a:rPr lang="zh-TW" altLang="en-US" sz="7000">
+                <a:solidFill>
+                  <a:srgbClr val="FFFF00"/>
+                </a:solidFill>
+              </a:rPr>
+              <a:t>！！！注意！！！</a:t>
+            </a:r>
+            <a:endParaRPr lang="en-US" altLang="zh-TW" sz="7000">
+              <a:solidFill>
+                <a:srgbClr val="FFFF00"/>
+              </a:solidFill>
+            </a:endParaRPr>
+          </a:p>
+          <a:p>
+            <a:pPr algn="ctr"/>
+            <a:r>
+              <a:rPr lang="zh-TW" altLang="en-US" sz="7000">
+                <a:solidFill>
+                  <a:srgbClr val="FFFF00"/>
+                </a:solidFill>
+              </a:rPr>
+              <a:t>根據 </a:t>
+            </a:r>
+            <a:r>
+              <a:rPr lang="en-US" altLang="zh-TW" sz="7000">
+                <a:solidFill>
+                  <a:srgbClr val="FFFF00"/>
+                </a:solidFill>
+              </a:rPr>
+              <a:t>Minecraft EULA</a:t>
+            </a:r>
+          </a:p>
+          <a:p>
+            <a:pPr algn="ctr"/>
+            <a:r>
+              <a:rPr lang="zh-TW" altLang="en-US" sz="7000">
+                <a:solidFill>
+                  <a:srgbClr val="FFFF00"/>
+                </a:solidFill>
+              </a:rPr>
+              <a:t>不得發布完整未混淆</a:t>
+            </a:r>
+            <a:endParaRPr lang="en-US" altLang="zh-TW" sz="7000">
+              <a:solidFill>
+                <a:srgbClr val="FFFF00"/>
+              </a:solidFill>
+            </a:endParaRPr>
+          </a:p>
+          <a:p>
+            <a:pPr algn="ctr"/>
+            <a:r>
+              <a:rPr lang="en-US" altLang="zh-TW" sz="7000">
+                <a:solidFill>
+                  <a:srgbClr val="FFFF00"/>
+                </a:solidFill>
+              </a:rPr>
+              <a:t>Minecraft </a:t>
+            </a:r>
+            <a:r>
+              <a:rPr lang="zh-TW" altLang="en-US" sz="7000">
+                <a:solidFill>
+                  <a:srgbClr val="FFFF00"/>
+                </a:solidFill>
+              </a:rPr>
+              <a:t>原始碼</a:t>
+            </a:r>
+            <a:endParaRPr lang="en-US" altLang="zh-TW" sz="7000">
+              <a:solidFill>
+                <a:srgbClr val="FFFF00"/>
+              </a:solidFill>
+            </a:endParaRPr>
+          </a:p>
+        </p:txBody>
+      </p:sp>
+    </p:spTree>
+    <p:extLst>
+      <p:ext uri="{BB962C8B-B14F-4D97-AF65-F5344CB8AC3E}">
+        <p14:creationId xmlns:p14="http://schemas.microsoft.com/office/powerpoint/2010/main" val="79812115"/>
+      </p:ext>
+    </p:extLst>
+  </p:cSld>
+  <p:clrMapOvr>
+    <a:masterClrMapping/>
+  </p:clrMapOvr>
+  <p:transition spd="slow">
+    <p:push dir="u"/>
+  </p:transition>
+</p:sld>
+</file>
+
+<file path=ppt/slides/slide27.xml><?xml version="1.0" encoding="utf-8"?>
+<p:sld xmlns:a="http://schemas.openxmlformats.org/drawingml/2006/main" xmlns:r="http://schemas.openxmlformats.org/officeDocument/2006/relationships" xmlns:p="http://schemas.openxmlformats.org/presentationml/2006/main">
+  <p:cSld>
+    <p:spTree>
+      <p:nvGrpSpPr>
+        <p:cNvPr id="1" name=""/>
+        <p:cNvGrpSpPr/>
+        <p:nvPr/>
+      </p:nvGrpSpPr>
+      <p:grpSpPr>
+        <a:xfrm>
+          <a:off x="0" y="0"/>
+          <a:ext cx="0" cy="0"/>
+          <a:chOff x="0" y="0"/>
+          <a:chExt cx="0" cy="0"/>
+        </a:xfrm>
+      </p:grpSpPr>
+      <p:sp>
+        <p:nvSpPr>
+          <p:cNvPr id="2" name="標題 1">
+            <a:extLst>
+              <a:ext uri="{FF2B5EF4-FFF2-40B4-BE49-F238E27FC236}">
+                <a16:creationId xmlns:a16="http://schemas.microsoft.com/office/drawing/2014/main" id="{D3EF46E3-4AD5-4894-81D8-A26D460A6FCF}"/>
+              </a:ext>
+            </a:extLst>
+          </p:cNvPr>
+          <p:cNvSpPr>
+            <a:spLocks noGrp="1"/>
+          </p:cNvSpPr>
+          <p:nvPr>
+            <p:ph type="title"/>
+          </p:nvPr>
+        </p:nvSpPr>
+        <p:spPr>
+          <a:xfrm>
+            <a:off x="640976" y="215287"/>
+            <a:ext cx="7380473" cy="1325563"/>
+          </a:xfrm>
+        </p:spPr>
+        <p:txBody>
+          <a:bodyPr/>
+          <a:lstStyle/>
+          <a:p>
+            <a:r>
+              <a:rPr lang="en-US" altLang="zh-TW"/>
+              <a:t>Minecraft </a:t>
+            </a:r>
+            <a:r>
+              <a:rPr lang="zh-TW" altLang="en-US"/>
+              <a:t>原始碼</a:t>
+            </a:r>
+          </a:p>
+        </p:txBody>
+      </p:sp>
+      <p:sp>
+        <p:nvSpPr>
+          <p:cNvPr id="3" name="內容版面配置區 2">
+            <a:extLst>
+              <a:ext uri="{FF2B5EF4-FFF2-40B4-BE49-F238E27FC236}">
+                <a16:creationId xmlns:a16="http://schemas.microsoft.com/office/drawing/2014/main" id="{7201C265-9531-4BD4-B7F6-FC24DEB069F8}"/>
+              </a:ext>
+            </a:extLst>
+          </p:cNvPr>
+          <p:cNvSpPr>
+            <a:spLocks noGrp="1"/>
+          </p:cNvSpPr>
+          <p:nvPr>
+            <p:ph idx="1"/>
+          </p:nvPr>
+        </p:nvSpPr>
+        <p:spPr>
+          <a:xfrm>
+            <a:off x="640977" y="1310345"/>
+            <a:ext cx="7380472" cy="4579470"/>
+          </a:xfrm>
+        </p:spPr>
+        <p:txBody>
+          <a:bodyPr>
+            <a:normAutofit/>
+          </a:bodyPr>
+          <a:lstStyle/>
+          <a:p>
+            <a:r>
+              <a:rPr lang="zh-TW" altLang="en-US"/>
+              <a:t>點擊畫面左方的</a:t>
+            </a:r>
+            <a:endParaRPr lang="en-US" altLang="zh-TW"/>
+          </a:p>
+          <a:p>
+            <a:r>
+              <a:rPr lang="en-US" altLang="zh-TW">
+                <a:solidFill>
+                  <a:srgbClr val="FFC000"/>
+                </a:solidFill>
+              </a:rPr>
+              <a:t>Project -&gt;</a:t>
+            </a:r>
+            <a:r>
+              <a:rPr lang="zh-TW" altLang="en-US">
+                <a:solidFill>
+                  <a:srgbClr val="FFC000"/>
+                </a:solidFill>
+              </a:rPr>
+              <a:t> </a:t>
+            </a:r>
+            <a:r>
+              <a:rPr lang="en-US" altLang="zh-TW">
+                <a:solidFill>
+                  <a:srgbClr val="FFC000"/>
+                </a:solidFill>
+              </a:rPr>
+              <a:t>External Libraries</a:t>
+            </a:r>
+          </a:p>
+          <a:p>
+            <a:r>
+              <a:rPr lang="zh-TW" altLang="en-US"/>
+              <a:t>即可展開</a:t>
+            </a:r>
+            <a:r>
+              <a:rPr lang="zh-TW" altLang="en-US">
+                <a:solidFill>
+                  <a:srgbClr val="00B0F0"/>
+                </a:solidFill>
+              </a:rPr>
+              <a:t>程式庫</a:t>
+            </a:r>
+            <a:r>
+              <a:rPr lang="en-US" altLang="zh-TW">
+                <a:solidFill>
+                  <a:srgbClr val="00B0F0"/>
+                </a:solidFill>
+              </a:rPr>
+              <a:t>(library)</a:t>
+            </a:r>
+            <a:r>
+              <a:rPr lang="zh-TW" altLang="en-US"/>
+              <a:t>列表</a:t>
+            </a:r>
+            <a:endParaRPr lang="en-US" altLang="zh-TW"/>
+          </a:p>
+          <a:p>
+            <a:r>
+              <a:rPr lang="zh-TW" altLang="en-US"/>
+              <a:t>其中的 </a:t>
+            </a:r>
+            <a:r>
+              <a:rPr lang="en-US" altLang="zh-TW">
+                <a:solidFill>
+                  <a:srgbClr val="FFFF00"/>
+                </a:solidFill>
+              </a:rPr>
+              <a:t>net.minecraft</a:t>
+            </a:r>
+          </a:p>
+          <a:p>
+            <a:r>
+              <a:rPr lang="zh-TW" altLang="en-US"/>
+              <a:t>即為 </a:t>
+            </a:r>
+            <a:r>
+              <a:rPr lang="en-US" altLang="zh-TW"/>
+              <a:t>Minecraft </a:t>
+            </a:r>
+            <a:r>
+              <a:rPr lang="zh-TW" altLang="en-US"/>
+              <a:t>原始碼程式庫</a:t>
+            </a:r>
+            <a:endParaRPr lang="en-US" altLang="zh-TW"/>
+          </a:p>
+          <a:p>
+            <a:r>
+              <a:rPr lang="en-US" altLang="zh-TW">
+                <a:solidFill>
+                  <a:srgbClr val="92D050"/>
+                </a:solidFill>
+              </a:rPr>
+              <a:t>common</a:t>
+            </a:r>
+            <a:r>
+              <a:rPr lang="en-US" altLang="zh-TW"/>
+              <a:t> </a:t>
+            </a:r>
+            <a:r>
+              <a:rPr lang="zh-TW" altLang="en-US"/>
+              <a:t>表通用程式碼</a:t>
+            </a:r>
+            <a:endParaRPr lang="en-US" altLang="zh-TW"/>
+          </a:p>
+          <a:p>
+            <a:r>
+              <a:rPr lang="zh-TW" altLang="en-US"/>
+              <a:t>大部分程式碼和遊戲資料在此</a:t>
+            </a:r>
+            <a:endParaRPr lang="en-US" altLang="zh-TW"/>
+          </a:p>
+          <a:p>
+            <a:r>
+              <a:rPr lang="en-US" altLang="zh-TW">
+                <a:solidFill>
+                  <a:srgbClr val="92D050"/>
+                </a:solidFill>
+              </a:rPr>
+              <a:t>clientOnly</a:t>
+            </a:r>
+            <a:r>
+              <a:rPr lang="en-US" altLang="zh-TW"/>
+              <a:t> </a:t>
+            </a:r>
+            <a:r>
+              <a:rPr lang="zh-TW" altLang="en-US"/>
+              <a:t>表客戶端獨有</a:t>
+            </a:r>
+            <a:endParaRPr lang="en-US" altLang="zh-TW"/>
+          </a:p>
+          <a:p>
+            <a:r>
+              <a:rPr lang="zh-TW" altLang="en-US"/>
+              <a:t>主要為渲染相關及材質</a:t>
+            </a:r>
+            <a:endParaRPr lang="en-US" altLang="zh-TW"/>
+          </a:p>
+        </p:txBody>
+      </p:sp>
+      <p:grpSp>
+        <p:nvGrpSpPr>
+          <p:cNvPr id="9" name="群組 8">
+            <a:extLst>
+              <a:ext uri="{FF2B5EF4-FFF2-40B4-BE49-F238E27FC236}">
+                <a16:creationId xmlns:a16="http://schemas.microsoft.com/office/drawing/2014/main" id="{7BF3AC68-712B-44A7-A6D5-F3579F2C1D62}"/>
+              </a:ext>
+            </a:extLst>
+          </p:cNvPr>
+          <p:cNvGrpSpPr/>
+          <p:nvPr/>
+        </p:nvGrpSpPr>
+        <p:grpSpPr>
+          <a:xfrm>
+            <a:off x="8247529" y="191968"/>
+            <a:ext cx="3305766" cy="6450745"/>
+            <a:chOff x="8247529" y="236793"/>
+            <a:chExt cx="3305766" cy="6450745"/>
+          </a:xfrm>
+        </p:grpSpPr>
+        <p:pic>
+          <p:nvPicPr>
+            <p:cNvPr id="4" name="圖片 3">
+              <a:extLst>
+                <a:ext uri="{FF2B5EF4-FFF2-40B4-BE49-F238E27FC236}">
+                  <a16:creationId xmlns:a16="http://schemas.microsoft.com/office/drawing/2014/main" id="{E7345A7F-8D03-4E09-BB52-C8E37BBC1E35}"/>
+                </a:ext>
+              </a:extLst>
+            </p:cNvPr>
+            <p:cNvPicPr>
+              <a:picLocks noChangeAspect="1"/>
+            </p:cNvPicPr>
+            <p:nvPr/>
+          </p:nvPicPr>
+          <p:blipFill>
+            <a:blip r:embed="rId2"/>
+            <a:stretch>
+              <a:fillRect/>
+            </a:stretch>
+          </p:blipFill>
+          <p:spPr>
+            <a:xfrm>
+              <a:off x="8247529" y="236793"/>
+              <a:ext cx="3305766" cy="6450745"/>
+            </a:xfrm>
+            <a:prstGeom prst="rect">
+              <a:avLst/>
+            </a:prstGeom>
+          </p:spPr>
+        </p:pic>
+        <p:sp>
+          <p:nvSpPr>
+            <p:cNvPr id="7" name="矩形: 圓角 6">
+              <a:extLst>
+                <a:ext uri="{FF2B5EF4-FFF2-40B4-BE49-F238E27FC236}">
+                  <a16:creationId xmlns:a16="http://schemas.microsoft.com/office/drawing/2014/main" id="{08ED6F19-4A59-4B86-959E-BD1A325EDAB5}"/>
+                </a:ext>
+              </a:extLst>
+            </p:cNvPr>
+            <p:cNvSpPr/>
+            <p:nvPr/>
+          </p:nvSpPr>
+          <p:spPr>
+            <a:xfrm>
+              <a:off x="8256578" y="770460"/>
+              <a:ext cx="317828" cy="356238"/>
+            </a:xfrm>
+            <a:prstGeom prst="roundRect">
+              <a:avLst/>
+            </a:prstGeom>
+            <a:noFill/>
+            <a:ln w="38100">
+              <a:solidFill>
+                <a:srgbClr val="FFC000"/>
+              </a:solidFill>
+            </a:ln>
+          </p:spPr>
+          <p:style>
+            <a:lnRef idx="2">
+              <a:schemeClr val="accent1">
+                <a:shade val="50000"/>
+              </a:schemeClr>
+            </a:lnRef>
+            <a:fillRef idx="1">
+              <a:schemeClr val="accent1"/>
+            </a:fillRef>
+            <a:effectRef idx="0">
+              <a:schemeClr val="accent1"/>
+            </a:effectRef>
+            <a:fontRef idx="minor">
+              <a:schemeClr val="lt1"/>
+            </a:fontRef>
+          </p:style>
+          <p:txBody>
+            <a:bodyPr rtlCol="0" anchor="ctr"/>
+            <a:lstStyle/>
+            <a:p>
+              <a:pPr algn="ctr"/>
+              <a:endParaRPr lang="zh-TW" altLang="en-US" sz="2000"/>
+            </a:p>
+          </p:txBody>
+        </p:sp>
+        <p:sp>
+          <p:nvSpPr>
+            <p:cNvPr id="8" name="矩形: 圓角 7">
+              <a:extLst>
+                <a:ext uri="{FF2B5EF4-FFF2-40B4-BE49-F238E27FC236}">
+                  <a16:creationId xmlns:a16="http://schemas.microsoft.com/office/drawing/2014/main" id="{6C2FF736-16A9-4863-9DCF-B685659916F4}"/>
+                </a:ext>
+              </a:extLst>
+            </p:cNvPr>
+            <p:cNvSpPr/>
+            <p:nvPr/>
+          </p:nvSpPr>
+          <p:spPr>
+            <a:xfrm>
+              <a:off x="8666629" y="3492500"/>
+              <a:ext cx="2801471" cy="208058"/>
+            </a:xfrm>
+            <a:prstGeom prst="roundRect">
+              <a:avLst/>
+            </a:prstGeom>
+            <a:noFill/>
+            <a:ln w="38100">
+              <a:solidFill>
+                <a:srgbClr val="FFC000"/>
+              </a:solidFill>
+            </a:ln>
+          </p:spPr>
+          <p:style>
+            <a:lnRef idx="2">
+              <a:schemeClr val="accent1">
+                <a:shade val="50000"/>
+              </a:schemeClr>
+            </a:lnRef>
+            <a:fillRef idx="1">
+              <a:schemeClr val="accent1"/>
+            </a:fillRef>
+            <a:effectRef idx="0">
+              <a:schemeClr val="accent1"/>
+            </a:effectRef>
+            <a:fontRef idx="minor">
+              <a:schemeClr val="lt1"/>
+            </a:fontRef>
+          </p:style>
+          <p:txBody>
+            <a:bodyPr rtlCol="0" anchor="ctr"/>
+            <a:lstStyle/>
+            <a:p>
+              <a:pPr algn="ctr"/>
+              <a:endParaRPr lang="zh-TW" altLang="en-US" sz="2000"/>
+            </a:p>
+          </p:txBody>
+        </p:sp>
+      </p:grpSp>
+      <p:grpSp>
+        <p:nvGrpSpPr>
+          <p:cNvPr id="12" name="群組 11">
+            <a:extLst>
+              <a:ext uri="{FF2B5EF4-FFF2-40B4-BE49-F238E27FC236}">
+                <a16:creationId xmlns:a16="http://schemas.microsoft.com/office/drawing/2014/main" id="{0DBA5881-6A1E-4FC5-A796-AC2DEB1C6F47}"/>
+              </a:ext>
+            </a:extLst>
+          </p:cNvPr>
+          <p:cNvGrpSpPr/>
+          <p:nvPr/>
+        </p:nvGrpSpPr>
+        <p:grpSpPr>
+          <a:xfrm>
+            <a:off x="638705" y="5988281"/>
+            <a:ext cx="7382744" cy="473197"/>
+            <a:chOff x="638705" y="6022459"/>
+            <a:chExt cx="7382744" cy="473197"/>
+          </a:xfrm>
+        </p:grpSpPr>
+        <p:pic>
+          <p:nvPicPr>
+            <p:cNvPr id="6" name="圖片 5">
+              <a:extLst>
+                <a:ext uri="{FF2B5EF4-FFF2-40B4-BE49-F238E27FC236}">
+                  <a16:creationId xmlns:a16="http://schemas.microsoft.com/office/drawing/2014/main" id="{360AB20A-3153-4986-B5C6-2D4E4F79D739}"/>
+                </a:ext>
+              </a:extLst>
+            </p:cNvPr>
+            <p:cNvPicPr>
+              <a:picLocks noChangeAspect="1"/>
+            </p:cNvPicPr>
+            <p:nvPr/>
+          </p:nvPicPr>
+          <p:blipFill>
+            <a:blip r:embed="rId3"/>
+            <a:stretch>
+              <a:fillRect/>
+            </a:stretch>
+          </p:blipFill>
+          <p:spPr>
+            <a:xfrm>
+              <a:off x="638705" y="6022529"/>
+              <a:ext cx="7382744" cy="473127"/>
+            </a:xfrm>
+            <a:prstGeom prst="rect">
+              <a:avLst/>
+            </a:prstGeom>
+          </p:spPr>
+        </p:pic>
+        <p:sp>
+          <p:nvSpPr>
+            <p:cNvPr id="10" name="矩形: 圓角 9">
+              <a:extLst>
+                <a:ext uri="{FF2B5EF4-FFF2-40B4-BE49-F238E27FC236}">
+                  <a16:creationId xmlns:a16="http://schemas.microsoft.com/office/drawing/2014/main" id="{716CF228-7E07-40B9-B90B-11F15092AA69}"/>
+                </a:ext>
+              </a:extLst>
+            </p:cNvPr>
+            <p:cNvSpPr/>
+            <p:nvPr/>
+          </p:nvSpPr>
+          <p:spPr>
+            <a:xfrm>
+              <a:off x="1640989" y="6022459"/>
+              <a:ext cx="850751" cy="445016"/>
+            </a:xfrm>
+            <a:prstGeom prst="roundRect">
+              <a:avLst/>
+            </a:prstGeom>
+            <a:noFill/>
+            <a:ln w="28575">
+              <a:solidFill>
+                <a:srgbClr val="FFFF00"/>
+              </a:solidFill>
+            </a:ln>
+          </p:spPr>
+          <p:style>
+            <a:lnRef idx="2">
+              <a:schemeClr val="accent1">
+                <a:shade val="50000"/>
+              </a:schemeClr>
+            </a:lnRef>
+            <a:fillRef idx="1">
+              <a:schemeClr val="accent1"/>
+            </a:fillRef>
+            <a:effectRef idx="0">
+              <a:schemeClr val="accent1"/>
+            </a:effectRef>
+            <a:fontRef idx="minor">
+              <a:schemeClr val="lt1"/>
+            </a:fontRef>
+          </p:style>
+          <p:txBody>
+            <a:bodyPr rtlCol="0" anchor="ctr"/>
+            <a:lstStyle/>
+            <a:p>
+              <a:pPr algn="ctr"/>
+              <a:endParaRPr lang="zh-TW" altLang="en-US" sz="2000"/>
+            </a:p>
+          </p:txBody>
+        </p:sp>
+        <p:sp>
+          <p:nvSpPr>
+            <p:cNvPr id="11" name="矩形: 圓角 10">
+              <a:extLst>
+                <a:ext uri="{FF2B5EF4-FFF2-40B4-BE49-F238E27FC236}">
+                  <a16:creationId xmlns:a16="http://schemas.microsoft.com/office/drawing/2014/main" id="{3E112C74-C338-49B0-80EE-7F6C04092890}"/>
+                </a:ext>
+              </a:extLst>
+            </p:cNvPr>
+            <p:cNvSpPr/>
+            <p:nvPr/>
+          </p:nvSpPr>
+          <p:spPr>
+            <a:xfrm>
+              <a:off x="3093721" y="6022459"/>
+              <a:ext cx="647223" cy="445016"/>
+            </a:xfrm>
+            <a:prstGeom prst="roundRect">
+              <a:avLst/>
+            </a:prstGeom>
+            <a:noFill/>
+            <a:ln w="28575">
+              <a:solidFill>
+                <a:srgbClr val="92D050"/>
+              </a:solidFill>
+            </a:ln>
+          </p:spPr>
+          <p:style>
+            <a:lnRef idx="2">
+              <a:schemeClr val="accent1">
+                <a:shade val="50000"/>
+              </a:schemeClr>
+            </a:lnRef>
+            <a:fillRef idx="1">
+              <a:schemeClr val="accent1"/>
+            </a:fillRef>
+            <a:effectRef idx="0">
+              <a:schemeClr val="accent1"/>
+            </a:effectRef>
+            <a:fontRef idx="minor">
+              <a:schemeClr val="lt1"/>
+            </a:fontRef>
+          </p:style>
+          <p:txBody>
+            <a:bodyPr rtlCol="0" anchor="ctr"/>
+            <a:lstStyle/>
+            <a:p>
+              <a:pPr algn="ctr"/>
+              <a:endParaRPr lang="zh-TW" altLang="en-US" sz="2000"/>
+            </a:p>
+          </p:txBody>
+        </p:sp>
+      </p:grpSp>
+    </p:spTree>
+    <p:extLst>
+      <p:ext uri="{BB962C8B-B14F-4D97-AF65-F5344CB8AC3E}">
+        <p14:creationId xmlns:p14="http://schemas.microsoft.com/office/powerpoint/2010/main" val="1484907343"/>
+      </p:ext>
+    </p:extLst>
+  </p:cSld>
+  <p:clrMapOvr>
+    <a:masterClrMapping/>
+  </p:clrMapOvr>
+  <p:transition spd="slow">
+    <p:push dir="u"/>
+  </p:transition>
+</p:sld>
+</file>
+
+<file path=ppt/slides/slide28.xml><?xml version="1.0" encoding="utf-8"?>
+<p:sld xmlns:a="http://schemas.openxmlformats.org/drawingml/2006/main" xmlns:r="http://schemas.openxmlformats.org/officeDocument/2006/relationships" xmlns:p="http://schemas.openxmlformats.org/presentationml/2006/main">
+  <p:cSld>
+    <p:spTree>
+      <p:nvGrpSpPr>
+        <p:cNvPr id="1" name=""/>
+        <p:cNvGrpSpPr/>
+        <p:nvPr/>
+      </p:nvGrpSpPr>
+      <p:grpSpPr>
+        <a:xfrm>
+          <a:off x="0" y="0"/>
+          <a:ext cx="0" cy="0"/>
+          <a:chOff x="0" y="0"/>
+          <a:chExt cx="0" cy="0"/>
+        </a:xfrm>
+      </p:grpSpPr>
+      <p:sp>
+        <p:nvSpPr>
+          <p:cNvPr id="2" name="標題 1">
+            <a:extLst>
+              <a:ext uri="{FF2B5EF4-FFF2-40B4-BE49-F238E27FC236}">
+                <a16:creationId xmlns:a16="http://schemas.microsoft.com/office/drawing/2014/main" id="{103FFB8D-5551-4102-AF58-1E4915DC63AD}"/>
+              </a:ext>
+            </a:extLst>
+          </p:cNvPr>
+          <p:cNvSpPr>
+            <a:spLocks noGrp="1"/>
+          </p:cNvSpPr>
+          <p:nvPr>
+            <p:ph type="title"/>
+          </p:nvPr>
+        </p:nvSpPr>
+        <p:spPr>
+          <a:xfrm>
+            <a:off x="838200" y="0"/>
+            <a:ext cx="10515600" cy="1325563"/>
+          </a:xfrm>
+        </p:spPr>
+        <p:txBody>
+          <a:bodyPr/>
+          <a:lstStyle/>
+          <a:p>
+            <a:r>
+              <a:rPr lang="en-US" altLang="zh-TW"/>
+              <a:t>Mincraft </a:t>
+            </a:r>
+            <a:r>
+              <a:rPr lang="zh-TW" altLang="en-US"/>
+              <a:t>原始碼</a:t>
+            </a:r>
+          </a:p>
+        </p:txBody>
+      </p:sp>
+      <p:sp>
+        <p:nvSpPr>
+          <p:cNvPr id="3" name="內容版面配置區 2">
+            <a:extLst>
+              <a:ext uri="{FF2B5EF4-FFF2-40B4-BE49-F238E27FC236}">
+                <a16:creationId xmlns:a16="http://schemas.microsoft.com/office/drawing/2014/main" id="{197D7DEB-8F44-4C24-B6AB-ABAC5E1BCBAA}"/>
+              </a:ext>
+            </a:extLst>
+          </p:cNvPr>
+          <p:cNvSpPr>
+            <a:spLocks noGrp="1"/>
+          </p:cNvSpPr>
+          <p:nvPr>
+            <p:ph idx="1"/>
+          </p:nvPr>
+        </p:nvSpPr>
+        <p:spPr>
+          <a:xfrm>
+            <a:off x="838200" y="993494"/>
+            <a:ext cx="10515600" cy="514163"/>
+          </a:xfrm>
+        </p:spPr>
+        <p:txBody>
+          <a:bodyPr/>
+          <a:lstStyle/>
+          <a:p>
+            <a:r>
+              <a:rPr lang="zh-TW" altLang="en-US"/>
+              <a:t>點開原始碼，上方可能會出現此藍條：</a:t>
+            </a:r>
+            <a:endParaRPr lang="en-US" altLang="zh-TW"/>
+          </a:p>
+        </p:txBody>
+      </p:sp>
+      <p:sp>
+        <p:nvSpPr>
+          <p:cNvPr id="10" name="內容版面配置區 2">
+            <a:extLst>
+              <a:ext uri="{FF2B5EF4-FFF2-40B4-BE49-F238E27FC236}">
+                <a16:creationId xmlns:a16="http://schemas.microsoft.com/office/drawing/2014/main" id="{8E19C092-61D4-4101-BE3F-5070F129B359}"/>
+              </a:ext>
+            </a:extLst>
+          </p:cNvPr>
+          <p:cNvSpPr txBox="1">
+            <a:spLocks/>
+          </p:cNvSpPr>
+          <p:nvPr/>
+        </p:nvSpPr>
+        <p:spPr>
+          <a:xfrm>
+            <a:off x="838200" y="2174350"/>
+            <a:ext cx="10515600" cy="1028431"/>
+          </a:xfrm>
+          <a:prstGeom prst="rect">
+            <a:avLst/>
+          </a:prstGeom>
+        </p:spPr>
+        <p:txBody>
+          <a:bodyPr vert="horz" lIns="91440" tIns="45720" rIns="91440" bIns="45720" rtlCol="0">
+            <a:normAutofit/>
+          </a:bodyPr>
+          <a:lstStyle>
+            <a:lvl1pPr marL="0" indent="0" algn="l" defTabSz="914400" rtl="0" eaLnBrk="1" latinLnBrk="0" hangingPunct="1">
+              <a:lnSpc>
+                <a:spcPct val="90000"/>
+              </a:lnSpc>
+              <a:spcBef>
+                <a:spcPts val="1000"/>
+              </a:spcBef>
+              <a:buFont typeface="Arial" panose="020B0604020202020204" pitchFamily="34" charset="0"/>
+              <a:buNone/>
+              <a:defRPr sz="2800" kern="1200">
+                <a:solidFill>
+                  <a:schemeClr val="tx1"/>
+                </a:solidFill>
+                <a:latin typeface="+mn-lt"/>
+                <a:ea typeface="+mn-ea"/>
+                <a:cs typeface="+mn-cs"/>
+              </a:defRPr>
+            </a:lvl1pPr>
+            <a:lvl2pPr marL="457200" indent="0" algn="l" defTabSz="914400" rtl="0" eaLnBrk="1" latinLnBrk="0" hangingPunct="1">
+              <a:lnSpc>
+                <a:spcPct val="90000"/>
+              </a:lnSpc>
+              <a:spcBef>
+                <a:spcPts val="500"/>
+              </a:spcBef>
+              <a:buFont typeface="Arial" panose="020B0604020202020204" pitchFamily="34" charset="0"/>
+              <a:buNone/>
+              <a:defRPr sz="2400" kern="1200">
+                <a:solidFill>
+                  <a:schemeClr val="tx1"/>
+                </a:solidFill>
+                <a:latin typeface="+mn-lt"/>
+                <a:ea typeface="+mn-ea"/>
+                <a:cs typeface="+mn-cs"/>
+              </a:defRPr>
+            </a:lvl2pPr>
+            <a:lvl3pPr marL="914400" indent="0" algn="l" defTabSz="914400" rtl="0" eaLnBrk="1" latinLnBrk="0" hangingPunct="1">
+              <a:lnSpc>
+                <a:spcPct val="90000"/>
+              </a:lnSpc>
+              <a:spcBef>
+                <a:spcPts val="500"/>
+              </a:spcBef>
+              <a:buFont typeface="Arial" panose="020B0604020202020204" pitchFamily="34" charset="0"/>
+              <a:buNone/>
+              <a:defRPr sz="2000" kern="1200">
+                <a:solidFill>
+                  <a:schemeClr val="tx1"/>
+                </a:solidFill>
+                <a:latin typeface="+mn-lt"/>
+                <a:ea typeface="+mn-ea"/>
+                <a:cs typeface="+mn-cs"/>
+              </a:defRPr>
+            </a:lvl3pPr>
+            <a:lvl4pPr marL="1371600" indent="0" algn="l" defTabSz="914400" rtl="0" eaLnBrk="1" latinLnBrk="0" hangingPunct="1">
+              <a:lnSpc>
+                <a:spcPct val="90000"/>
+              </a:lnSpc>
+              <a:spcBef>
+                <a:spcPts val="500"/>
+              </a:spcBef>
+              <a:buFont typeface="Arial" panose="020B0604020202020204" pitchFamily="34" charset="0"/>
+              <a:buNone/>
+              <a:defRPr sz="1800" kern="1200">
+                <a:solidFill>
+                  <a:schemeClr val="tx1"/>
+                </a:solidFill>
+                <a:latin typeface="+mn-lt"/>
+                <a:ea typeface="+mn-ea"/>
+                <a:cs typeface="+mn-cs"/>
+              </a:defRPr>
+            </a:lvl4pPr>
+            <a:lvl5pPr marL="1828800" indent="0" algn="l" defTabSz="914400" rtl="0" eaLnBrk="1" latinLnBrk="0" hangingPunct="1">
+              <a:lnSpc>
+                <a:spcPct val="90000"/>
+              </a:lnSpc>
+              <a:spcBef>
+                <a:spcPts val="500"/>
+              </a:spcBef>
+              <a:buFont typeface="Arial" panose="020B0604020202020204" pitchFamily="34" charset="0"/>
+              <a:buNone/>
+              <a:defRPr sz="1800" kern="1200">
+                <a:solidFill>
+                  <a:schemeClr val="tx1"/>
+                </a:solidFill>
+                <a:latin typeface="+mn-lt"/>
+                <a:ea typeface="+mn-ea"/>
+                <a:cs typeface="+mn-cs"/>
+              </a:defRPr>
+            </a:lvl5pPr>
+            <a:lvl6pPr marL="2514600" indent="-228600" algn="l" defTabSz="914400" rtl="0" eaLnBrk="1" latinLnBrk="0" hangingPunct="1">
+              <a:lnSpc>
+                <a:spcPct val="90000"/>
+              </a:lnSpc>
+              <a:spcBef>
+                <a:spcPts val="500"/>
+              </a:spcBef>
+              <a:buFont typeface="Arial" panose="020B0604020202020204" pitchFamily="34" charset="0"/>
+              <a:buChar char="•"/>
+              <a:defRPr sz="1800" kern="1200">
+                <a:solidFill>
+                  <a:schemeClr val="tx1"/>
+                </a:solidFill>
+                <a:latin typeface="+mn-lt"/>
+                <a:ea typeface="+mn-ea"/>
+                <a:cs typeface="+mn-cs"/>
+              </a:defRPr>
+            </a:lvl6pPr>
+            <a:lvl7pPr marL="2971800" indent="-228600" algn="l" defTabSz="914400" rtl="0" eaLnBrk="1" latinLnBrk="0" hangingPunct="1">
+              <a:lnSpc>
+                <a:spcPct val="90000"/>
+              </a:lnSpc>
+              <a:spcBef>
+                <a:spcPts val="500"/>
+              </a:spcBef>
+              <a:buFont typeface="Arial" panose="020B0604020202020204" pitchFamily="34" charset="0"/>
+              <a:buChar char="•"/>
+              <a:defRPr sz="1800" kern="1200">
+                <a:solidFill>
+                  <a:schemeClr val="tx1"/>
+                </a:solidFill>
+                <a:latin typeface="+mn-lt"/>
+                <a:ea typeface="+mn-ea"/>
+                <a:cs typeface="+mn-cs"/>
+              </a:defRPr>
+            </a:lvl7pPr>
+            <a:lvl8pPr marL="3429000" indent="-228600" algn="l" defTabSz="914400" rtl="0" eaLnBrk="1" latinLnBrk="0" hangingPunct="1">
+              <a:lnSpc>
+                <a:spcPct val="90000"/>
+              </a:lnSpc>
+              <a:spcBef>
+                <a:spcPts val="500"/>
+              </a:spcBef>
+              <a:buFont typeface="Arial" panose="020B0604020202020204" pitchFamily="34" charset="0"/>
+              <a:buChar char="•"/>
+              <a:defRPr sz="1800" kern="1200">
+                <a:solidFill>
+                  <a:schemeClr val="tx1"/>
+                </a:solidFill>
+                <a:latin typeface="+mn-lt"/>
+                <a:ea typeface="+mn-ea"/>
+                <a:cs typeface="+mn-cs"/>
+              </a:defRPr>
+            </a:lvl8pPr>
+            <a:lvl9pPr marL="3886200" indent="-228600" algn="l" defTabSz="914400" rtl="0" eaLnBrk="1" latinLnBrk="0" hangingPunct="1">
+              <a:lnSpc>
+                <a:spcPct val="90000"/>
+              </a:lnSpc>
+              <a:spcBef>
+                <a:spcPts val="500"/>
+              </a:spcBef>
+              <a:buFont typeface="Arial" panose="020B0604020202020204" pitchFamily="34" charset="0"/>
+              <a:buChar char="•"/>
+              <a:defRPr sz="1800" kern="1200">
+                <a:solidFill>
+                  <a:schemeClr val="tx1"/>
+                </a:solidFill>
+                <a:latin typeface="+mn-lt"/>
+                <a:ea typeface="+mn-ea"/>
+                <a:cs typeface="+mn-cs"/>
+              </a:defRPr>
+            </a:lvl9pPr>
+          </a:lstStyle>
+          <a:p>
+            <a:r>
+              <a:rPr lang="zh-TW" altLang="en-US"/>
+              <a:t>點擊 </a:t>
+            </a:r>
+            <a:r>
+              <a:rPr lang="en-US" altLang="zh-TW">
+                <a:solidFill>
+                  <a:srgbClr val="FFC000"/>
+                </a:solidFill>
+              </a:rPr>
+              <a:t>"Choose Sources..."</a:t>
+            </a:r>
+            <a:r>
+              <a:rPr lang="zh-TW" altLang="en-US"/>
+              <a:t>，會彈出一個視窗選擇原始碼</a:t>
+            </a:r>
+            <a:endParaRPr lang="en-US" altLang="zh-TW"/>
+          </a:p>
+          <a:p>
+            <a:r>
+              <a:rPr lang="zh-TW" altLang="en-US"/>
+              <a:t>若有以 </a:t>
+            </a:r>
+            <a:r>
+              <a:rPr lang="en-US" altLang="zh-TW">
+                <a:solidFill>
+                  <a:srgbClr val="FFFF00"/>
+                </a:solidFill>
+              </a:rPr>
+              <a:t>"sources" </a:t>
+            </a:r>
+            <a:r>
+              <a:rPr lang="zh-TW" altLang="en-US"/>
+              <a:t>結尾的 </a:t>
+            </a:r>
+            <a:r>
+              <a:rPr lang="en-US" altLang="zh-TW"/>
+              <a:t>jar </a:t>
+            </a:r>
+            <a:r>
+              <a:rPr lang="zh-TW" altLang="en-US"/>
+              <a:t>檔案，請選擇並點擊 </a:t>
+            </a:r>
+            <a:r>
+              <a:rPr lang="en-US" altLang="zh-TW">
+                <a:solidFill>
+                  <a:srgbClr val="92D050"/>
+                </a:solidFill>
+              </a:rPr>
+              <a:t>OK</a:t>
+            </a:r>
+          </a:p>
+        </p:txBody>
+      </p:sp>
+      <p:pic>
+        <p:nvPicPr>
+          <p:cNvPr id="12" name="圖片 11">
+            <a:extLst>
+              <a:ext uri="{FF2B5EF4-FFF2-40B4-BE49-F238E27FC236}">
+                <a16:creationId xmlns:a16="http://schemas.microsoft.com/office/drawing/2014/main" id="{3EC65081-3CF4-4664-88DF-D6FA6FF7BC77}"/>
+              </a:ext>
+            </a:extLst>
+          </p:cNvPr>
+          <p:cNvPicPr>
+            <a:picLocks noChangeAspect="1"/>
+          </p:cNvPicPr>
+          <p:nvPr/>
+        </p:nvPicPr>
+        <p:blipFill>
+          <a:blip r:embed="rId2"/>
+          <a:stretch>
+            <a:fillRect/>
+          </a:stretch>
+        </p:blipFill>
+        <p:spPr>
+          <a:xfrm>
+            <a:off x="838200" y="3202781"/>
+            <a:ext cx="10515600" cy="3344720"/>
+          </a:xfrm>
+          <a:prstGeom prst="rect">
+            <a:avLst/>
+          </a:prstGeom>
+        </p:spPr>
+      </p:pic>
+      <p:grpSp>
+        <p:nvGrpSpPr>
+          <p:cNvPr id="14" name="群組 13">
+            <a:extLst>
+              <a:ext uri="{FF2B5EF4-FFF2-40B4-BE49-F238E27FC236}">
+                <a16:creationId xmlns:a16="http://schemas.microsoft.com/office/drawing/2014/main" id="{77FD5EC7-7BD4-43C7-B087-D69B7AEBB8B8}"/>
+              </a:ext>
+            </a:extLst>
+          </p:cNvPr>
+          <p:cNvGrpSpPr/>
+          <p:nvPr/>
+        </p:nvGrpSpPr>
+        <p:grpSpPr>
+          <a:xfrm>
+            <a:off x="838200" y="1507657"/>
+            <a:ext cx="10515600" cy="588392"/>
+            <a:chOff x="838200" y="1507657"/>
+            <a:chExt cx="10515600" cy="588392"/>
+          </a:xfrm>
+        </p:grpSpPr>
+        <p:pic>
+          <p:nvPicPr>
+            <p:cNvPr id="7" name="圖片 6">
+              <a:extLst>
+                <a:ext uri="{FF2B5EF4-FFF2-40B4-BE49-F238E27FC236}">
+                  <a16:creationId xmlns:a16="http://schemas.microsoft.com/office/drawing/2014/main" id="{A979AB62-BC43-409C-BAFF-920BB06BDE9E}"/>
+                </a:ext>
+              </a:extLst>
+            </p:cNvPr>
+            <p:cNvPicPr>
+              <a:picLocks noChangeAspect="1"/>
+            </p:cNvPicPr>
+            <p:nvPr/>
+          </p:nvPicPr>
+          <p:blipFill>
+            <a:blip r:embed="rId3"/>
+            <a:stretch>
+              <a:fillRect/>
+            </a:stretch>
+          </p:blipFill>
+          <p:spPr>
+            <a:xfrm>
+              <a:off x="838200" y="1507657"/>
+              <a:ext cx="10515600" cy="588392"/>
+            </a:xfrm>
+            <a:prstGeom prst="rect">
+              <a:avLst/>
+            </a:prstGeom>
+          </p:spPr>
+        </p:pic>
+        <p:sp>
+          <p:nvSpPr>
+            <p:cNvPr id="13" name="矩形: 圓角 12">
+              <a:extLst>
+                <a:ext uri="{FF2B5EF4-FFF2-40B4-BE49-F238E27FC236}">
+                  <a16:creationId xmlns:a16="http://schemas.microsoft.com/office/drawing/2014/main" id="{D98336F1-6CC6-42FB-9F8B-AC159764ACD2}"/>
+                </a:ext>
+              </a:extLst>
+            </p:cNvPr>
+            <p:cNvSpPr/>
+            <p:nvPr/>
+          </p:nvSpPr>
+          <p:spPr>
+            <a:xfrm>
+              <a:off x="10384630" y="1854653"/>
+              <a:ext cx="914401" cy="208058"/>
+            </a:xfrm>
+            <a:prstGeom prst="roundRect">
+              <a:avLst/>
+            </a:prstGeom>
+            <a:noFill/>
+            <a:ln w="38100">
+              <a:solidFill>
+                <a:srgbClr val="FFC000"/>
+              </a:solidFill>
+            </a:ln>
+          </p:spPr>
+          <p:style>
+            <a:lnRef idx="2">
+              <a:schemeClr val="accent1">
+                <a:shade val="50000"/>
+              </a:schemeClr>
+            </a:lnRef>
+            <a:fillRef idx="1">
+              <a:schemeClr val="accent1"/>
+            </a:fillRef>
+            <a:effectRef idx="0">
+              <a:schemeClr val="accent1"/>
+            </a:effectRef>
+            <a:fontRef idx="minor">
+              <a:schemeClr val="lt1"/>
+            </a:fontRef>
+          </p:style>
+          <p:txBody>
+            <a:bodyPr rtlCol="0" anchor="ctr"/>
+            <a:lstStyle/>
+            <a:p>
+              <a:pPr algn="ctr"/>
+              <a:endParaRPr lang="zh-TW" altLang="en-US" sz="2000"/>
+            </a:p>
+          </p:txBody>
+        </p:sp>
+      </p:grpSp>
+      <p:sp>
+        <p:nvSpPr>
+          <p:cNvPr id="15" name="矩形: 圓角 14">
+            <a:extLst>
+              <a:ext uri="{FF2B5EF4-FFF2-40B4-BE49-F238E27FC236}">
+                <a16:creationId xmlns:a16="http://schemas.microsoft.com/office/drawing/2014/main" id="{F899D047-4899-485A-9150-B7AF232801EE}"/>
+              </a:ext>
+            </a:extLst>
+          </p:cNvPr>
+          <p:cNvSpPr/>
+          <p:nvPr/>
+        </p:nvSpPr>
+        <p:spPr>
+          <a:xfrm>
+            <a:off x="5960269" y="5231607"/>
+            <a:ext cx="319087" cy="91328"/>
+          </a:xfrm>
+          <a:prstGeom prst="roundRect">
+            <a:avLst/>
+          </a:prstGeom>
+          <a:noFill/>
+          <a:ln w="12700">
+            <a:solidFill>
+              <a:srgbClr val="FFFF00"/>
+            </a:solidFill>
+          </a:ln>
+        </p:spPr>
+        <p:style>
+          <a:lnRef idx="2">
+            <a:schemeClr val="accent1">
+              <a:shade val="50000"/>
+            </a:schemeClr>
+          </a:lnRef>
+          <a:fillRef idx="1">
+            <a:schemeClr val="accent1"/>
+          </a:fillRef>
+          <a:effectRef idx="0">
+            <a:schemeClr val="accent1"/>
+          </a:effectRef>
+          <a:fontRef idx="minor">
+            <a:schemeClr val="lt1"/>
+          </a:fontRef>
+        </p:style>
+        <p:txBody>
+          <a:bodyPr rtlCol="0" anchor="ctr"/>
+          <a:lstStyle/>
+          <a:p>
+            <a:pPr algn="ctr"/>
+            <a:endParaRPr lang="zh-TW" altLang="en-US" sz="2000"/>
+          </a:p>
+        </p:txBody>
+      </p:sp>
+      <p:sp>
+        <p:nvSpPr>
+          <p:cNvPr id="18" name="矩形: 圓角 17">
+            <a:extLst>
+              <a:ext uri="{FF2B5EF4-FFF2-40B4-BE49-F238E27FC236}">
+                <a16:creationId xmlns:a16="http://schemas.microsoft.com/office/drawing/2014/main" id="{CE773702-CEC2-46C3-B91E-5E3C893F2E60}"/>
+              </a:ext>
+            </a:extLst>
+          </p:cNvPr>
+          <p:cNvSpPr/>
+          <p:nvPr/>
+        </p:nvSpPr>
+        <p:spPr>
+          <a:xfrm>
+            <a:off x="2440782" y="5207467"/>
+            <a:ext cx="3990976" cy="138440"/>
+          </a:xfrm>
+          <a:prstGeom prst="roundRect">
+            <a:avLst/>
+          </a:prstGeom>
+          <a:noFill/>
+          <a:ln w="12700">
+            <a:solidFill>
+              <a:srgbClr val="FFFF00"/>
+            </a:solidFill>
+          </a:ln>
+        </p:spPr>
+        <p:style>
+          <a:lnRef idx="2">
+            <a:schemeClr val="accent1">
+              <a:shade val="50000"/>
+            </a:schemeClr>
+          </a:lnRef>
+          <a:fillRef idx="1">
+            <a:schemeClr val="accent1"/>
+          </a:fillRef>
+          <a:effectRef idx="0">
+            <a:schemeClr val="accent1"/>
+          </a:effectRef>
+          <a:fontRef idx="minor">
+            <a:schemeClr val="lt1"/>
+          </a:fontRef>
+        </p:style>
+        <p:txBody>
+          <a:bodyPr rtlCol="0" anchor="ctr"/>
+          <a:lstStyle/>
+          <a:p>
+            <a:pPr algn="ctr"/>
+            <a:endParaRPr lang="zh-TW" altLang="en-US" sz="2000"/>
+          </a:p>
+        </p:txBody>
+      </p:sp>
+      <p:sp>
+        <p:nvSpPr>
+          <p:cNvPr id="19" name="矩形: 圓角 18">
+            <a:extLst>
+              <a:ext uri="{FF2B5EF4-FFF2-40B4-BE49-F238E27FC236}">
+                <a16:creationId xmlns:a16="http://schemas.microsoft.com/office/drawing/2014/main" id="{D7D36AF7-ADCB-4A51-8EF3-3F1C7D5A4429}"/>
+              </a:ext>
+            </a:extLst>
+          </p:cNvPr>
+          <p:cNvSpPr/>
+          <p:nvPr/>
+        </p:nvSpPr>
+        <p:spPr>
+          <a:xfrm>
+            <a:off x="10223267" y="6256323"/>
+            <a:ext cx="539984" cy="249251"/>
+          </a:xfrm>
+          <a:prstGeom prst="roundRect">
+            <a:avLst/>
+          </a:prstGeom>
+          <a:noFill/>
+          <a:ln w="38100">
+            <a:solidFill>
+              <a:srgbClr val="92D050"/>
+            </a:solidFill>
+          </a:ln>
+        </p:spPr>
+        <p:style>
+          <a:lnRef idx="2">
+            <a:schemeClr val="accent1">
+              <a:shade val="50000"/>
+            </a:schemeClr>
+          </a:lnRef>
+          <a:fillRef idx="1">
+            <a:schemeClr val="accent1"/>
+          </a:fillRef>
+          <a:effectRef idx="0">
+            <a:schemeClr val="accent1"/>
+          </a:effectRef>
+          <a:fontRef idx="minor">
+            <a:schemeClr val="lt1"/>
+          </a:fontRef>
+        </p:style>
+        <p:txBody>
+          <a:bodyPr rtlCol="0" anchor="ctr"/>
+          <a:lstStyle/>
+          <a:p>
+            <a:pPr algn="ctr"/>
+            <a:endParaRPr lang="zh-TW" altLang="en-US" sz="2000"/>
+          </a:p>
+        </p:txBody>
+      </p:sp>
+    </p:spTree>
+    <p:extLst>
+      <p:ext uri="{BB962C8B-B14F-4D97-AF65-F5344CB8AC3E}">
+        <p14:creationId xmlns:p14="http://schemas.microsoft.com/office/powerpoint/2010/main" val="4189508423"/>
+      </p:ext>
+    </p:extLst>
+  </p:cSld>
+  <p:clrMapOvr>
+    <a:masterClrMapping/>
+  </p:clrMapOvr>
+  <p:transition spd="slow">
+    <p:push dir="u"/>
+  </p:transition>
+</p:sld>
+</file>
+
+<file path=ppt/slides/slide29.xml><?xml version="1.0" encoding="utf-8"?>
+<p:sld xmlns:a="http://schemas.openxmlformats.org/drawingml/2006/main" xmlns:r="http://schemas.openxmlformats.org/officeDocument/2006/relationships" xmlns:p="http://schemas.openxmlformats.org/presentationml/2006/main">
+  <p:cSld>
+    <p:spTree>
+      <p:nvGrpSpPr>
+        <p:cNvPr id="1" name=""/>
+        <p:cNvGrpSpPr/>
+        <p:nvPr/>
+      </p:nvGrpSpPr>
+      <p:grpSpPr>
+        <a:xfrm>
+          <a:off x="0" y="0"/>
+          <a:ext cx="0" cy="0"/>
+          <a:chOff x="0" y="0"/>
+          <a:chExt cx="0" cy="0"/>
+        </a:xfrm>
+      </p:grpSpPr>
+      <p:sp>
+        <p:nvSpPr>
+          <p:cNvPr id="2" name="標題 1">
+            <a:extLst>
+              <a:ext uri="{FF2B5EF4-FFF2-40B4-BE49-F238E27FC236}">
+                <a16:creationId xmlns:a16="http://schemas.microsoft.com/office/drawing/2014/main" id="{2FED1890-340A-4405-97D7-47D98E07C4C3}"/>
+              </a:ext>
+            </a:extLst>
+          </p:cNvPr>
+          <p:cNvSpPr>
+            <a:spLocks noGrp="1"/>
+          </p:cNvSpPr>
+          <p:nvPr>
+            <p:ph type="title"/>
+          </p:nvPr>
+        </p:nvSpPr>
+        <p:spPr>
+          <a:xfrm>
+            <a:off x="838200" y="365125"/>
+            <a:ext cx="7248618" cy="1325563"/>
+          </a:xfrm>
+        </p:spPr>
+        <p:txBody>
+          <a:bodyPr/>
+          <a:lstStyle/>
+          <a:p>
+            <a:r>
+              <a:rPr lang="en-US" altLang="zh-TW"/>
+              <a:t>Minecraft </a:t>
+            </a:r>
+            <a:r>
+              <a:rPr lang="zh-TW" altLang="en-US"/>
+              <a:t>原始碼</a:t>
+            </a:r>
+          </a:p>
+        </p:txBody>
+      </p:sp>
+      <p:sp>
+        <p:nvSpPr>
+          <p:cNvPr id="3" name="內容版面配置區 2">
+            <a:extLst>
+              <a:ext uri="{FF2B5EF4-FFF2-40B4-BE49-F238E27FC236}">
+                <a16:creationId xmlns:a16="http://schemas.microsoft.com/office/drawing/2014/main" id="{6A11EECC-4266-4AA6-B8E5-F535401539E4}"/>
+              </a:ext>
+            </a:extLst>
+          </p:cNvPr>
+          <p:cNvSpPr>
+            <a:spLocks noGrp="1"/>
+          </p:cNvSpPr>
+          <p:nvPr>
+            <p:ph idx="1"/>
+          </p:nvPr>
+        </p:nvSpPr>
+        <p:spPr>
+          <a:xfrm>
+            <a:off x="838200" y="2233771"/>
+            <a:ext cx="7000875" cy="3732212"/>
+          </a:xfrm>
+        </p:spPr>
+        <p:txBody>
+          <a:bodyPr/>
+          <a:lstStyle/>
+          <a:p>
+            <a:r>
+              <a:rPr lang="zh-TW" altLang="en-US"/>
+              <a:t>若沒有以 </a:t>
+            </a:r>
+            <a:r>
+              <a:rPr lang="en-US" altLang="zh-TW">
+                <a:solidFill>
+                  <a:srgbClr val="FFFF00"/>
+                </a:solidFill>
+              </a:rPr>
+              <a:t>"sources" </a:t>
+            </a:r>
+            <a:r>
+              <a:rPr lang="zh-TW" altLang="en-US"/>
+              <a:t>結尾的 </a:t>
+            </a:r>
+            <a:r>
+              <a:rPr lang="en-US" altLang="zh-TW"/>
+              <a:t>jar </a:t>
+            </a:r>
+            <a:r>
+              <a:rPr lang="zh-TW" altLang="en-US"/>
+              <a:t>檔案</a:t>
+            </a:r>
+            <a:endParaRPr lang="en-US" altLang="zh-TW"/>
+          </a:p>
+          <a:p>
+            <a:r>
+              <a:rPr lang="zh-TW" altLang="en-US"/>
+              <a:t>則點擊 </a:t>
+            </a:r>
+            <a:r>
+              <a:rPr lang="en-US" altLang="zh-TW">
+                <a:solidFill>
+                  <a:srgbClr val="92D050"/>
+                </a:solidFill>
+              </a:rPr>
+              <a:t>Cancel</a:t>
+            </a:r>
+            <a:r>
+              <a:rPr lang="en-US" altLang="zh-TW"/>
+              <a:t> </a:t>
+            </a:r>
+            <a:r>
+              <a:rPr lang="zh-TW" altLang="en-US"/>
+              <a:t>後</a:t>
+            </a:r>
+            <a:endParaRPr lang="en-US" altLang="zh-TW"/>
+          </a:p>
+          <a:p>
+            <a:r>
+              <a:rPr lang="zh-TW" altLang="en-US"/>
+              <a:t>點擊右方 </a:t>
+            </a:r>
+            <a:r>
+              <a:rPr lang="en-US" altLang="zh-TW">
+                <a:solidFill>
+                  <a:srgbClr val="FFC000"/>
+                </a:solidFill>
+              </a:rPr>
+              <a:t>Gradle</a:t>
+            </a:r>
+          </a:p>
+          <a:p>
+            <a:r>
+              <a:rPr lang="zh-TW" altLang="en-US"/>
+              <a:t>並執行 </a:t>
+            </a:r>
+            <a:r>
+              <a:rPr lang="en-US" altLang="zh-TW">
+                <a:solidFill>
+                  <a:srgbClr val="92D050"/>
+                </a:solidFill>
+              </a:rPr>
+              <a:t>genSources</a:t>
+            </a:r>
+            <a:r>
+              <a:rPr lang="en-US" altLang="zh-TW">
+                <a:solidFill>
+                  <a:srgbClr val="FFC000"/>
+                </a:solidFill>
+              </a:rPr>
+              <a:t> </a:t>
+            </a:r>
+            <a:r>
+              <a:rPr lang="zh-TW" altLang="en-US">
+                <a:solidFill>
+                  <a:srgbClr val="00B0F0"/>
+                </a:solidFill>
+              </a:rPr>
+              <a:t>任務</a:t>
+            </a:r>
+            <a:endParaRPr lang="en-US" altLang="zh-TW">
+              <a:solidFill>
+                <a:srgbClr val="00B0F0"/>
+              </a:solidFill>
+            </a:endParaRPr>
+          </a:p>
+          <a:p>
+            <a:r>
+              <a:rPr lang="zh-TW" altLang="en-US"/>
+              <a:t>再重新點擊 </a:t>
+            </a:r>
+            <a:r>
+              <a:rPr lang="en-US" altLang="zh-TW">
+                <a:solidFill>
+                  <a:srgbClr val="FFC000"/>
+                </a:solidFill>
+              </a:rPr>
+              <a:t>"Choose Sources..."</a:t>
+            </a:r>
+          </a:p>
+          <a:p>
+            <a:r>
+              <a:rPr lang="zh-TW" altLang="en-US"/>
+              <a:t>選擇以 </a:t>
+            </a:r>
+            <a:r>
+              <a:rPr lang="en-US" altLang="zh-TW">
+                <a:solidFill>
+                  <a:srgbClr val="FFFF00"/>
+                </a:solidFill>
+              </a:rPr>
+              <a:t>"sources" </a:t>
+            </a:r>
+            <a:r>
+              <a:rPr lang="zh-TW" altLang="en-US"/>
+              <a:t>結尾的 </a:t>
+            </a:r>
+            <a:r>
+              <a:rPr lang="en-US" altLang="zh-TW"/>
+              <a:t>jar </a:t>
+            </a:r>
+            <a:r>
+              <a:rPr lang="zh-TW" altLang="en-US"/>
+              <a:t>檔案</a:t>
+            </a:r>
+            <a:endParaRPr lang="en-US" altLang="zh-TW"/>
+          </a:p>
+          <a:p>
+            <a:r>
+              <a:rPr lang="zh-TW" altLang="en-US"/>
+              <a:t>並點擊 </a:t>
+            </a:r>
+            <a:r>
+              <a:rPr lang="en-US" altLang="zh-TW">
+                <a:solidFill>
+                  <a:srgbClr val="92D050"/>
+                </a:solidFill>
+              </a:rPr>
+              <a:t>OK</a:t>
+            </a:r>
+            <a:endParaRPr lang="zh-TW" altLang="en-US"/>
+          </a:p>
+        </p:txBody>
+      </p:sp>
+      <p:grpSp>
+        <p:nvGrpSpPr>
+          <p:cNvPr id="10" name="群組 9">
+            <a:extLst>
+              <a:ext uri="{FF2B5EF4-FFF2-40B4-BE49-F238E27FC236}">
+                <a16:creationId xmlns:a16="http://schemas.microsoft.com/office/drawing/2014/main" id="{1E7148E6-128D-45AE-B25A-995568E1211E}"/>
+              </a:ext>
+            </a:extLst>
+          </p:cNvPr>
+          <p:cNvGrpSpPr/>
+          <p:nvPr/>
+        </p:nvGrpSpPr>
+        <p:grpSpPr>
+          <a:xfrm>
+            <a:off x="7839075" y="376530"/>
+            <a:ext cx="3473006" cy="6126232"/>
+            <a:chOff x="8086818" y="452730"/>
+            <a:chExt cx="3473006" cy="6126232"/>
+          </a:xfrm>
+        </p:grpSpPr>
+        <p:pic>
+          <p:nvPicPr>
+            <p:cNvPr id="7" name="圖片 6">
+              <a:extLst>
+                <a:ext uri="{FF2B5EF4-FFF2-40B4-BE49-F238E27FC236}">
+                  <a16:creationId xmlns:a16="http://schemas.microsoft.com/office/drawing/2014/main" id="{1284F389-46CF-4F92-9A3C-CF784AE6968C}"/>
+                </a:ext>
+              </a:extLst>
+            </p:cNvPr>
+            <p:cNvPicPr>
+              <a:picLocks noChangeAspect="1"/>
+            </p:cNvPicPr>
+            <p:nvPr/>
+          </p:nvPicPr>
+          <p:blipFill rotWithShape="1">
+            <a:blip r:embed="rId2" cstate="screen">
+              <a:extLst>
+                <a:ext uri="{28A0092B-C50C-407E-A947-70E740481C1C}">
+                  <a14:useLocalDpi xmlns:a14="http://schemas.microsoft.com/office/drawing/2010/main"/>
+                </a:ext>
+              </a:extLst>
+            </a:blip>
+            <a:srcRect/>
+            <a:stretch/>
+          </p:blipFill>
+          <p:spPr>
+            <a:xfrm>
+              <a:off x="8086818" y="452730"/>
+              <a:ext cx="3457766" cy="6126232"/>
+            </a:xfrm>
+            <a:prstGeom prst="rect">
+              <a:avLst/>
+            </a:prstGeom>
+          </p:spPr>
+        </p:pic>
+        <p:sp>
+          <p:nvSpPr>
+            <p:cNvPr id="8" name="矩形: 圓角 7">
+              <a:extLst>
+                <a:ext uri="{FF2B5EF4-FFF2-40B4-BE49-F238E27FC236}">
+                  <a16:creationId xmlns:a16="http://schemas.microsoft.com/office/drawing/2014/main" id="{5DACA032-C9A7-4643-9E05-089A6688791D}"/>
+                </a:ext>
+              </a:extLst>
+            </p:cNvPr>
+            <p:cNvSpPr/>
+            <p:nvPr/>
+          </p:nvSpPr>
+          <p:spPr>
+            <a:xfrm>
+              <a:off x="8623231" y="4760456"/>
+              <a:ext cx="676979" cy="195262"/>
+            </a:xfrm>
+            <a:prstGeom prst="roundRect">
+              <a:avLst/>
+            </a:prstGeom>
+            <a:noFill/>
+            <a:ln w="38100">
+              <a:solidFill>
+                <a:srgbClr val="92D050"/>
+              </a:solidFill>
+            </a:ln>
+          </p:spPr>
+          <p:style>
+            <a:lnRef idx="2">
+              <a:schemeClr val="accent1">
+                <a:shade val="50000"/>
+              </a:schemeClr>
+            </a:lnRef>
+            <a:fillRef idx="1">
+              <a:schemeClr val="accent1"/>
+            </a:fillRef>
+            <a:effectRef idx="0">
+              <a:schemeClr val="accent1"/>
+            </a:effectRef>
+            <a:fontRef idx="minor">
+              <a:schemeClr val="lt1"/>
+            </a:fontRef>
+          </p:style>
+          <p:txBody>
+            <a:bodyPr rtlCol="0" anchor="ctr"/>
+            <a:lstStyle/>
+            <a:p>
+              <a:pPr algn="ctr"/>
+              <a:endParaRPr lang="zh-TW" altLang="en-US" sz="2000"/>
+            </a:p>
+          </p:txBody>
+        </p:sp>
+        <p:sp>
+          <p:nvSpPr>
+            <p:cNvPr id="9" name="矩形: 圓角 8">
+              <a:extLst>
+                <a:ext uri="{FF2B5EF4-FFF2-40B4-BE49-F238E27FC236}">
+                  <a16:creationId xmlns:a16="http://schemas.microsoft.com/office/drawing/2014/main" id="{C6128A79-ADE7-45F8-A58F-75561D1C6354}"/>
+                </a:ext>
+              </a:extLst>
+            </p:cNvPr>
+            <p:cNvSpPr/>
+            <p:nvPr/>
+          </p:nvSpPr>
+          <p:spPr>
+            <a:xfrm>
+              <a:off x="11178255" y="1755140"/>
+              <a:ext cx="381569" cy="431006"/>
+            </a:xfrm>
+            <a:prstGeom prst="roundRect">
+              <a:avLst/>
+            </a:prstGeom>
+            <a:noFill/>
+            <a:ln w="38100">
+              <a:solidFill>
+                <a:srgbClr val="FFC000"/>
+              </a:solidFill>
+            </a:ln>
+          </p:spPr>
+          <p:style>
+            <a:lnRef idx="2">
+              <a:schemeClr val="accent1">
+                <a:shade val="50000"/>
+              </a:schemeClr>
+            </a:lnRef>
+            <a:fillRef idx="1">
+              <a:schemeClr val="accent1"/>
+            </a:fillRef>
+            <a:effectRef idx="0">
+              <a:schemeClr val="accent1"/>
+            </a:effectRef>
+            <a:fontRef idx="minor">
+              <a:schemeClr val="lt1"/>
+            </a:fontRef>
+          </p:style>
+          <p:txBody>
+            <a:bodyPr rtlCol="0" anchor="ctr"/>
+            <a:lstStyle/>
+            <a:p>
+              <a:pPr algn="ctr"/>
+              <a:endParaRPr lang="zh-TW" altLang="en-US" sz="2000"/>
+            </a:p>
+          </p:txBody>
+        </p:sp>
+      </p:grpSp>
+    </p:spTree>
+    <p:extLst>
+      <p:ext uri="{BB962C8B-B14F-4D97-AF65-F5344CB8AC3E}">
+        <p14:creationId xmlns:p14="http://schemas.microsoft.com/office/powerpoint/2010/main" val="430318360"/>
+      </p:ext>
+    </p:extLst>
+  </p:cSld>
+  <p:clrMapOvr>
+    <a:masterClrMapping/>
+  </p:clrMapOvr>
+  <p:transition spd="slow">
+    <p:push dir="u"/>
+  </p:transition>
+</p:sld>
+</file>
+
 <file path=ppt/slides/slide3.xml><?xml version="1.0" encoding="utf-8"?>
 <p:sld xmlns:a="http://schemas.openxmlformats.org/drawingml/2006/main" xmlns:r="http://schemas.openxmlformats.org/officeDocument/2006/relationships" xmlns:p="http://schemas.openxmlformats.org/presentationml/2006/main">
   <p:cSld>
@@ -16727,6 +18484,760 @@
     <p:extLst>
       <p:ext uri="{BB962C8B-B14F-4D97-AF65-F5344CB8AC3E}">
         <p14:creationId xmlns:p14="http://schemas.microsoft.com/office/powerpoint/2010/main" val="3154945298"/>
+      </p:ext>
+    </p:extLst>
+  </p:cSld>
+  <p:clrMapOvr>
+    <a:masterClrMapping/>
+  </p:clrMapOvr>
+  <p:transition spd="slow">
+    <p:push dir="u"/>
+  </p:transition>
+</p:sld>
+</file>
+
+<file path=ppt/slides/slide30.xml><?xml version="1.0" encoding="utf-8"?>
+<p:sld xmlns:a="http://schemas.openxmlformats.org/drawingml/2006/main" xmlns:r="http://schemas.openxmlformats.org/officeDocument/2006/relationships" xmlns:p="http://schemas.openxmlformats.org/presentationml/2006/main">
+  <p:cSld>
+    <p:spTree>
+      <p:nvGrpSpPr>
+        <p:cNvPr id="1" name=""/>
+        <p:cNvGrpSpPr/>
+        <p:nvPr/>
+      </p:nvGrpSpPr>
+      <p:grpSpPr>
+        <a:xfrm>
+          <a:off x="0" y="0"/>
+          <a:ext cx="0" cy="0"/>
+          <a:chOff x="0" y="0"/>
+          <a:chExt cx="0" cy="0"/>
+        </a:xfrm>
+      </p:grpSpPr>
+      <p:sp>
+        <p:nvSpPr>
+          <p:cNvPr id="2" name="標題 1">
+            <a:extLst>
+              <a:ext uri="{FF2B5EF4-FFF2-40B4-BE49-F238E27FC236}">
+                <a16:creationId xmlns:a16="http://schemas.microsoft.com/office/drawing/2014/main" id="{035F3270-3F1E-45D2-BA29-844E5B744EA0}"/>
+              </a:ext>
+            </a:extLst>
+          </p:cNvPr>
+          <p:cNvSpPr>
+            <a:spLocks noGrp="1"/>
+          </p:cNvSpPr>
+          <p:nvPr>
+            <p:ph type="title"/>
+          </p:nvPr>
+        </p:nvSpPr>
+        <p:spPr>
+          <a:xfrm>
+            <a:off x="838200" y="0"/>
+            <a:ext cx="10515600" cy="1325563"/>
+          </a:xfrm>
+        </p:spPr>
+        <p:txBody>
+          <a:bodyPr/>
+          <a:lstStyle/>
+          <a:p>
+            <a:r>
+              <a:rPr lang="zh-TW" altLang="en-US"/>
+              <a:t>搜尋程式庫</a:t>
+            </a:r>
+          </a:p>
+        </p:txBody>
+      </p:sp>
+      <p:sp>
+        <p:nvSpPr>
+          <p:cNvPr id="3" name="內容版面配置區 2">
+            <a:extLst>
+              <a:ext uri="{FF2B5EF4-FFF2-40B4-BE49-F238E27FC236}">
+                <a16:creationId xmlns:a16="http://schemas.microsoft.com/office/drawing/2014/main" id="{D243979C-CF83-4B0B-B0A4-F746213C04AD}"/>
+              </a:ext>
+            </a:extLst>
+          </p:cNvPr>
+          <p:cNvSpPr>
+            <a:spLocks noGrp="1"/>
+          </p:cNvSpPr>
+          <p:nvPr>
+            <p:ph idx="1"/>
+          </p:nvPr>
+        </p:nvSpPr>
+        <p:spPr>
+          <a:xfrm>
+            <a:off x="761999" y="1245710"/>
+            <a:ext cx="10836303" cy="3056062"/>
+          </a:xfrm>
+        </p:spPr>
+        <p:txBody>
+          <a:bodyPr/>
+          <a:lstStyle/>
+          <a:p>
+            <a:r>
+              <a:rPr lang="zh-TW" altLang="en-US"/>
+              <a:t>連續按兩下 </a:t>
+            </a:r>
+            <a:r>
+              <a:rPr lang="en-US" altLang="zh-TW">
+                <a:solidFill>
+                  <a:srgbClr val="92D050"/>
+                </a:solidFill>
+              </a:rPr>
+              <a:t>Shift</a:t>
+            </a:r>
+            <a:r>
+              <a:rPr lang="en-US" altLang="zh-TW"/>
+              <a:t> </a:t>
+            </a:r>
+            <a:r>
+              <a:rPr lang="zh-TW" altLang="en-US"/>
+              <a:t>或點擊右上方的</a:t>
+            </a:r>
+            <a:r>
+              <a:rPr lang="zh-TW" altLang="en-US">
+                <a:solidFill>
+                  <a:srgbClr val="92D050"/>
+                </a:solidFill>
+              </a:rPr>
+              <a:t>放大鏡</a:t>
+            </a:r>
+            <a:endParaRPr lang="en-US" altLang="zh-TW">
+              <a:solidFill>
+                <a:srgbClr val="92D050"/>
+              </a:solidFill>
+            </a:endParaRPr>
+          </a:p>
+          <a:p>
+            <a:r>
+              <a:rPr lang="zh-TW" altLang="en-US"/>
+              <a:t>即可使用 </a:t>
+            </a:r>
+            <a:r>
+              <a:rPr lang="en-US" altLang="zh-TW">
+                <a:solidFill>
+                  <a:srgbClr val="00B0F0"/>
+                </a:solidFill>
+              </a:rPr>
+              <a:t>Search Everywhere</a:t>
+            </a:r>
+          </a:p>
+          <a:p>
+            <a:r>
+              <a:rPr lang="zh-TW" altLang="en-US"/>
+              <a:t>記得需勾選 </a:t>
+            </a:r>
+            <a:r>
+              <a:rPr lang="en-US" altLang="zh-TW">
+                <a:solidFill>
+                  <a:srgbClr val="FFC000"/>
+                </a:solidFill>
+              </a:rPr>
+              <a:t>"Include non-project items"</a:t>
+            </a:r>
+          </a:p>
+          <a:p>
+            <a:r>
+              <a:rPr lang="zh-TW" altLang="en-US"/>
+              <a:t>或將搜尋範圍改成 </a:t>
+            </a:r>
+            <a:r>
+              <a:rPr lang="en-US" altLang="zh-TW">
+                <a:solidFill>
+                  <a:srgbClr val="FFC000"/>
+                </a:solidFill>
+              </a:rPr>
+              <a:t>"All Places"</a:t>
+            </a:r>
+            <a:r>
+              <a:rPr lang="zh-TW" altLang="en-US">
+                <a:solidFill>
+                  <a:srgbClr val="FFC000"/>
+                </a:solidFill>
+              </a:rPr>
+              <a:t> </a:t>
+            </a:r>
+            <a:r>
+              <a:rPr lang="zh-TW" altLang="en-US"/>
+              <a:t>才能確保搜尋的到</a:t>
+            </a:r>
+            <a:endParaRPr lang="en-US" altLang="zh-TW"/>
+          </a:p>
+          <a:p>
+            <a:r>
+              <a:rPr lang="zh-TW" altLang="en-US"/>
+              <a:t>另需注意，可能很多個</a:t>
+            </a:r>
+            <a:r>
+              <a:rPr lang="zh-TW" altLang="en-US">
+                <a:solidFill>
+                  <a:srgbClr val="00B0F0"/>
+                </a:solidFill>
+              </a:rPr>
+              <a:t>程式庫</a:t>
+            </a:r>
+            <a:r>
+              <a:rPr lang="zh-TW" altLang="en-US"/>
+              <a:t>中有相同名稱的東西</a:t>
+            </a:r>
+            <a:endParaRPr lang="en-US" altLang="zh-TW"/>
+          </a:p>
+          <a:p>
+            <a:r>
+              <a:rPr lang="zh-TW" altLang="en-US"/>
+              <a:t>可以從</a:t>
+            </a:r>
+            <a:r>
+              <a:rPr lang="zh-TW" altLang="en-US">
+                <a:solidFill>
+                  <a:srgbClr val="00B0F0"/>
+                </a:solidFill>
+              </a:rPr>
+              <a:t>套件</a:t>
+            </a:r>
+            <a:r>
+              <a:rPr lang="zh-TW" altLang="en-US"/>
+              <a:t>名稱或所處</a:t>
+            </a:r>
+            <a:r>
+              <a:rPr lang="zh-TW" altLang="en-US">
+                <a:solidFill>
+                  <a:srgbClr val="00B0F0"/>
+                </a:solidFill>
+              </a:rPr>
+              <a:t>路徑</a:t>
+            </a:r>
+            <a:r>
+              <a:rPr lang="zh-TW" altLang="en-US"/>
+              <a:t>來判斷，也可以直接試錯</a:t>
+            </a:r>
+            <a:endParaRPr lang="en-US" altLang="zh-TW"/>
+          </a:p>
+        </p:txBody>
+      </p:sp>
+      <p:grpSp>
+        <p:nvGrpSpPr>
+          <p:cNvPr id="7" name="群組 6">
+            <a:extLst>
+              <a:ext uri="{FF2B5EF4-FFF2-40B4-BE49-F238E27FC236}">
+                <a16:creationId xmlns:a16="http://schemas.microsoft.com/office/drawing/2014/main" id="{B6B551AD-4B4E-422B-9440-5F5049D19703}"/>
+              </a:ext>
+            </a:extLst>
+          </p:cNvPr>
+          <p:cNvGrpSpPr/>
+          <p:nvPr/>
+        </p:nvGrpSpPr>
+        <p:grpSpPr>
+          <a:xfrm>
+            <a:off x="7736940" y="1245710"/>
+            <a:ext cx="3861363" cy="708349"/>
+            <a:chOff x="7813140" y="1825625"/>
+            <a:chExt cx="3861363" cy="708349"/>
+          </a:xfrm>
+        </p:grpSpPr>
+        <p:pic>
+          <p:nvPicPr>
+            <p:cNvPr id="5" name="圖片 4">
+              <a:extLst>
+                <a:ext uri="{FF2B5EF4-FFF2-40B4-BE49-F238E27FC236}">
+                  <a16:creationId xmlns:a16="http://schemas.microsoft.com/office/drawing/2014/main" id="{2CAD86F1-9BC4-4F9F-9829-E5E0CA401923}"/>
+                </a:ext>
+              </a:extLst>
+            </p:cNvPr>
+            <p:cNvPicPr>
+              <a:picLocks noChangeAspect="1"/>
+            </p:cNvPicPr>
+            <p:nvPr/>
+          </p:nvPicPr>
+          <p:blipFill>
+            <a:blip r:embed="rId2"/>
+            <a:stretch>
+              <a:fillRect/>
+            </a:stretch>
+          </p:blipFill>
+          <p:spPr>
+            <a:xfrm>
+              <a:off x="7813140" y="1825625"/>
+              <a:ext cx="3861363" cy="708349"/>
+            </a:xfrm>
+            <a:prstGeom prst="rect">
+              <a:avLst/>
+            </a:prstGeom>
+          </p:spPr>
+        </p:pic>
+        <p:sp>
+          <p:nvSpPr>
+            <p:cNvPr id="6" name="矩形: 圓角 5">
+              <a:extLst>
+                <a:ext uri="{FF2B5EF4-FFF2-40B4-BE49-F238E27FC236}">
+                  <a16:creationId xmlns:a16="http://schemas.microsoft.com/office/drawing/2014/main" id="{AE42B356-9548-4384-B173-F1FAA00520F6}"/>
+                </a:ext>
+              </a:extLst>
+            </p:cNvPr>
+            <p:cNvSpPr/>
+            <p:nvPr/>
+          </p:nvSpPr>
+          <p:spPr>
+            <a:xfrm>
+              <a:off x="11034890" y="2227439"/>
+              <a:ext cx="259380" cy="249842"/>
+            </a:xfrm>
+            <a:prstGeom prst="roundRect">
+              <a:avLst/>
+            </a:prstGeom>
+            <a:noFill/>
+            <a:ln w="38100">
+              <a:solidFill>
+                <a:srgbClr val="92D050"/>
+              </a:solidFill>
+            </a:ln>
+          </p:spPr>
+          <p:style>
+            <a:lnRef idx="2">
+              <a:schemeClr val="accent1">
+                <a:shade val="50000"/>
+              </a:schemeClr>
+            </a:lnRef>
+            <a:fillRef idx="1">
+              <a:schemeClr val="accent1"/>
+            </a:fillRef>
+            <a:effectRef idx="0">
+              <a:schemeClr val="accent1"/>
+            </a:effectRef>
+            <a:fontRef idx="minor">
+              <a:schemeClr val="lt1"/>
+            </a:fontRef>
+          </p:style>
+          <p:txBody>
+            <a:bodyPr rtlCol="0" anchor="ctr"/>
+            <a:lstStyle/>
+            <a:p>
+              <a:pPr algn="ctr"/>
+              <a:endParaRPr lang="zh-TW" altLang="en-US" sz="2000"/>
+            </a:p>
+          </p:txBody>
+        </p:sp>
+      </p:grpSp>
+      <p:grpSp>
+        <p:nvGrpSpPr>
+          <p:cNvPr id="14" name="群組 13">
+            <a:extLst>
+              <a:ext uri="{FF2B5EF4-FFF2-40B4-BE49-F238E27FC236}">
+                <a16:creationId xmlns:a16="http://schemas.microsoft.com/office/drawing/2014/main" id="{1D998DFE-F50F-44E6-ADD9-18AF01012B59}"/>
+              </a:ext>
+            </a:extLst>
+          </p:cNvPr>
+          <p:cNvGrpSpPr/>
+          <p:nvPr/>
+        </p:nvGrpSpPr>
+        <p:grpSpPr>
+          <a:xfrm>
+            <a:off x="761999" y="4531803"/>
+            <a:ext cx="5007003" cy="1875347"/>
+            <a:chOff x="6591300" y="4531803"/>
+            <a:chExt cx="5007003" cy="1875347"/>
+          </a:xfrm>
+        </p:grpSpPr>
+        <p:pic>
+          <p:nvPicPr>
+            <p:cNvPr id="9" name="圖片 8">
+              <a:extLst>
+                <a:ext uri="{FF2B5EF4-FFF2-40B4-BE49-F238E27FC236}">
+                  <a16:creationId xmlns:a16="http://schemas.microsoft.com/office/drawing/2014/main" id="{3A48D67F-87D0-4E5C-AF82-03CA81872919}"/>
+                </a:ext>
+              </a:extLst>
+            </p:cNvPr>
+            <p:cNvPicPr>
+              <a:picLocks noChangeAspect="1"/>
+            </p:cNvPicPr>
+            <p:nvPr/>
+          </p:nvPicPr>
+          <p:blipFill rotWithShape="1">
+            <a:blip r:embed="rId3"/>
+            <a:srcRect b="63966"/>
+            <a:stretch/>
+          </p:blipFill>
+          <p:spPr>
+            <a:xfrm>
+              <a:off x="6591300" y="4531803"/>
+              <a:ext cx="5007003" cy="1875347"/>
+            </a:xfrm>
+            <a:prstGeom prst="rect">
+              <a:avLst/>
+            </a:prstGeom>
+          </p:spPr>
+        </p:pic>
+        <p:sp>
+          <p:nvSpPr>
+            <p:cNvPr id="13" name="矩形: 圓角 12">
+              <a:extLst>
+                <a:ext uri="{FF2B5EF4-FFF2-40B4-BE49-F238E27FC236}">
+                  <a16:creationId xmlns:a16="http://schemas.microsoft.com/office/drawing/2014/main" id="{95C5DCFA-A7CD-4E47-A6F9-510B22DD1913}"/>
+                </a:ext>
+              </a:extLst>
+            </p:cNvPr>
+            <p:cNvSpPr/>
+            <p:nvPr/>
+          </p:nvSpPr>
+          <p:spPr>
+            <a:xfrm>
+              <a:off x="9492854" y="4552744"/>
+              <a:ext cx="1380886" cy="249842"/>
+            </a:xfrm>
+            <a:prstGeom prst="roundRect">
+              <a:avLst/>
+            </a:prstGeom>
+            <a:noFill/>
+            <a:ln w="38100">
+              <a:solidFill>
+                <a:srgbClr val="FFC000"/>
+              </a:solidFill>
+            </a:ln>
+          </p:spPr>
+          <p:style>
+            <a:lnRef idx="2">
+              <a:schemeClr val="accent1">
+                <a:shade val="50000"/>
+              </a:schemeClr>
+            </a:lnRef>
+            <a:fillRef idx="1">
+              <a:schemeClr val="accent1"/>
+            </a:fillRef>
+            <a:effectRef idx="0">
+              <a:schemeClr val="accent1"/>
+            </a:effectRef>
+            <a:fontRef idx="minor">
+              <a:schemeClr val="lt1"/>
+            </a:fontRef>
+          </p:style>
+          <p:txBody>
+            <a:bodyPr rtlCol="0" anchor="ctr"/>
+            <a:lstStyle/>
+            <a:p>
+              <a:pPr algn="ctr"/>
+              <a:endParaRPr lang="zh-TW" altLang="en-US" sz="2000"/>
+            </a:p>
+          </p:txBody>
+        </p:sp>
+      </p:grpSp>
+      <p:grpSp>
+        <p:nvGrpSpPr>
+          <p:cNvPr id="22" name="群組 21">
+            <a:extLst>
+              <a:ext uri="{FF2B5EF4-FFF2-40B4-BE49-F238E27FC236}">
+                <a16:creationId xmlns:a16="http://schemas.microsoft.com/office/drawing/2014/main" id="{0706C99A-AD38-47B1-ACA1-5BAC711BC3C5}"/>
+              </a:ext>
+            </a:extLst>
+          </p:cNvPr>
+          <p:cNvGrpSpPr/>
+          <p:nvPr/>
+        </p:nvGrpSpPr>
+        <p:grpSpPr>
+          <a:xfrm>
+            <a:off x="6535142" y="4531803"/>
+            <a:ext cx="5063160" cy="1875347"/>
+            <a:chOff x="6535142" y="4531803"/>
+            <a:chExt cx="5063160" cy="1875347"/>
+          </a:xfrm>
+        </p:grpSpPr>
+        <p:pic>
+          <p:nvPicPr>
+            <p:cNvPr id="11" name="圖片 10">
+              <a:extLst>
+                <a:ext uri="{FF2B5EF4-FFF2-40B4-BE49-F238E27FC236}">
+                  <a16:creationId xmlns:a16="http://schemas.microsoft.com/office/drawing/2014/main" id="{E9A3AA76-AD40-4077-8BC2-EB1AB7747A50}"/>
+                </a:ext>
+              </a:extLst>
+            </p:cNvPr>
+            <p:cNvPicPr>
+              <a:picLocks noChangeAspect="1"/>
+            </p:cNvPicPr>
+            <p:nvPr/>
+          </p:nvPicPr>
+          <p:blipFill rotWithShape="1">
+            <a:blip r:embed="rId4"/>
+            <a:srcRect b="64365"/>
+            <a:stretch/>
+          </p:blipFill>
+          <p:spPr>
+            <a:xfrm>
+              <a:off x="6535142" y="4531803"/>
+              <a:ext cx="5063160" cy="1875347"/>
+            </a:xfrm>
+            <a:prstGeom prst="rect">
+              <a:avLst/>
+            </a:prstGeom>
+          </p:spPr>
+        </p:pic>
+        <p:sp>
+          <p:nvSpPr>
+            <p:cNvPr id="12" name="矩形: 圓角 11">
+              <a:extLst>
+                <a:ext uri="{FF2B5EF4-FFF2-40B4-BE49-F238E27FC236}">
+                  <a16:creationId xmlns:a16="http://schemas.microsoft.com/office/drawing/2014/main" id="{2E849625-4512-47F8-87CB-F2F3CA5938A0}"/>
+                </a:ext>
+              </a:extLst>
+            </p:cNvPr>
+            <p:cNvSpPr/>
+            <p:nvPr/>
+          </p:nvSpPr>
+          <p:spPr>
+            <a:xfrm>
+              <a:off x="10312996" y="4552744"/>
+              <a:ext cx="580786" cy="249842"/>
+            </a:xfrm>
+            <a:prstGeom prst="roundRect">
+              <a:avLst/>
+            </a:prstGeom>
+            <a:noFill/>
+            <a:ln w="38100">
+              <a:solidFill>
+                <a:srgbClr val="FFC000"/>
+              </a:solidFill>
+            </a:ln>
+          </p:spPr>
+          <p:style>
+            <a:lnRef idx="2">
+              <a:schemeClr val="accent1">
+                <a:shade val="50000"/>
+              </a:schemeClr>
+            </a:lnRef>
+            <a:fillRef idx="1">
+              <a:schemeClr val="accent1"/>
+            </a:fillRef>
+            <a:effectRef idx="0">
+              <a:schemeClr val="accent1"/>
+            </a:effectRef>
+            <a:fontRef idx="minor">
+              <a:schemeClr val="lt1"/>
+            </a:fontRef>
+          </p:style>
+          <p:txBody>
+            <a:bodyPr rtlCol="0" anchor="ctr"/>
+            <a:lstStyle/>
+            <a:p>
+              <a:pPr algn="ctr"/>
+              <a:endParaRPr lang="zh-TW" altLang="en-US" sz="2000"/>
+            </a:p>
+          </p:txBody>
+        </p:sp>
+        <p:sp>
+          <p:nvSpPr>
+            <p:cNvPr id="16" name="矩形: 圓角 15">
+              <a:extLst>
+                <a:ext uri="{FF2B5EF4-FFF2-40B4-BE49-F238E27FC236}">
+                  <a16:creationId xmlns:a16="http://schemas.microsoft.com/office/drawing/2014/main" id="{45113176-894A-4365-B381-D827C2A0EA64}"/>
+                </a:ext>
+              </a:extLst>
+            </p:cNvPr>
+            <p:cNvSpPr/>
+            <p:nvPr/>
+          </p:nvSpPr>
+          <p:spPr>
+            <a:xfrm>
+              <a:off x="7165938" y="5196437"/>
+              <a:ext cx="880306" cy="120608"/>
+            </a:xfrm>
+            <a:prstGeom prst="roundRect">
+              <a:avLst/>
+            </a:prstGeom>
+            <a:noFill/>
+            <a:ln w="19050">
+              <a:solidFill>
+                <a:srgbClr val="00B050"/>
+              </a:solidFill>
+            </a:ln>
+          </p:spPr>
+          <p:style>
+            <a:lnRef idx="2">
+              <a:schemeClr val="accent1">
+                <a:shade val="50000"/>
+              </a:schemeClr>
+            </a:lnRef>
+            <a:fillRef idx="1">
+              <a:schemeClr val="accent1"/>
+            </a:fillRef>
+            <a:effectRef idx="0">
+              <a:schemeClr val="accent1"/>
+            </a:effectRef>
+            <a:fontRef idx="minor">
+              <a:schemeClr val="lt1"/>
+            </a:fontRef>
+          </p:style>
+          <p:txBody>
+            <a:bodyPr rtlCol="0" anchor="ctr"/>
+            <a:lstStyle/>
+            <a:p>
+              <a:pPr algn="ctr"/>
+              <a:endParaRPr lang="zh-TW" altLang="en-US" sz="2000"/>
+            </a:p>
+          </p:txBody>
+        </p:sp>
+        <p:sp>
+          <p:nvSpPr>
+            <p:cNvPr id="17" name="矩形: 圓角 16">
+              <a:extLst>
+                <a:ext uri="{FF2B5EF4-FFF2-40B4-BE49-F238E27FC236}">
+                  <a16:creationId xmlns:a16="http://schemas.microsoft.com/office/drawing/2014/main" id="{6F997EEE-B844-4784-8FAF-0C058D5C249B}"/>
+                </a:ext>
+              </a:extLst>
+            </p:cNvPr>
+            <p:cNvSpPr/>
+            <p:nvPr/>
+          </p:nvSpPr>
+          <p:spPr>
+            <a:xfrm>
+              <a:off x="7165938" y="5384007"/>
+              <a:ext cx="735050" cy="120608"/>
+            </a:xfrm>
+            <a:prstGeom prst="roundRect">
+              <a:avLst/>
+            </a:prstGeom>
+            <a:noFill/>
+            <a:ln w="19050">
+              <a:solidFill>
+                <a:srgbClr val="FF5001"/>
+              </a:solidFill>
+            </a:ln>
+          </p:spPr>
+          <p:style>
+            <a:lnRef idx="2">
+              <a:schemeClr val="accent1">
+                <a:shade val="50000"/>
+              </a:schemeClr>
+            </a:lnRef>
+            <a:fillRef idx="1">
+              <a:schemeClr val="accent1"/>
+            </a:fillRef>
+            <a:effectRef idx="0">
+              <a:schemeClr val="accent1"/>
+            </a:effectRef>
+            <a:fontRef idx="minor">
+              <a:schemeClr val="lt1"/>
+            </a:fontRef>
+          </p:style>
+          <p:txBody>
+            <a:bodyPr rtlCol="0" anchor="ctr"/>
+            <a:lstStyle/>
+            <a:p>
+              <a:pPr algn="ctr"/>
+              <a:endParaRPr lang="zh-TW" altLang="en-US" sz="2000"/>
+            </a:p>
+          </p:txBody>
+        </p:sp>
+        <p:sp>
+          <p:nvSpPr>
+            <p:cNvPr id="18" name="文字方塊 17">
+              <a:extLst>
+                <a:ext uri="{FF2B5EF4-FFF2-40B4-BE49-F238E27FC236}">
+                  <a16:creationId xmlns:a16="http://schemas.microsoft.com/office/drawing/2014/main" id="{FA7D9956-5B6F-403C-8170-F1B9C63F97AC}"/>
+                </a:ext>
+              </a:extLst>
+            </p:cNvPr>
+            <p:cNvSpPr txBox="1"/>
+            <p:nvPr/>
+          </p:nvSpPr>
+          <p:spPr>
+            <a:xfrm>
+              <a:off x="7064320" y="4950216"/>
+              <a:ext cx="1345240" cy="246221"/>
+            </a:xfrm>
+            <a:prstGeom prst="rect">
+              <a:avLst/>
+            </a:prstGeom>
+            <a:noFill/>
+          </p:spPr>
+          <p:txBody>
+            <a:bodyPr wrap="none" rtlCol="0">
+              <a:spAutoFit/>
+            </a:bodyPr>
+            <a:lstStyle/>
+            <a:p>
+              <a:r>
+                <a:rPr lang="zh-TW" altLang="en-US" sz="1000">
+                  <a:solidFill>
+                    <a:srgbClr val="00B050"/>
+                  </a:solidFill>
+                </a:rPr>
+                <a:t>與 </a:t>
+              </a:r>
+              <a:r>
+                <a:rPr lang="en-US" altLang="zh-TW" sz="1000">
+                  <a:solidFill>
+                    <a:srgbClr val="00B050"/>
+                  </a:solidFill>
+                </a:rPr>
+                <a:t>Minecraft </a:t>
+              </a:r>
+              <a:r>
+                <a:rPr lang="zh-TW" altLang="en-US" sz="1000">
+                  <a:solidFill>
+                    <a:srgbClr val="00B050"/>
+                  </a:solidFill>
+                </a:rPr>
+                <a:t>有關</a:t>
+              </a:r>
+            </a:p>
+          </p:txBody>
+        </p:sp>
+        <p:sp>
+          <p:nvSpPr>
+            <p:cNvPr id="21" name="文字方塊 20">
+              <a:extLst>
+                <a:ext uri="{FF2B5EF4-FFF2-40B4-BE49-F238E27FC236}">
+                  <a16:creationId xmlns:a16="http://schemas.microsoft.com/office/drawing/2014/main" id="{9CB486CB-659A-4ED8-87B2-94A42F3EA830}"/>
+                </a:ext>
+              </a:extLst>
+            </p:cNvPr>
+            <p:cNvSpPr txBox="1"/>
+            <p:nvPr/>
+          </p:nvSpPr>
+          <p:spPr>
+            <a:xfrm>
+              <a:off x="7877041" y="5317045"/>
+              <a:ext cx="1345240" cy="246221"/>
+            </a:xfrm>
+            <a:prstGeom prst="rect">
+              <a:avLst/>
+            </a:prstGeom>
+            <a:noFill/>
+          </p:spPr>
+          <p:txBody>
+            <a:bodyPr wrap="none" rtlCol="0">
+              <a:spAutoFit/>
+            </a:bodyPr>
+            <a:lstStyle/>
+            <a:p>
+              <a:r>
+                <a:rPr lang="zh-TW" altLang="en-US" sz="1000">
+                  <a:solidFill>
+                    <a:srgbClr val="FF5001"/>
+                  </a:solidFill>
+                </a:rPr>
+                <a:t>與 </a:t>
+              </a:r>
+              <a:r>
+                <a:rPr lang="en-US" altLang="zh-TW" sz="1000">
+                  <a:solidFill>
+                    <a:srgbClr val="FF5001"/>
+                  </a:solidFill>
+                </a:rPr>
+                <a:t>Minecraft </a:t>
+              </a:r>
+              <a:r>
+                <a:rPr lang="zh-TW" altLang="en-US" sz="1000">
+                  <a:solidFill>
+                    <a:srgbClr val="FF5001"/>
+                  </a:solidFill>
+                </a:rPr>
+                <a:t>無關</a:t>
+              </a:r>
+            </a:p>
+          </p:txBody>
+        </p:sp>
+      </p:grpSp>
+    </p:spTree>
+    <p:extLst>
+      <p:ext uri="{BB962C8B-B14F-4D97-AF65-F5344CB8AC3E}">
+        <p14:creationId xmlns:p14="http://schemas.microsoft.com/office/powerpoint/2010/main" val="3147747390"/>
       </p:ext>
     </p:extLst>
   </p:cSld>

--- a/ppt/50_Java 專案：前置作業.pptx
+++ b/ppt/50_Java 專案：前置作業.pptx
@@ -5,7 +5,7 @@
     <p:sldMasterId id="2147483665" r:id="rId1"/>
   </p:sldMasterIdLst>
   <p:notesMasterIdLst>
-    <p:notesMasterId r:id="rId32"/>
+    <p:notesMasterId r:id="rId34"/>
   </p:notesMasterIdLst>
   <p:sldIdLst>
     <p:sldId id="256" r:id="rId2"/>
@@ -38,6 +38,8 @@
     <p:sldId id="308" r:id="rId29"/>
     <p:sldId id="309" r:id="rId30"/>
     <p:sldId id="310" r:id="rId31"/>
+    <p:sldId id="311" r:id="rId32"/>
+    <p:sldId id="312" r:id="rId33"/>
   </p:sldIdLst>
   <p:sldSz cx="12192000" cy="6858000"/>
   <p:notesSz cx="6858000" cy="9144000"/>
@@ -238,7 +240,7 @@
           <a:p>
             <a:fld id="{C27144CB-533C-4CD2-9ED3-63FEE8E9FA13}" type="datetimeFigureOut">
               <a:rPr lang="zh-TW" altLang="en-US" smtClean="0"/>
-              <a:t>2025/2/12</a:t>
+              <a:t>2025/2/14</a:t>
             </a:fld>
             <a:endParaRPr lang="zh-TW" altLang="en-US"/>
           </a:p>
@@ -2586,8 +2588,14 @@
             <p:nvPr/>
           </p:nvPicPr>
           <p:blipFill rotWithShape="1">
-            <a:blip r:embed="rId2"/>
-            <a:srcRect l="12529"/>
+            <a:blip r:embed="rId2" cstate="screen">
+              <a:extLst>
+                <a:ext uri="{28A0092B-C50C-407E-A947-70E740481C1C}">
+                  <a14:useLocalDpi xmlns:a14="http://schemas.microsoft.com/office/drawing/2010/main"/>
+                </a:ext>
+              </a:extLst>
+            </a:blip>
+            <a:srcRect/>
             <a:stretch/>
           </p:blipFill>
           <p:spPr>
@@ -2740,8 +2748,14 @@
             <p:nvPr/>
           </p:nvPicPr>
           <p:blipFill rotWithShape="1">
-            <a:blip r:embed="rId3"/>
-            <a:srcRect l="142" t="142" r="142" b="142"/>
+            <a:blip r:embed="rId3" cstate="screen">
+              <a:extLst>
+                <a:ext uri="{28A0092B-C50C-407E-A947-70E740481C1C}">
+                  <a14:useLocalDpi xmlns:a14="http://schemas.microsoft.com/office/drawing/2010/main"/>
+                </a:ext>
+              </a:extLst>
+            </a:blip>
+            <a:srcRect/>
             <a:stretch/>
           </p:blipFill>
           <p:spPr>
@@ -3368,8 +3382,14 @@
           <p:nvPr/>
         </p:nvPicPr>
         <p:blipFill rotWithShape="1">
-          <a:blip r:embed="rId2"/>
-          <a:srcRect l="12335" b="17382"/>
+          <a:blip r:embed="rId2" cstate="screen">
+            <a:extLst>
+              <a:ext uri="{28A0092B-C50C-407E-A947-70E740481C1C}">
+                <a14:useLocalDpi xmlns:a14="http://schemas.microsoft.com/office/drawing/2010/main"/>
+              </a:ext>
+            </a:extLst>
+          </a:blip>
+          <a:srcRect/>
           <a:stretch/>
         </p:blipFill>
         <p:spPr>
@@ -3858,7 +3878,12 @@
             <p:ph type="title"/>
           </p:nvPr>
         </p:nvSpPr>
-        <p:spPr/>
+        <p:spPr>
+          <a:xfrm>
+            <a:off x="838200" y="0"/>
+            <a:ext cx="10515600" cy="1325563"/>
+          </a:xfrm>
+        </p:spPr>
         <p:txBody>
           <a:bodyPr/>
           <a:lstStyle/>
@@ -3888,12 +3913,14 @@
         </p:nvSpPr>
         <p:spPr>
           <a:xfrm>
-            <a:off x="838200" y="1662113"/>
-            <a:ext cx="7486650" cy="4578488"/>
+            <a:off x="838200" y="942985"/>
+            <a:ext cx="7486650" cy="5731806"/>
           </a:xfrm>
         </p:spPr>
         <p:txBody>
-          <a:bodyPr/>
+          <a:bodyPr>
+            <a:normAutofit/>
+          </a:bodyPr>
           <a:lstStyle/>
           <a:p>
             <a:r>
@@ -3924,7 +3951,7 @@
           <a:p>
             <a:r>
               <a:rPr lang="zh-TW" altLang="en-US"/>
-              <a:t>為專案程式碼和資源的主要存放之處</a:t>
+              <a:t>為專案原始碼和資源的主要存放之處</a:t>
             </a:r>
             <a:endParaRPr lang="en-US" altLang="zh-TW"/>
           </a:p>
@@ -3943,11 +3970,8 @@
             </a:r>
             <a:r>
               <a:rPr lang="zh-TW" altLang="en-US"/>
-              <a:t>資料夾存放通用程式碼或資源</a:t>
-            </a:r>
-            <a:endParaRPr lang="en-US" altLang="zh-TW"/>
-          </a:p>
-          <a:p>
+              <a:t>和 </a:t>
+            </a:r>
             <a:r>
               <a:rPr lang="en-US" altLang="zh-TW">
                 <a:solidFill>
@@ -3962,7 +3986,41 @@
             </a:r>
             <a:r>
               <a:rPr lang="zh-TW" altLang="en-US"/>
-              <a:t>資料夾存放客戶端專屬程式碼或資源</a:t>
+              <a:t>為</a:t>
+            </a:r>
+            <a:r>
+              <a:rPr lang="zh-TW" altLang="en-US">
+                <a:solidFill>
+                  <a:srgbClr val="00B0F0"/>
+                </a:solidFill>
+              </a:rPr>
+              <a:t>模組</a:t>
+            </a:r>
+            <a:r>
+              <a:rPr lang="en-US" altLang="zh-TW">
+                <a:solidFill>
+                  <a:srgbClr val="00B0F0"/>
+                </a:solidFill>
+              </a:rPr>
+              <a:t>(module)</a:t>
+            </a:r>
+          </a:p>
+          <a:p>
+            <a:r>
+              <a:rPr lang="zh-TW" altLang="en-US"/>
+              <a:t>每個</a:t>
+            </a:r>
+            <a:r>
+              <a:rPr lang="zh-TW" altLang="en-US">
+                <a:solidFill>
+                  <a:srgbClr val="00B0F0"/>
+                </a:solidFill>
+              </a:rPr>
+              <a:t>模組</a:t>
+            </a:r>
+            <a:r>
+              <a:rPr lang="zh-TW" altLang="en-US"/>
+              <a:t>各自擁有自己的原始碼和資源資料夾</a:t>
             </a:r>
             <a:endParaRPr lang="en-US" altLang="zh-TW"/>
           </a:p>
@@ -3970,18 +4028,26 @@
             <a:r>
               <a:rPr lang="en-US" altLang="zh-TW">
                 <a:solidFill>
-                  <a:srgbClr val="00B0F0"/>
-                </a:solidFill>
-              </a:rPr>
-              <a:t>java</a:t>
+                  <a:srgbClr val="FFFF00"/>
+                </a:solidFill>
+              </a:rPr>
+              <a:t>main</a:t>
             </a:r>
             <a:r>
               <a:rPr lang="en-US" altLang="zh-TW"/>
               <a:t> </a:t>
             </a:r>
             <a:r>
-              <a:rPr lang="zh-TW" altLang="en-US"/>
-              <a:t>資料夾存放程式碼</a:t>
+              <a:rPr lang="zh-TW" altLang="en-US">
+                <a:solidFill>
+                  <a:srgbClr val="00B0F0"/>
+                </a:solidFill>
+              </a:rPr>
+              <a:t>模組</a:t>
+            </a:r>
+            <a:r>
+              <a:rPr lang="zh-TW" altLang="en-US"/>
+              <a:t>為伺服端和客戶端通用</a:t>
             </a:r>
             <a:endParaRPr lang="en-US" altLang="zh-TW"/>
           </a:p>
@@ -3989,18 +4055,64 @@
             <a:r>
               <a:rPr lang="en-US" altLang="zh-TW">
                 <a:solidFill>
-                  <a:srgbClr val="FFC000"/>
-                </a:solidFill>
-              </a:rPr>
-              <a:t>resources</a:t>
+                  <a:srgbClr val="FFFF00"/>
+                </a:solidFill>
+              </a:rPr>
+              <a:t>client</a:t>
             </a:r>
             <a:r>
               <a:rPr lang="en-US" altLang="zh-TW"/>
               <a:t> </a:t>
             </a:r>
             <a:r>
-              <a:rPr lang="zh-TW" altLang="en-US"/>
-              <a:t>資料夾存放資源</a:t>
+              <a:rPr lang="zh-TW" altLang="en-US">
+                <a:solidFill>
+                  <a:srgbClr val="00B0F0"/>
+                </a:solidFill>
+              </a:rPr>
+              <a:t>模組</a:t>
+            </a:r>
+            <a:r>
+              <a:rPr lang="zh-TW" altLang="en-US"/>
+              <a:t>為客戶端專屬</a:t>
+            </a:r>
+            <a:endParaRPr lang="en-US" altLang="zh-TW"/>
+          </a:p>
+          <a:p>
+            <a:r>
+              <a:rPr lang="en-US" altLang="zh-TW">
+                <a:solidFill>
+                  <a:srgbClr val="00B0F0"/>
+                </a:solidFill>
+              </a:rPr>
+              <a:t>java</a:t>
+            </a:r>
+            <a:r>
+              <a:rPr lang="en-US" altLang="zh-TW"/>
+              <a:t> </a:t>
+            </a:r>
+            <a:r>
+              <a:rPr lang="zh-TW" altLang="en-US"/>
+              <a:t>資料夾為原始碼資料夾</a:t>
+            </a:r>
+            <a:endParaRPr lang="en-US" altLang="zh-TW"/>
+          </a:p>
+          <a:p>
+            <a:r>
+              <a:rPr lang="en-US" altLang="zh-TW">
+                <a:solidFill>
+                  <a:srgbClr val="FFC000"/>
+                </a:solidFill>
+              </a:rPr>
+              <a:t>resources</a:t>
+            </a:r>
+            <a:r>
+              <a:rPr lang="en-US" altLang="zh-TW"/>
+              <a:t> </a:t>
+            </a:r>
+            <a:r>
+              <a:rPr lang="zh-TW" altLang="en-US"/>
+              <a:t>資料夾為資源資料夾</a:t>
             </a:r>
             <a:endParaRPr lang="en-US" altLang="zh-TW"/>
           </a:p>
@@ -6249,7 +6361,7 @@
           <a:blip r:embed="rId2">
             <a:extLst>
               <a:ext uri="{28A0092B-C50C-407E-A947-70E740481C1C}">
-                <a14:useLocalDpi xmlns:a14="http://schemas.microsoft.com/office/drawing/2010/main" val="0"/>
+                <a14:useLocalDpi xmlns:a14="http://schemas.microsoft.com/office/drawing/2010/main"/>
               </a:ext>
             </a:extLst>
           </a:blip>
@@ -7735,10 +7847,10 @@
             <p:nvPr/>
           </p:nvPicPr>
           <p:blipFill>
-            <a:blip r:embed="rId4">
+            <a:blip r:embed="rId4" cstate="screen">
               <a:extLst>
                 <a:ext uri="{28A0092B-C50C-407E-A947-70E740481C1C}">
-                  <a14:useLocalDpi xmlns:a14="http://schemas.microsoft.com/office/drawing/2010/main" val="0"/>
+                  <a14:useLocalDpi xmlns:a14="http://schemas.microsoft.com/office/drawing/2010/main"/>
                 </a:ext>
               </a:extLst>
             </a:blip>
@@ -8731,7 +8843,7 @@
           <a:blip r:embed="rId2">
             <a:extLst>
               <a:ext uri="{28A0092B-C50C-407E-A947-70E740481C1C}">
-                <a14:useLocalDpi xmlns:a14="http://schemas.microsoft.com/office/drawing/2010/main" val="0"/>
+                <a14:useLocalDpi xmlns:a14="http://schemas.microsoft.com/office/drawing/2010/main"/>
               </a:ext>
               <a:ext uri="{96DAC541-7B7A-43D3-8B79-37D633B846F1}">
                 <asvg:svgBlip xmlns:asvg="http://schemas.microsoft.com/office/drawing/2016/SVG/main" r:embed="rId3"/>
@@ -16068,7 +16180,7 @@
           <a:blip r:embed="rId2">
             <a:extLst>
               <a:ext uri="{28A0092B-C50C-407E-A947-70E740481C1C}">
-                <a14:useLocalDpi xmlns:a14="http://schemas.microsoft.com/office/drawing/2010/main" val="0"/>
+                <a14:useLocalDpi xmlns:a14="http://schemas.microsoft.com/office/drawing/2010/main"/>
               </a:ext>
             </a:extLst>
           </a:blip>
@@ -18178,10 +18290,10 @@
             <p:nvPr/>
           </p:nvPicPr>
           <p:blipFill>
-            <a:blip r:embed="rId3">
+            <a:blip r:embed="rId3" cstate="screen">
               <a:extLst>
                 <a:ext uri="{28A0092B-C50C-407E-A947-70E740481C1C}">
-                  <a14:useLocalDpi xmlns:a14="http://schemas.microsoft.com/office/drawing/2010/main" val="0"/>
+                  <a14:useLocalDpi xmlns:a14="http://schemas.microsoft.com/office/drawing/2010/main"/>
                 </a:ext>
               </a:extLst>
             </a:blip>
@@ -18851,8 +18963,14 @@
             <p:nvPr/>
           </p:nvPicPr>
           <p:blipFill rotWithShape="1">
-            <a:blip r:embed="rId3"/>
-            <a:srcRect b="63966"/>
+            <a:blip r:embed="rId3" cstate="screen">
+              <a:extLst>
+                <a:ext uri="{28A0092B-C50C-407E-A947-70E740481C1C}">
+                  <a14:useLocalDpi xmlns:a14="http://schemas.microsoft.com/office/drawing/2010/main"/>
+                </a:ext>
+              </a:extLst>
+            </a:blip>
+            <a:srcRect/>
             <a:stretch/>
           </p:blipFill>
           <p:spPr>
@@ -18953,8 +19071,14 @@
             <p:nvPr/>
           </p:nvPicPr>
           <p:blipFill rotWithShape="1">
-            <a:blip r:embed="rId4"/>
-            <a:srcRect b="64365"/>
+            <a:blip r:embed="rId4" cstate="screen">
+              <a:extLst>
+                <a:ext uri="{28A0092B-C50C-407E-A947-70E740481C1C}">
+                  <a14:useLocalDpi xmlns:a14="http://schemas.microsoft.com/office/drawing/2010/main"/>
+                </a:ext>
+              </a:extLst>
+            </a:blip>
+            <a:srcRect/>
             <a:stretch/>
           </p:blipFill>
           <p:spPr>
@@ -19250,6 +19374,2262 @@
 </p:sld>
 </file>
 
+<file path=ppt/slides/slide31.xml><?xml version="1.0" encoding="utf-8"?>
+<p:sld xmlns:a="http://schemas.openxmlformats.org/drawingml/2006/main" xmlns:r="http://schemas.openxmlformats.org/officeDocument/2006/relationships" xmlns:p="http://schemas.openxmlformats.org/presentationml/2006/main">
+  <p:cSld>
+    <p:spTree>
+      <p:nvGrpSpPr>
+        <p:cNvPr id="1" name=""/>
+        <p:cNvGrpSpPr/>
+        <p:nvPr/>
+      </p:nvGrpSpPr>
+      <p:grpSpPr>
+        <a:xfrm>
+          <a:off x="0" y="0"/>
+          <a:ext cx="0" cy="0"/>
+          <a:chOff x="0" y="0"/>
+          <a:chExt cx="0" cy="0"/>
+        </a:xfrm>
+      </p:grpSpPr>
+      <p:sp>
+        <p:nvSpPr>
+          <p:cNvPr id="2" name="標題 1">
+            <a:extLst>
+              <a:ext uri="{FF2B5EF4-FFF2-40B4-BE49-F238E27FC236}">
+                <a16:creationId xmlns:a16="http://schemas.microsoft.com/office/drawing/2014/main" id="{1B93DD7E-DE35-4869-BFB1-FC49A5AFFA04}"/>
+              </a:ext>
+            </a:extLst>
+          </p:cNvPr>
+          <p:cNvSpPr>
+            <a:spLocks noGrp="1"/>
+          </p:cNvSpPr>
+          <p:nvPr>
+            <p:ph type="title"/>
+          </p:nvPr>
+        </p:nvSpPr>
+        <p:spPr/>
+        <p:txBody>
+          <a:bodyPr/>
+          <a:lstStyle/>
+          <a:p>
+            <a:r>
+              <a:rPr lang="zh-TW" altLang="en-US"/>
+              <a:t>初始化器</a:t>
+            </a:r>
+          </a:p>
+        </p:txBody>
+      </p:sp>
+      <p:sp>
+        <p:nvSpPr>
+          <p:cNvPr id="3" name="內容版面配置區 2">
+            <a:extLst>
+              <a:ext uri="{FF2B5EF4-FFF2-40B4-BE49-F238E27FC236}">
+                <a16:creationId xmlns:a16="http://schemas.microsoft.com/office/drawing/2014/main" id="{09A145A0-9977-40FC-990E-C9ED7775F135}"/>
+              </a:ext>
+            </a:extLst>
+          </p:cNvPr>
+          <p:cNvSpPr>
+            <a:spLocks noGrp="1"/>
+          </p:cNvSpPr>
+          <p:nvPr>
+            <p:ph idx="1"/>
+          </p:nvPr>
+        </p:nvSpPr>
+        <p:spPr>
+          <a:xfrm>
+            <a:off x="838200" y="1963925"/>
+            <a:ext cx="10515600" cy="3748812"/>
+          </a:xfrm>
+        </p:spPr>
+        <p:txBody>
+          <a:bodyPr>
+            <a:normAutofit/>
+          </a:bodyPr>
+          <a:lstStyle/>
+          <a:p>
+            <a:r>
+              <a:rPr lang="zh-TW" altLang="en-US"/>
+              <a:t>在 </a:t>
+            </a:r>
+            <a:r>
+              <a:rPr lang="en-US" altLang="zh-TW">
+                <a:solidFill>
+                  <a:srgbClr val="FFFF00"/>
+                </a:solidFill>
+              </a:rPr>
+              <a:t>main</a:t>
+            </a:r>
+            <a:r>
+              <a:rPr lang="en-US" altLang="zh-TW"/>
+              <a:t> </a:t>
+            </a:r>
+            <a:r>
+              <a:rPr lang="zh-TW" altLang="en-US"/>
+              <a:t>和 </a:t>
+            </a:r>
+            <a:r>
+              <a:rPr lang="en-US" altLang="zh-TW">
+                <a:solidFill>
+                  <a:srgbClr val="FFFF00"/>
+                </a:solidFill>
+              </a:rPr>
+              <a:t>client</a:t>
+            </a:r>
+            <a:r>
+              <a:rPr lang="en-US" altLang="zh-TW"/>
+              <a:t> </a:t>
+            </a:r>
+            <a:r>
+              <a:rPr lang="zh-TW" altLang="en-US">
+                <a:solidFill>
+                  <a:srgbClr val="00B0F0"/>
+                </a:solidFill>
+              </a:rPr>
+              <a:t>模組</a:t>
+            </a:r>
+            <a:r>
+              <a:rPr lang="zh-TW" altLang="en-US"/>
+              <a:t>原始碼的</a:t>
+            </a:r>
+            <a:r>
+              <a:rPr lang="zh-TW" altLang="en-US">
+                <a:solidFill>
+                  <a:srgbClr val="00B0F0"/>
+                </a:solidFill>
+              </a:rPr>
+              <a:t>初始套件</a:t>
+            </a:r>
+            <a:r>
+              <a:rPr lang="zh-TW" altLang="en-US"/>
+              <a:t>下</a:t>
+            </a:r>
+            <a:endParaRPr lang="en-US" altLang="zh-TW"/>
+          </a:p>
+          <a:p>
+            <a:r>
+              <a:rPr lang="zh-TW" altLang="en-US"/>
+              <a:t>分別會有 </a:t>
+            </a:r>
+            <a:r>
+              <a:rPr lang="en-US" altLang="zh-TW">
+                <a:solidFill>
+                  <a:srgbClr val="FFFF00"/>
+                </a:solidFill>
+              </a:rPr>
+              <a:t>ModName</a:t>
+            </a:r>
+            <a:r>
+              <a:rPr lang="en-US" altLang="zh-TW"/>
+              <a:t> </a:t>
+            </a:r>
+            <a:r>
+              <a:rPr lang="zh-TW" altLang="en-US">
+                <a:solidFill>
+                  <a:srgbClr val="00B0F0"/>
+                </a:solidFill>
+              </a:rPr>
+              <a:t>類別</a:t>
+            </a:r>
+            <a:r>
+              <a:rPr lang="zh-TW" altLang="en-US"/>
+              <a:t>和 </a:t>
+            </a:r>
+            <a:r>
+              <a:rPr lang="en-US" altLang="zh-TW">
+                <a:solidFill>
+                  <a:srgbClr val="FFFF00"/>
+                </a:solidFill>
+              </a:rPr>
+              <a:t>ModNameClient</a:t>
+            </a:r>
+            <a:r>
+              <a:rPr lang="en-US" altLang="zh-TW"/>
+              <a:t> </a:t>
+            </a:r>
+            <a:r>
+              <a:rPr lang="zh-TW" altLang="en-US">
+                <a:solidFill>
+                  <a:srgbClr val="00B0F0"/>
+                </a:solidFill>
+              </a:rPr>
+              <a:t>類別</a:t>
+            </a:r>
+            <a:endParaRPr lang="en-US" altLang="zh-TW">
+              <a:solidFill>
+                <a:srgbClr val="00B0F0"/>
+              </a:solidFill>
+            </a:endParaRPr>
+          </a:p>
+          <a:p>
+            <a:r>
+              <a:rPr lang="zh-TW" altLang="en-US"/>
+              <a:t>他們分別</a:t>
+            </a:r>
+            <a:r>
+              <a:rPr lang="zh-TW" altLang="en-US">
+                <a:solidFill>
+                  <a:srgbClr val="FFC000"/>
+                </a:solidFill>
+              </a:rPr>
+              <a:t>實作</a:t>
+            </a:r>
+            <a:r>
+              <a:rPr lang="zh-TW" altLang="en-US"/>
+              <a:t> </a:t>
+            </a:r>
+            <a:r>
+              <a:rPr lang="en-US" altLang="zh-TW">
+                <a:solidFill>
+                  <a:srgbClr val="FFFF00"/>
+                </a:solidFill>
+              </a:rPr>
+              <a:t>net.fabricmc.api.ModInitializer</a:t>
+            </a:r>
+            <a:r>
+              <a:rPr lang="en-US" altLang="zh-TW">
+                <a:solidFill>
+                  <a:srgbClr val="FFC000"/>
+                </a:solidFill>
+              </a:rPr>
+              <a:t> </a:t>
+            </a:r>
+            <a:r>
+              <a:rPr lang="zh-TW" altLang="en-US">
+                <a:solidFill>
+                  <a:srgbClr val="00B0F0"/>
+                </a:solidFill>
+              </a:rPr>
+              <a:t>介面</a:t>
+            </a:r>
+            <a:endParaRPr lang="en-US" altLang="zh-TW">
+              <a:solidFill>
+                <a:srgbClr val="00B0F0"/>
+              </a:solidFill>
+            </a:endParaRPr>
+          </a:p>
+          <a:p>
+            <a:r>
+              <a:rPr lang="zh-TW" altLang="en-US"/>
+              <a:t>和 </a:t>
+            </a:r>
+            <a:r>
+              <a:rPr lang="en-US" altLang="zh-TW">
+                <a:solidFill>
+                  <a:srgbClr val="FFFF00"/>
+                </a:solidFill>
+              </a:rPr>
+              <a:t>net.fabricmc.api.ClientModInitializer</a:t>
+            </a:r>
+            <a:r>
+              <a:rPr lang="zh-TW" altLang="en-US">
+                <a:solidFill>
+                  <a:srgbClr val="FFFF00"/>
+                </a:solidFill>
+              </a:rPr>
+              <a:t> </a:t>
+            </a:r>
+            <a:r>
+              <a:rPr lang="zh-TW" altLang="en-US">
+                <a:solidFill>
+                  <a:srgbClr val="00B0F0"/>
+                </a:solidFill>
+              </a:rPr>
+              <a:t>介面</a:t>
+            </a:r>
+            <a:endParaRPr lang="en-US" altLang="zh-TW">
+              <a:solidFill>
+                <a:srgbClr val="00B0F0"/>
+              </a:solidFill>
+            </a:endParaRPr>
+          </a:p>
+          <a:p>
+            <a:r>
+              <a:rPr lang="zh-TW" altLang="en-US"/>
+              <a:t>並分別實現 </a:t>
+            </a:r>
+            <a:r>
+              <a:rPr lang="en-US" altLang="zh-TW">
+                <a:solidFill>
+                  <a:srgbClr val="FFC000"/>
+                </a:solidFill>
+              </a:rPr>
+              <a:t>onInitialize</a:t>
+            </a:r>
+            <a:r>
+              <a:rPr lang="zh-TW" altLang="en-US"/>
+              <a:t> </a:t>
+            </a:r>
+            <a:r>
+              <a:rPr lang="zh-TW" altLang="en-US">
+                <a:solidFill>
+                  <a:srgbClr val="00B0F0"/>
+                </a:solidFill>
+              </a:rPr>
+              <a:t>方法</a:t>
+            </a:r>
+            <a:r>
+              <a:rPr lang="zh-TW" altLang="en-US"/>
+              <a:t>和 </a:t>
+            </a:r>
+            <a:r>
+              <a:rPr lang="en-US" altLang="zh-TW">
+                <a:solidFill>
+                  <a:srgbClr val="FFC000"/>
+                </a:solidFill>
+              </a:rPr>
+              <a:t>onInitializeClient</a:t>
+            </a:r>
+            <a:r>
+              <a:rPr lang="zh-TW" altLang="en-US"/>
+              <a:t> </a:t>
+            </a:r>
+            <a:r>
+              <a:rPr lang="zh-TW" altLang="en-US">
+                <a:solidFill>
+                  <a:srgbClr val="00B0F0"/>
+                </a:solidFill>
+              </a:rPr>
+              <a:t>方法</a:t>
+            </a:r>
+            <a:endParaRPr lang="en-US" altLang="zh-TW">
+              <a:solidFill>
+                <a:srgbClr val="00B0F0"/>
+              </a:solidFill>
+            </a:endParaRPr>
+          </a:p>
+          <a:p>
+            <a:r>
+              <a:rPr lang="zh-TW" altLang="en-US"/>
+              <a:t>當模組被載入時，便會</a:t>
+            </a:r>
+            <a:r>
+              <a:rPr lang="zh-TW" altLang="en-US">
+                <a:solidFill>
+                  <a:srgbClr val="FFC000"/>
+                </a:solidFill>
+              </a:rPr>
+              <a:t>呼叫</a:t>
+            </a:r>
+            <a:r>
+              <a:rPr lang="zh-TW" altLang="en-US"/>
+              <a:t>這兩個</a:t>
+            </a:r>
+            <a:r>
+              <a:rPr lang="zh-TW" altLang="en-US">
+                <a:solidFill>
+                  <a:srgbClr val="00B0F0"/>
+                </a:solidFill>
+              </a:rPr>
+              <a:t>方法</a:t>
+            </a:r>
+            <a:endParaRPr lang="en-US" altLang="zh-TW">
+              <a:solidFill>
+                <a:srgbClr val="00B0F0"/>
+              </a:solidFill>
+            </a:endParaRPr>
+          </a:p>
+          <a:p>
+            <a:r>
+              <a:rPr lang="zh-TW" altLang="en-US"/>
+              <a:t>進行模組</a:t>
+            </a:r>
+            <a:r>
+              <a:rPr lang="zh-TW" altLang="en-US">
+                <a:solidFill>
+                  <a:srgbClr val="FFC000"/>
+                </a:solidFill>
+              </a:rPr>
+              <a:t>初始化</a:t>
+            </a:r>
+            <a:r>
+              <a:rPr lang="en-US" altLang="zh-TW">
+                <a:solidFill>
+                  <a:srgbClr val="FFC000"/>
+                </a:solidFill>
+              </a:rPr>
+              <a:t>(initialization</a:t>
+            </a:r>
+            <a:r>
+              <a:rPr lang="zh-TW" altLang="en-US">
+                <a:solidFill>
+                  <a:srgbClr val="FFC000"/>
+                </a:solidFill>
+              </a:rPr>
+              <a:t>，簡稱 </a:t>
+            </a:r>
+            <a:r>
+              <a:rPr lang="en-US" altLang="zh-TW">
+                <a:solidFill>
+                  <a:srgbClr val="FFC000"/>
+                </a:solidFill>
+              </a:rPr>
+              <a:t>init)</a:t>
+            </a:r>
+            <a:endParaRPr lang="zh-TW" altLang="en-US">
+              <a:solidFill>
+                <a:srgbClr val="FFC000"/>
+              </a:solidFill>
+            </a:endParaRPr>
+          </a:p>
+        </p:txBody>
+      </p:sp>
+    </p:spTree>
+    <p:extLst>
+      <p:ext uri="{BB962C8B-B14F-4D97-AF65-F5344CB8AC3E}">
+        <p14:creationId xmlns:p14="http://schemas.microsoft.com/office/powerpoint/2010/main" val="1011255823"/>
+      </p:ext>
+    </p:extLst>
+  </p:cSld>
+  <p:clrMapOvr>
+    <a:masterClrMapping/>
+  </p:clrMapOvr>
+  <p:transition spd="slow">
+    <p:push dir="u"/>
+  </p:transition>
+</p:sld>
+</file>
+
+<file path=ppt/slides/slide32.xml><?xml version="1.0" encoding="utf-8"?>
+<p:sld xmlns:a="http://schemas.openxmlformats.org/drawingml/2006/main" xmlns:r="http://schemas.openxmlformats.org/officeDocument/2006/relationships" xmlns:p="http://schemas.openxmlformats.org/presentationml/2006/main">
+  <p:cSld>
+    <p:spTree>
+      <p:nvGrpSpPr>
+        <p:cNvPr id="1" name=""/>
+        <p:cNvGrpSpPr/>
+        <p:nvPr/>
+      </p:nvGrpSpPr>
+      <p:grpSpPr>
+        <a:xfrm>
+          <a:off x="0" y="0"/>
+          <a:ext cx="0" cy="0"/>
+          <a:chOff x="0" y="0"/>
+          <a:chExt cx="0" cy="0"/>
+        </a:xfrm>
+      </p:grpSpPr>
+      <p:sp>
+        <p:nvSpPr>
+          <p:cNvPr id="2" name="標題 1">
+            <a:extLst>
+              <a:ext uri="{FF2B5EF4-FFF2-40B4-BE49-F238E27FC236}">
+                <a16:creationId xmlns:a16="http://schemas.microsoft.com/office/drawing/2014/main" id="{5B267C26-484B-4FA0-8BE7-499FEBF2BC4D}"/>
+              </a:ext>
+            </a:extLst>
+          </p:cNvPr>
+          <p:cNvSpPr>
+            <a:spLocks noGrp="1"/>
+          </p:cNvSpPr>
+          <p:nvPr>
+            <p:ph type="title"/>
+          </p:nvPr>
+        </p:nvSpPr>
+        <p:spPr>
+          <a:xfrm>
+            <a:off x="838200" y="365125"/>
+            <a:ext cx="3704120" cy="1325563"/>
+          </a:xfrm>
+        </p:spPr>
+        <p:txBody>
+          <a:bodyPr/>
+          <a:lstStyle/>
+          <a:p>
+            <a:r>
+              <a:rPr lang="zh-TW" altLang="en-US"/>
+              <a:t>初始化器</a:t>
+            </a:r>
+          </a:p>
+        </p:txBody>
+      </p:sp>
+      <p:sp>
+        <p:nvSpPr>
+          <p:cNvPr id="9" name="內容版面配置區 8">
+            <a:extLst>
+              <a:ext uri="{FF2B5EF4-FFF2-40B4-BE49-F238E27FC236}">
+                <a16:creationId xmlns:a16="http://schemas.microsoft.com/office/drawing/2014/main" id="{25C94E82-D091-4B63-9AA6-E6A2C0419A08}"/>
+              </a:ext>
+            </a:extLst>
+          </p:cNvPr>
+          <p:cNvSpPr>
+            <a:spLocks noGrp="1"/>
+          </p:cNvSpPr>
+          <p:nvPr>
+            <p:ph idx="1"/>
+          </p:nvPr>
+        </p:nvSpPr>
+        <p:spPr>
+          <a:xfrm>
+            <a:off x="838200" y="1825625"/>
+            <a:ext cx="3704120" cy="2775772"/>
+          </a:xfrm>
+        </p:spPr>
+        <p:txBody>
+          <a:bodyPr/>
+          <a:lstStyle/>
+          <a:p>
+            <a:r>
+              <a:rPr lang="en-US" altLang="zh-TW">
+                <a:solidFill>
+                  <a:srgbClr val="FFFF00"/>
+                </a:solidFill>
+              </a:rPr>
+              <a:t>ModName</a:t>
+            </a:r>
+            <a:r>
+              <a:rPr lang="zh-TW" altLang="en-US"/>
+              <a:t> </a:t>
+            </a:r>
+            <a:r>
+              <a:rPr lang="zh-TW" altLang="en-US">
+                <a:solidFill>
+                  <a:srgbClr val="00B0F0"/>
+                </a:solidFill>
+              </a:rPr>
+              <a:t>類別</a:t>
+            </a:r>
+            <a:endParaRPr lang="en-US" altLang="zh-TW">
+              <a:solidFill>
+                <a:srgbClr val="00B0F0"/>
+              </a:solidFill>
+            </a:endParaRPr>
+          </a:p>
+          <a:p>
+            <a:r>
+              <a:rPr lang="zh-TW" altLang="en-US"/>
+              <a:t>還有兩個</a:t>
+            </a:r>
+            <a:endParaRPr lang="en-US" altLang="zh-TW"/>
+          </a:p>
+          <a:p>
+            <a:r>
+              <a:rPr lang="zh-TW" altLang="en-US">
+                <a:solidFill>
+                  <a:srgbClr val="00B0F0"/>
+                </a:solidFill>
+              </a:rPr>
+              <a:t>公開靜態不可變欄位</a:t>
+            </a:r>
+            <a:endParaRPr lang="en-US" altLang="zh-TW">
+              <a:solidFill>
+                <a:srgbClr val="00B0F0"/>
+              </a:solidFill>
+            </a:endParaRPr>
+          </a:p>
+          <a:p>
+            <a:r>
+              <a:rPr lang="zh-TW" altLang="en-US"/>
+              <a:t>其中 </a:t>
+            </a:r>
+            <a:r>
+              <a:rPr lang="en-US" altLang="zh-TW">
+                <a:solidFill>
+                  <a:srgbClr val="92D050"/>
+                </a:solidFill>
+              </a:rPr>
+              <a:t>MOD_ID </a:t>
+            </a:r>
+            <a:r>
+              <a:rPr lang="zh-TW" altLang="en-US">
+                <a:solidFill>
+                  <a:srgbClr val="00B0F0"/>
+                </a:solidFill>
+              </a:rPr>
+              <a:t>欄位</a:t>
+            </a:r>
+            <a:endParaRPr lang="en-US" altLang="zh-TW">
+              <a:solidFill>
+                <a:srgbClr val="00B0F0"/>
+              </a:solidFill>
+            </a:endParaRPr>
+          </a:p>
+          <a:p>
+            <a:r>
+              <a:rPr lang="zh-TW" altLang="en-US"/>
+              <a:t>會在之後使用到</a:t>
+            </a:r>
+          </a:p>
+        </p:txBody>
+      </p:sp>
+      <p:grpSp>
+        <p:nvGrpSpPr>
+          <p:cNvPr id="12" name="群組 11">
+            <a:extLst>
+              <a:ext uri="{FF2B5EF4-FFF2-40B4-BE49-F238E27FC236}">
+                <a16:creationId xmlns:a16="http://schemas.microsoft.com/office/drawing/2014/main" id="{07D31E3E-7E0A-427B-A82F-C72516D29EEE}"/>
+              </a:ext>
+            </a:extLst>
+          </p:cNvPr>
+          <p:cNvGrpSpPr/>
+          <p:nvPr/>
+        </p:nvGrpSpPr>
+        <p:grpSpPr>
+          <a:xfrm>
+            <a:off x="4542320" y="86881"/>
+            <a:ext cx="6811480" cy="4524315"/>
+            <a:chOff x="4542320" y="222677"/>
+            <a:chExt cx="6811480" cy="4524315"/>
+          </a:xfrm>
+        </p:grpSpPr>
+        <p:sp>
+          <p:nvSpPr>
+            <p:cNvPr id="4" name="Rectangle 1">
+              <a:extLst>
+                <a:ext uri="{FF2B5EF4-FFF2-40B4-BE49-F238E27FC236}">
+                  <a16:creationId xmlns:a16="http://schemas.microsoft.com/office/drawing/2014/main" id="{66488294-A67A-40E9-BAC4-52FB19CCABD0}"/>
+                </a:ext>
+              </a:extLst>
+            </p:cNvPr>
+            <p:cNvSpPr>
+              <a:spLocks noChangeArrowheads="1"/>
+            </p:cNvSpPr>
+            <p:nvPr/>
+          </p:nvSpPr>
+          <p:spPr bwMode="auto">
+            <a:xfrm>
+              <a:off x="4542320" y="222677"/>
+              <a:ext cx="6811480" cy="4524315"/>
+            </a:xfrm>
+            <a:prstGeom prst="rect">
+              <a:avLst/>
+            </a:prstGeom>
+            <a:solidFill>
+              <a:srgbClr val="1E1F22"/>
+            </a:solidFill>
+            <a:ln w="9525">
+              <a:solidFill>
+                <a:schemeClr val="tx1"/>
+              </a:solidFill>
+              <a:miter lim="800000"/>
+              <a:headEnd/>
+              <a:tailEnd/>
+            </a:ln>
+            <a:effectLst/>
+            <a:extLst>
+              <a:ext uri="{AF507438-7753-43E0-B8FC-AC1667EBCBE1}">
+                <a14:hiddenEffects xmlns:a14="http://schemas.microsoft.com/office/drawing/2010/main">
+                  <a:effectLst>
+                    <a:outerShdw dist="35921" dir="2700000" algn="ctr" rotWithShape="0">
+                      <a:schemeClr val="bg2"/>
+                    </a:outerShdw>
+                  </a:effectLst>
+                </a14:hiddenEffects>
+              </a:ext>
+            </a:extLst>
+          </p:spPr>
+          <p:txBody>
+            <a:bodyPr vert="horz" wrap="none" lIns="91440" tIns="45720" rIns="91440" bIns="45720" numCol="1" anchor="ctr" anchorCtr="0" compatLnSpc="1">
+              <a:prstTxWarp prst="textNoShape">
+                <a:avLst/>
+              </a:prstTxWarp>
+              <a:spAutoFit/>
+            </a:bodyPr>
+            <a:lstStyle/>
+            <a:p>
+              <a:pPr marL="0" marR="0" lvl="0" indent="0" algn="l" defTabSz="914400" rtl="0" eaLnBrk="0" fontAlgn="base" latinLnBrk="0" hangingPunct="0">
+                <a:lnSpc>
+                  <a:spcPct val="100000"/>
+                </a:lnSpc>
+                <a:spcBef>
+                  <a:spcPct val="0"/>
+                </a:spcBef>
+                <a:spcAft>
+                  <a:spcPct val="0"/>
+                </a:spcAft>
+                <a:buClrTx/>
+                <a:buSzTx/>
+                <a:buFontTx/>
+                <a:buNone/>
+                <a:tabLst/>
+              </a:pPr>
+              <a:r>
+                <a:rPr kumimoji="0" lang="zh-TW" altLang="zh-TW" sz="1200" b="0" i="0" u="none" strike="noStrike" cap="none" normalizeH="0" baseline="0">
+                  <a:ln>
+                    <a:noFill/>
+                  </a:ln>
+                  <a:solidFill>
+                    <a:srgbClr val="CF8E6D"/>
+                  </a:solidFill>
+                  <a:effectLst/>
+                  <a:latin typeface="+mj-lt"/>
+                  <a:cs typeface="JetBrains Mono" panose="02000009000000000000" pitchFamily="49" charset="0"/>
+                </a:rPr>
+                <a:t>package </a:t>
+              </a:r>
+              <a:r>
+                <a:rPr kumimoji="0" lang="zh-TW" altLang="zh-TW" sz="1200" b="0" i="0" u="none" strike="noStrike" cap="none" normalizeH="0" baseline="0">
+                  <a:ln>
+                    <a:noFill/>
+                  </a:ln>
+                  <a:solidFill>
+                    <a:srgbClr val="BCBEC4"/>
+                  </a:solidFill>
+                  <a:effectLst/>
+                  <a:latin typeface="+mj-lt"/>
+                  <a:cs typeface="JetBrains Mono" panose="02000009000000000000" pitchFamily="49" charset="0"/>
+                </a:rPr>
+                <a:t>org.tyic;</a:t>
+              </a:r>
+              <a:br>
+                <a:rPr kumimoji="0" lang="zh-TW" altLang="zh-TW" sz="1200" b="0" i="0" u="none" strike="noStrike" cap="none" normalizeH="0" baseline="0">
+                  <a:ln>
+                    <a:noFill/>
+                  </a:ln>
+                  <a:solidFill>
+                    <a:srgbClr val="BCBEC4"/>
+                  </a:solidFill>
+                  <a:effectLst/>
+                  <a:latin typeface="+mj-lt"/>
+                  <a:cs typeface="JetBrains Mono" panose="02000009000000000000" pitchFamily="49" charset="0"/>
+                </a:rPr>
+              </a:br>
+              <a:br>
+                <a:rPr kumimoji="0" lang="zh-TW" altLang="zh-TW" sz="1200" b="0" i="0" u="none" strike="noStrike" cap="none" normalizeH="0" baseline="0">
+                  <a:ln>
+                    <a:noFill/>
+                  </a:ln>
+                  <a:solidFill>
+                    <a:srgbClr val="BCBEC4"/>
+                  </a:solidFill>
+                  <a:effectLst/>
+                  <a:latin typeface="+mj-lt"/>
+                  <a:cs typeface="JetBrains Mono" panose="02000009000000000000" pitchFamily="49" charset="0"/>
+                </a:rPr>
+              </a:br>
+              <a:r>
+                <a:rPr kumimoji="0" lang="zh-TW" altLang="zh-TW" sz="1200" b="0" i="0" u="none" strike="noStrike" cap="none" normalizeH="0" baseline="0">
+                  <a:ln>
+                    <a:noFill/>
+                  </a:ln>
+                  <a:solidFill>
+                    <a:srgbClr val="CF8E6D"/>
+                  </a:solidFill>
+                  <a:effectLst/>
+                  <a:latin typeface="+mj-lt"/>
+                  <a:cs typeface="JetBrains Mono" panose="02000009000000000000" pitchFamily="49" charset="0"/>
+                </a:rPr>
+                <a:t>import </a:t>
+              </a:r>
+              <a:r>
+                <a:rPr kumimoji="0" lang="zh-TW" altLang="zh-TW" sz="1200" b="0" i="0" u="none" strike="noStrike" cap="none" normalizeH="0" baseline="0">
+                  <a:ln>
+                    <a:noFill/>
+                  </a:ln>
+                  <a:solidFill>
+                    <a:srgbClr val="BCBEC4"/>
+                  </a:solidFill>
+                  <a:effectLst/>
+                  <a:latin typeface="+mj-lt"/>
+                  <a:cs typeface="JetBrains Mono" panose="02000009000000000000" pitchFamily="49" charset="0"/>
+                </a:rPr>
+                <a:t>net.fabricmc.api.ModInitializer;</a:t>
+              </a:r>
+              <a:br>
+                <a:rPr kumimoji="0" lang="zh-TW" altLang="zh-TW" sz="1200" b="0" i="0" u="none" strike="noStrike" cap="none" normalizeH="0" baseline="0">
+                  <a:ln>
+                    <a:noFill/>
+                  </a:ln>
+                  <a:solidFill>
+                    <a:srgbClr val="BCBEC4"/>
+                  </a:solidFill>
+                  <a:effectLst/>
+                  <a:latin typeface="+mj-lt"/>
+                  <a:cs typeface="JetBrains Mono" panose="02000009000000000000" pitchFamily="49" charset="0"/>
+                </a:rPr>
+              </a:br>
+              <a:br>
+                <a:rPr kumimoji="0" lang="zh-TW" altLang="zh-TW" sz="1200" b="0" i="0" u="none" strike="noStrike" cap="none" normalizeH="0" baseline="0">
+                  <a:ln>
+                    <a:noFill/>
+                  </a:ln>
+                  <a:solidFill>
+                    <a:srgbClr val="BCBEC4"/>
+                  </a:solidFill>
+                  <a:effectLst/>
+                  <a:latin typeface="+mj-lt"/>
+                  <a:cs typeface="JetBrains Mono" panose="02000009000000000000" pitchFamily="49" charset="0"/>
+                </a:rPr>
+              </a:br>
+              <a:r>
+                <a:rPr kumimoji="0" lang="zh-TW" altLang="zh-TW" sz="1200" b="0" i="0" u="none" strike="noStrike" cap="none" normalizeH="0" baseline="0">
+                  <a:ln>
+                    <a:noFill/>
+                  </a:ln>
+                  <a:solidFill>
+                    <a:srgbClr val="CF8E6D"/>
+                  </a:solidFill>
+                  <a:effectLst/>
+                  <a:latin typeface="+mj-lt"/>
+                  <a:cs typeface="JetBrains Mono" panose="02000009000000000000" pitchFamily="49" charset="0"/>
+                </a:rPr>
+                <a:t>import </a:t>
+              </a:r>
+              <a:r>
+                <a:rPr kumimoji="0" lang="zh-TW" altLang="zh-TW" sz="1200" b="0" i="0" u="none" strike="noStrike" cap="none" normalizeH="0" baseline="0">
+                  <a:ln>
+                    <a:noFill/>
+                  </a:ln>
+                  <a:solidFill>
+                    <a:srgbClr val="BCBEC4"/>
+                  </a:solidFill>
+                  <a:effectLst/>
+                  <a:latin typeface="+mj-lt"/>
+                  <a:cs typeface="JetBrains Mono" panose="02000009000000000000" pitchFamily="49" charset="0"/>
+                </a:rPr>
+                <a:t>org.slf4j.Logger;</a:t>
+              </a:r>
+              <a:br>
+                <a:rPr kumimoji="0" lang="zh-TW" altLang="zh-TW" sz="1200" b="0" i="0" u="none" strike="noStrike" cap="none" normalizeH="0" baseline="0">
+                  <a:ln>
+                    <a:noFill/>
+                  </a:ln>
+                  <a:solidFill>
+                    <a:srgbClr val="BCBEC4"/>
+                  </a:solidFill>
+                  <a:effectLst/>
+                  <a:latin typeface="+mj-lt"/>
+                  <a:cs typeface="JetBrains Mono" panose="02000009000000000000" pitchFamily="49" charset="0"/>
+                </a:rPr>
+              </a:br>
+              <a:r>
+                <a:rPr kumimoji="0" lang="zh-TW" altLang="zh-TW" sz="1200" b="0" i="0" u="none" strike="noStrike" cap="none" normalizeH="0" baseline="0">
+                  <a:ln>
+                    <a:noFill/>
+                  </a:ln>
+                  <a:solidFill>
+                    <a:srgbClr val="CF8E6D"/>
+                  </a:solidFill>
+                  <a:effectLst/>
+                  <a:latin typeface="+mj-lt"/>
+                  <a:cs typeface="JetBrains Mono" panose="02000009000000000000" pitchFamily="49" charset="0"/>
+                </a:rPr>
+                <a:t>import </a:t>
+              </a:r>
+              <a:r>
+                <a:rPr kumimoji="0" lang="zh-TW" altLang="zh-TW" sz="1200" b="0" i="0" u="none" strike="noStrike" cap="none" normalizeH="0" baseline="0">
+                  <a:ln>
+                    <a:noFill/>
+                  </a:ln>
+                  <a:solidFill>
+                    <a:srgbClr val="BCBEC4"/>
+                  </a:solidFill>
+                  <a:effectLst/>
+                  <a:latin typeface="+mj-lt"/>
+                  <a:cs typeface="JetBrains Mono" panose="02000009000000000000" pitchFamily="49" charset="0"/>
+                </a:rPr>
+                <a:t>org.slf4j.LoggerFactory;</a:t>
+              </a:r>
+              <a:br>
+                <a:rPr kumimoji="0" lang="zh-TW" altLang="zh-TW" sz="1200" b="0" i="0" u="none" strike="noStrike" cap="none" normalizeH="0" baseline="0">
+                  <a:ln>
+                    <a:noFill/>
+                  </a:ln>
+                  <a:solidFill>
+                    <a:srgbClr val="BCBEC4"/>
+                  </a:solidFill>
+                  <a:effectLst/>
+                  <a:latin typeface="+mj-lt"/>
+                  <a:cs typeface="JetBrains Mono" panose="02000009000000000000" pitchFamily="49" charset="0"/>
+                </a:rPr>
+              </a:br>
+              <a:br>
+                <a:rPr kumimoji="0" lang="zh-TW" altLang="zh-TW" sz="1200" b="0" i="0" u="none" strike="noStrike" cap="none" normalizeH="0" baseline="0">
+                  <a:ln>
+                    <a:noFill/>
+                  </a:ln>
+                  <a:solidFill>
+                    <a:srgbClr val="BCBEC4"/>
+                  </a:solidFill>
+                  <a:effectLst/>
+                  <a:latin typeface="+mj-lt"/>
+                  <a:cs typeface="JetBrains Mono" panose="02000009000000000000" pitchFamily="49" charset="0"/>
+                </a:rPr>
+              </a:br>
+              <a:r>
+                <a:rPr kumimoji="0" lang="zh-TW" altLang="zh-TW" sz="1200" b="0" i="0" u="none" strike="noStrike" cap="none" normalizeH="0" baseline="0">
+                  <a:ln>
+                    <a:noFill/>
+                  </a:ln>
+                  <a:solidFill>
+                    <a:srgbClr val="CF8E6D"/>
+                  </a:solidFill>
+                  <a:effectLst/>
+                  <a:latin typeface="+mj-lt"/>
+                  <a:cs typeface="JetBrains Mono" panose="02000009000000000000" pitchFamily="49" charset="0"/>
+                </a:rPr>
+                <a:t>public class </a:t>
+              </a:r>
+              <a:r>
+                <a:rPr kumimoji="0" lang="zh-TW" altLang="zh-TW" sz="1200" b="0" i="0" u="none" strike="noStrike" cap="none" normalizeH="0" baseline="0">
+                  <a:ln>
+                    <a:noFill/>
+                  </a:ln>
+                  <a:solidFill>
+                    <a:srgbClr val="BCBEC4"/>
+                  </a:solidFill>
+                  <a:effectLst/>
+                  <a:latin typeface="+mj-lt"/>
+                  <a:cs typeface="JetBrains Mono" panose="02000009000000000000" pitchFamily="49" charset="0"/>
+                </a:rPr>
+                <a:t>TyicMod </a:t>
+              </a:r>
+              <a:r>
+                <a:rPr kumimoji="0" lang="zh-TW" altLang="zh-TW" sz="1200" b="0" i="0" u="none" strike="noStrike" cap="none" normalizeH="0" baseline="0">
+                  <a:ln>
+                    <a:noFill/>
+                  </a:ln>
+                  <a:solidFill>
+                    <a:srgbClr val="CF8E6D"/>
+                  </a:solidFill>
+                  <a:effectLst/>
+                  <a:latin typeface="+mj-lt"/>
+                  <a:cs typeface="JetBrains Mono" panose="02000009000000000000" pitchFamily="49" charset="0"/>
+                </a:rPr>
+                <a:t>implements </a:t>
+              </a:r>
+              <a:r>
+                <a:rPr kumimoji="0" lang="zh-TW" altLang="zh-TW" sz="1200" b="0" i="0" u="none" strike="noStrike" cap="none" normalizeH="0" baseline="0">
+                  <a:ln>
+                    <a:noFill/>
+                  </a:ln>
+                  <a:solidFill>
+                    <a:srgbClr val="BCBEC4"/>
+                  </a:solidFill>
+                  <a:effectLst/>
+                  <a:latin typeface="+mj-lt"/>
+                  <a:cs typeface="JetBrains Mono" panose="02000009000000000000" pitchFamily="49" charset="0"/>
+                </a:rPr>
+                <a:t>ModInitializer {</a:t>
+              </a:r>
+              <a:br>
+                <a:rPr kumimoji="0" lang="zh-TW" altLang="zh-TW" sz="1200" b="0" i="0" u="none" strike="noStrike" cap="none" normalizeH="0" baseline="0">
+                  <a:ln>
+                    <a:noFill/>
+                  </a:ln>
+                  <a:solidFill>
+                    <a:srgbClr val="BCBEC4"/>
+                  </a:solidFill>
+                  <a:effectLst/>
+                  <a:latin typeface="+mj-lt"/>
+                  <a:cs typeface="JetBrains Mono" panose="02000009000000000000" pitchFamily="49" charset="0"/>
+                </a:rPr>
+              </a:br>
+              <a:r>
+                <a:rPr kumimoji="0" lang="zh-TW" altLang="zh-TW" sz="1200" b="0" i="0" u="none" strike="noStrike" cap="none" normalizeH="0" baseline="0">
+                  <a:ln>
+                    <a:noFill/>
+                  </a:ln>
+                  <a:solidFill>
+                    <a:srgbClr val="BCBEC4"/>
+                  </a:solidFill>
+                  <a:effectLst/>
+                  <a:latin typeface="+mj-lt"/>
+                  <a:cs typeface="JetBrains Mono" panose="02000009000000000000" pitchFamily="49" charset="0"/>
+                </a:rPr>
+                <a:t>    </a:t>
+              </a:r>
+              <a:r>
+                <a:rPr kumimoji="0" lang="zh-TW" altLang="zh-TW" sz="1200" b="0" i="0" u="none" strike="noStrike" cap="none" normalizeH="0" baseline="0">
+                  <a:ln>
+                    <a:noFill/>
+                  </a:ln>
+                  <a:solidFill>
+                    <a:srgbClr val="CF8E6D"/>
+                  </a:solidFill>
+                  <a:effectLst/>
+                  <a:latin typeface="+mj-lt"/>
+                  <a:cs typeface="JetBrains Mono" panose="02000009000000000000" pitchFamily="49" charset="0"/>
+                </a:rPr>
+                <a:t>public static final </a:t>
+              </a:r>
+              <a:r>
+                <a:rPr kumimoji="0" lang="zh-TW" altLang="zh-TW" sz="1200" b="0" i="0" u="none" strike="noStrike" cap="none" normalizeH="0" baseline="0">
+                  <a:ln>
+                    <a:noFill/>
+                  </a:ln>
+                  <a:solidFill>
+                    <a:srgbClr val="BCBEC4"/>
+                  </a:solidFill>
+                  <a:effectLst/>
+                  <a:latin typeface="+mj-lt"/>
+                  <a:cs typeface="JetBrains Mono" panose="02000009000000000000" pitchFamily="49" charset="0"/>
+                </a:rPr>
+                <a:t>String </a:t>
+              </a:r>
+              <a:r>
+                <a:rPr kumimoji="0" lang="zh-TW" altLang="zh-TW" sz="1200" b="0" i="1" u="none" strike="noStrike" cap="none" normalizeH="0" baseline="0">
+                  <a:ln>
+                    <a:noFill/>
+                  </a:ln>
+                  <a:solidFill>
+                    <a:srgbClr val="C77DBB"/>
+                  </a:solidFill>
+                  <a:effectLst/>
+                  <a:latin typeface="+mj-lt"/>
+                  <a:cs typeface="JetBrains Mono" panose="02000009000000000000" pitchFamily="49" charset="0"/>
+                </a:rPr>
+                <a:t>MOD_ID </a:t>
+              </a:r>
+              <a:r>
+                <a:rPr kumimoji="0" lang="zh-TW" altLang="zh-TW" sz="1200" b="0" i="0" u="none" strike="noStrike" cap="none" normalizeH="0" baseline="0">
+                  <a:ln>
+                    <a:noFill/>
+                  </a:ln>
+                  <a:solidFill>
+                    <a:srgbClr val="BCBEC4"/>
+                  </a:solidFill>
+                  <a:effectLst/>
+                  <a:latin typeface="+mj-lt"/>
+                  <a:cs typeface="JetBrains Mono" panose="02000009000000000000" pitchFamily="49" charset="0"/>
+                </a:rPr>
+                <a:t>= </a:t>
+              </a:r>
+              <a:r>
+                <a:rPr kumimoji="0" lang="zh-TW" altLang="zh-TW" sz="1200" b="0" i="0" u="none" strike="noStrike" cap="none" normalizeH="0" baseline="0">
+                  <a:ln>
+                    <a:noFill/>
+                  </a:ln>
+                  <a:solidFill>
+                    <a:srgbClr val="6AAB73"/>
+                  </a:solidFill>
+                  <a:effectLst/>
+                  <a:latin typeface="+mj-lt"/>
+                  <a:cs typeface="JetBrains Mono" panose="02000009000000000000" pitchFamily="49" charset="0"/>
+                </a:rPr>
+                <a:t>"tyicmod"</a:t>
+              </a:r>
+              <a:r>
+                <a:rPr kumimoji="0" lang="zh-TW" altLang="zh-TW" sz="1200" b="0" i="0" u="none" strike="noStrike" cap="none" normalizeH="0" baseline="0">
+                  <a:ln>
+                    <a:noFill/>
+                  </a:ln>
+                  <a:solidFill>
+                    <a:srgbClr val="BCBEC4"/>
+                  </a:solidFill>
+                  <a:effectLst/>
+                  <a:latin typeface="+mj-lt"/>
+                  <a:cs typeface="JetBrains Mono" panose="02000009000000000000" pitchFamily="49" charset="0"/>
+                </a:rPr>
+                <a:t>;</a:t>
+              </a:r>
+              <a:br>
+                <a:rPr kumimoji="0" lang="zh-TW" altLang="zh-TW" sz="1200" b="0" i="0" u="none" strike="noStrike" cap="none" normalizeH="0" baseline="0">
+                  <a:ln>
+                    <a:noFill/>
+                  </a:ln>
+                  <a:solidFill>
+                    <a:srgbClr val="BCBEC4"/>
+                  </a:solidFill>
+                  <a:effectLst/>
+                  <a:latin typeface="+mj-lt"/>
+                  <a:cs typeface="JetBrains Mono" panose="02000009000000000000" pitchFamily="49" charset="0"/>
+                </a:rPr>
+              </a:br>
+              <a:br>
+                <a:rPr kumimoji="0" lang="zh-TW" altLang="zh-TW" sz="1200" b="0" i="0" u="none" strike="noStrike" cap="none" normalizeH="0" baseline="0">
+                  <a:ln>
+                    <a:noFill/>
+                  </a:ln>
+                  <a:solidFill>
+                    <a:srgbClr val="BCBEC4"/>
+                  </a:solidFill>
+                  <a:effectLst/>
+                  <a:latin typeface="+mj-lt"/>
+                  <a:cs typeface="JetBrains Mono" panose="02000009000000000000" pitchFamily="49" charset="0"/>
+                </a:rPr>
+              </a:br>
+              <a:r>
+                <a:rPr kumimoji="0" lang="zh-TW" altLang="zh-TW" sz="1200" b="0" i="0" u="none" strike="noStrike" cap="none" normalizeH="0" baseline="0">
+                  <a:ln>
+                    <a:noFill/>
+                  </a:ln>
+                  <a:solidFill>
+                    <a:srgbClr val="BCBEC4"/>
+                  </a:solidFill>
+                  <a:effectLst/>
+                  <a:latin typeface="+mj-lt"/>
+                  <a:cs typeface="JetBrains Mono" panose="02000009000000000000" pitchFamily="49" charset="0"/>
+                </a:rPr>
+                <a:t>    </a:t>
+              </a:r>
+              <a:r>
+                <a:rPr kumimoji="0" lang="zh-TW" altLang="zh-TW" sz="1200" b="0" i="0" u="none" strike="noStrike" cap="none" normalizeH="0" baseline="0">
+                  <a:ln>
+                    <a:noFill/>
+                  </a:ln>
+                  <a:solidFill>
+                    <a:srgbClr val="7A7E85"/>
+                  </a:solidFill>
+                  <a:effectLst/>
+                  <a:latin typeface="+mj-lt"/>
+                  <a:cs typeface="JetBrains Mono" panose="02000009000000000000" pitchFamily="49" charset="0"/>
+                </a:rPr>
+                <a:t>// This logger is used to write text to the console and the log file.</a:t>
+              </a:r>
+              <a:br>
+                <a:rPr kumimoji="0" lang="zh-TW" altLang="zh-TW" sz="1200" b="0" i="0" u="none" strike="noStrike" cap="none" normalizeH="0" baseline="0">
+                  <a:ln>
+                    <a:noFill/>
+                  </a:ln>
+                  <a:solidFill>
+                    <a:srgbClr val="7A7E85"/>
+                  </a:solidFill>
+                  <a:effectLst/>
+                  <a:latin typeface="+mj-lt"/>
+                  <a:cs typeface="JetBrains Mono" panose="02000009000000000000" pitchFamily="49" charset="0"/>
+                </a:rPr>
+              </a:br>
+              <a:r>
+                <a:rPr kumimoji="0" lang="zh-TW" altLang="zh-TW" sz="1200" b="0" i="0" u="none" strike="noStrike" cap="none" normalizeH="0" baseline="0">
+                  <a:ln>
+                    <a:noFill/>
+                  </a:ln>
+                  <a:solidFill>
+                    <a:srgbClr val="7A7E85"/>
+                  </a:solidFill>
+                  <a:effectLst/>
+                  <a:latin typeface="+mj-lt"/>
+                  <a:cs typeface="JetBrains Mono" panose="02000009000000000000" pitchFamily="49" charset="0"/>
+                </a:rPr>
+                <a:t>    // It is considered best practice to use your mod id as the logger's name.</a:t>
+              </a:r>
+              <a:br>
+                <a:rPr kumimoji="0" lang="zh-TW" altLang="zh-TW" sz="1200" b="0" i="0" u="none" strike="noStrike" cap="none" normalizeH="0" baseline="0">
+                  <a:ln>
+                    <a:noFill/>
+                  </a:ln>
+                  <a:solidFill>
+                    <a:srgbClr val="7A7E85"/>
+                  </a:solidFill>
+                  <a:effectLst/>
+                  <a:latin typeface="+mj-lt"/>
+                  <a:cs typeface="JetBrains Mono" panose="02000009000000000000" pitchFamily="49" charset="0"/>
+                </a:rPr>
+              </a:br>
+              <a:r>
+                <a:rPr kumimoji="0" lang="zh-TW" altLang="zh-TW" sz="1200" b="0" i="0" u="none" strike="noStrike" cap="none" normalizeH="0" baseline="0">
+                  <a:ln>
+                    <a:noFill/>
+                  </a:ln>
+                  <a:solidFill>
+                    <a:srgbClr val="7A7E85"/>
+                  </a:solidFill>
+                  <a:effectLst/>
+                  <a:latin typeface="+mj-lt"/>
+                  <a:cs typeface="JetBrains Mono" panose="02000009000000000000" pitchFamily="49" charset="0"/>
+                </a:rPr>
+                <a:t>    // That way, it's clear which mod wrote info, warnings, and errors.</a:t>
+              </a:r>
+              <a:br>
+                <a:rPr kumimoji="0" lang="zh-TW" altLang="zh-TW" sz="1200" b="0" i="0" u="none" strike="noStrike" cap="none" normalizeH="0" baseline="0">
+                  <a:ln>
+                    <a:noFill/>
+                  </a:ln>
+                  <a:solidFill>
+                    <a:srgbClr val="7A7E85"/>
+                  </a:solidFill>
+                  <a:effectLst/>
+                  <a:latin typeface="+mj-lt"/>
+                  <a:cs typeface="JetBrains Mono" panose="02000009000000000000" pitchFamily="49" charset="0"/>
+                </a:rPr>
+              </a:br>
+              <a:r>
+                <a:rPr kumimoji="0" lang="zh-TW" altLang="zh-TW" sz="1200" b="0" i="0" u="none" strike="noStrike" cap="none" normalizeH="0" baseline="0">
+                  <a:ln>
+                    <a:noFill/>
+                  </a:ln>
+                  <a:solidFill>
+                    <a:srgbClr val="7A7E85"/>
+                  </a:solidFill>
+                  <a:effectLst/>
+                  <a:latin typeface="+mj-lt"/>
+                  <a:cs typeface="JetBrains Mono" panose="02000009000000000000" pitchFamily="49" charset="0"/>
+                </a:rPr>
+                <a:t>    </a:t>
+              </a:r>
+              <a:r>
+                <a:rPr kumimoji="0" lang="zh-TW" altLang="zh-TW" sz="1200" b="0" i="0" u="none" strike="noStrike" cap="none" normalizeH="0" baseline="0">
+                  <a:ln>
+                    <a:noFill/>
+                  </a:ln>
+                  <a:solidFill>
+                    <a:srgbClr val="CF8E6D"/>
+                  </a:solidFill>
+                  <a:effectLst/>
+                  <a:latin typeface="+mj-lt"/>
+                  <a:cs typeface="JetBrains Mono" panose="02000009000000000000" pitchFamily="49" charset="0"/>
+                </a:rPr>
+                <a:t>public static final </a:t>
+              </a:r>
+              <a:r>
+                <a:rPr kumimoji="0" lang="zh-TW" altLang="zh-TW" sz="1200" b="0" i="0" u="none" strike="noStrike" cap="none" normalizeH="0" baseline="0">
+                  <a:ln>
+                    <a:noFill/>
+                  </a:ln>
+                  <a:solidFill>
+                    <a:srgbClr val="BCBEC4"/>
+                  </a:solidFill>
+                  <a:effectLst/>
+                  <a:latin typeface="+mj-lt"/>
+                  <a:cs typeface="JetBrains Mono" panose="02000009000000000000" pitchFamily="49" charset="0"/>
+                </a:rPr>
+                <a:t>Logger </a:t>
+              </a:r>
+              <a:r>
+                <a:rPr kumimoji="0" lang="zh-TW" altLang="zh-TW" sz="1200" b="0" i="1" u="none" strike="noStrike" cap="none" normalizeH="0" baseline="0">
+                  <a:ln>
+                    <a:noFill/>
+                  </a:ln>
+                  <a:solidFill>
+                    <a:srgbClr val="C77DBB"/>
+                  </a:solidFill>
+                  <a:effectLst/>
+                  <a:latin typeface="+mj-lt"/>
+                  <a:cs typeface="JetBrains Mono" panose="02000009000000000000" pitchFamily="49" charset="0"/>
+                </a:rPr>
+                <a:t>LOGGER </a:t>
+              </a:r>
+              <a:r>
+                <a:rPr kumimoji="0" lang="zh-TW" altLang="zh-TW" sz="1200" b="0" i="0" u="none" strike="noStrike" cap="none" normalizeH="0" baseline="0">
+                  <a:ln>
+                    <a:noFill/>
+                  </a:ln>
+                  <a:solidFill>
+                    <a:srgbClr val="BCBEC4"/>
+                  </a:solidFill>
+                  <a:effectLst/>
+                  <a:latin typeface="+mj-lt"/>
+                  <a:cs typeface="JetBrains Mono" panose="02000009000000000000" pitchFamily="49" charset="0"/>
+                </a:rPr>
+                <a:t>= LoggerFactory.</a:t>
+              </a:r>
+              <a:r>
+                <a:rPr kumimoji="0" lang="zh-TW" altLang="zh-TW" sz="1200" b="0" i="1" u="none" strike="noStrike" cap="none" normalizeH="0" baseline="0">
+                  <a:ln>
+                    <a:noFill/>
+                  </a:ln>
+                  <a:solidFill>
+                    <a:srgbClr val="BCBEC4"/>
+                  </a:solidFill>
+                  <a:effectLst/>
+                  <a:latin typeface="+mj-lt"/>
+                  <a:cs typeface="JetBrains Mono" panose="02000009000000000000" pitchFamily="49" charset="0"/>
+                </a:rPr>
+                <a:t>getLogger</a:t>
+              </a:r>
+              <a:r>
+                <a:rPr kumimoji="0" lang="zh-TW" altLang="zh-TW" sz="1200" b="0" i="0" u="none" strike="noStrike" cap="none" normalizeH="0" baseline="0">
+                  <a:ln>
+                    <a:noFill/>
+                  </a:ln>
+                  <a:solidFill>
+                    <a:srgbClr val="BCBEC4"/>
+                  </a:solidFill>
+                  <a:effectLst/>
+                  <a:latin typeface="+mj-lt"/>
+                  <a:cs typeface="JetBrains Mono" panose="02000009000000000000" pitchFamily="49" charset="0"/>
+                </a:rPr>
+                <a:t>(</a:t>
+              </a:r>
+              <a:r>
+                <a:rPr kumimoji="0" lang="zh-TW" altLang="zh-TW" sz="1200" b="0" i="1" u="none" strike="noStrike" cap="none" normalizeH="0" baseline="0">
+                  <a:ln>
+                    <a:noFill/>
+                  </a:ln>
+                  <a:solidFill>
+                    <a:srgbClr val="C77DBB"/>
+                  </a:solidFill>
+                  <a:effectLst/>
+                  <a:latin typeface="+mj-lt"/>
+                  <a:cs typeface="JetBrains Mono" panose="02000009000000000000" pitchFamily="49" charset="0"/>
+                </a:rPr>
+                <a:t>MOD_ID</a:t>
+              </a:r>
+              <a:r>
+                <a:rPr kumimoji="0" lang="zh-TW" altLang="zh-TW" sz="1200" b="0" i="0" u="none" strike="noStrike" cap="none" normalizeH="0" baseline="0">
+                  <a:ln>
+                    <a:noFill/>
+                  </a:ln>
+                  <a:solidFill>
+                    <a:srgbClr val="BCBEC4"/>
+                  </a:solidFill>
+                  <a:effectLst/>
+                  <a:latin typeface="+mj-lt"/>
+                  <a:cs typeface="JetBrains Mono" panose="02000009000000000000" pitchFamily="49" charset="0"/>
+                </a:rPr>
+                <a:t>);</a:t>
+              </a:r>
+              <a:br>
+                <a:rPr kumimoji="0" lang="zh-TW" altLang="zh-TW" sz="1200" b="0" i="0" u="none" strike="noStrike" cap="none" normalizeH="0" baseline="0">
+                  <a:ln>
+                    <a:noFill/>
+                  </a:ln>
+                  <a:solidFill>
+                    <a:srgbClr val="BCBEC4"/>
+                  </a:solidFill>
+                  <a:effectLst/>
+                  <a:latin typeface="+mj-lt"/>
+                  <a:cs typeface="JetBrains Mono" panose="02000009000000000000" pitchFamily="49" charset="0"/>
+                </a:rPr>
+              </a:br>
+              <a:br>
+                <a:rPr kumimoji="0" lang="zh-TW" altLang="zh-TW" sz="1200" b="0" i="0" u="none" strike="noStrike" cap="none" normalizeH="0" baseline="0">
+                  <a:ln>
+                    <a:noFill/>
+                  </a:ln>
+                  <a:solidFill>
+                    <a:srgbClr val="BCBEC4"/>
+                  </a:solidFill>
+                  <a:effectLst/>
+                  <a:latin typeface="+mj-lt"/>
+                  <a:cs typeface="JetBrains Mono" panose="02000009000000000000" pitchFamily="49" charset="0"/>
+                </a:rPr>
+              </a:br>
+              <a:r>
+                <a:rPr kumimoji="0" lang="zh-TW" altLang="zh-TW" sz="1200" b="0" i="0" u="none" strike="noStrike" cap="none" normalizeH="0" baseline="0">
+                  <a:ln>
+                    <a:noFill/>
+                  </a:ln>
+                  <a:solidFill>
+                    <a:srgbClr val="BCBEC4"/>
+                  </a:solidFill>
+                  <a:effectLst/>
+                  <a:latin typeface="+mj-lt"/>
+                  <a:cs typeface="JetBrains Mono" panose="02000009000000000000" pitchFamily="49" charset="0"/>
+                </a:rPr>
+                <a:t>    </a:t>
+              </a:r>
+              <a:r>
+                <a:rPr kumimoji="0" lang="zh-TW" altLang="zh-TW" sz="1200" b="0" i="0" u="none" strike="noStrike" cap="none" normalizeH="0" baseline="0">
+                  <a:ln>
+                    <a:noFill/>
+                  </a:ln>
+                  <a:solidFill>
+                    <a:srgbClr val="B3AE60"/>
+                  </a:solidFill>
+                  <a:effectLst/>
+                  <a:latin typeface="+mj-lt"/>
+                  <a:cs typeface="JetBrains Mono" panose="02000009000000000000" pitchFamily="49" charset="0"/>
+                </a:rPr>
+                <a:t>@Override</a:t>
+              </a:r>
+              <a:br>
+                <a:rPr kumimoji="0" lang="zh-TW" altLang="zh-TW" sz="1200" b="0" i="0" u="none" strike="noStrike" cap="none" normalizeH="0" baseline="0">
+                  <a:ln>
+                    <a:noFill/>
+                  </a:ln>
+                  <a:solidFill>
+                    <a:srgbClr val="B3AE60"/>
+                  </a:solidFill>
+                  <a:effectLst/>
+                  <a:latin typeface="+mj-lt"/>
+                  <a:cs typeface="JetBrains Mono" panose="02000009000000000000" pitchFamily="49" charset="0"/>
+                </a:rPr>
+              </a:br>
+              <a:r>
+                <a:rPr kumimoji="0" lang="zh-TW" altLang="zh-TW" sz="1200" b="0" i="0" u="none" strike="noStrike" cap="none" normalizeH="0" baseline="0">
+                  <a:ln>
+                    <a:noFill/>
+                  </a:ln>
+                  <a:solidFill>
+                    <a:srgbClr val="B3AE60"/>
+                  </a:solidFill>
+                  <a:effectLst/>
+                  <a:latin typeface="+mj-lt"/>
+                  <a:cs typeface="JetBrains Mono" panose="02000009000000000000" pitchFamily="49" charset="0"/>
+                </a:rPr>
+                <a:t>    </a:t>
+              </a:r>
+              <a:r>
+                <a:rPr kumimoji="0" lang="zh-TW" altLang="zh-TW" sz="1200" b="0" i="0" u="none" strike="noStrike" cap="none" normalizeH="0" baseline="0">
+                  <a:ln>
+                    <a:noFill/>
+                  </a:ln>
+                  <a:solidFill>
+                    <a:srgbClr val="CF8E6D"/>
+                  </a:solidFill>
+                  <a:effectLst/>
+                  <a:latin typeface="+mj-lt"/>
+                  <a:cs typeface="JetBrains Mono" panose="02000009000000000000" pitchFamily="49" charset="0"/>
+                </a:rPr>
+                <a:t>public void </a:t>
+              </a:r>
+              <a:r>
+                <a:rPr kumimoji="0" lang="zh-TW" altLang="zh-TW" sz="1200" b="0" i="0" u="none" strike="noStrike" cap="none" normalizeH="0" baseline="0">
+                  <a:ln>
+                    <a:noFill/>
+                  </a:ln>
+                  <a:solidFill>
+                    <a:srgbClr val="56A8F5"/>
+                  </a:solidFill>
+                  <a:effectLst/>
+                  <a:latin typeface="+mj-lt"/>
+                  <a:cs typeface="JetBrains Mono" panose="02000009000000000000" pitchFamily="49" charset="0"/>
+                </a:rPr>
+                <a:t>onInitialize</a:t>
+              </a:r>
+              <a:r>
+                <a:rPr kumimoji="0" lang="zh-TW" altLang="zh-TW" sz="1200" b="0" i="0" u="none" strike="noStrike" cap="none" normalizeH="0" baseline="0">
+                  <a:ln>
+                    <a:noFill/>
+                  </a:ln>
+                  <a:solidFill>
+                    <a:srgbClr val="BCBEC4"/>
+                  </a:solidFill>
+                  <a:effectLst/>
+                  <a:latin typeface="+mj-lt"/>
+                  <a:cs typeface="JetBrains Mono" panose="02000009000000000000" pitchFamily="49" charset="0"/>
+                </a:rPr>
+                <a:t>() {</a:t>
+              </a:r>
+              <a:br>
+                <a:rPr kumimoji="0" lang="zh-TW" altLang="zh-TW" sz="1200" b="0" i="0" u="none" strike="noStrike" cap="none" normalizeH="0" baseline="0">
+                  <a:ln>
+                    <a:noFill/>
+                  </a:ln>
+                  <a:solidFill>
+                    <a:srgbClr val="BCBEC4"/>
+                  </a:solidFill>
+                  <a:effectLst/>
+                  <a:latin typeface="+mj-lt"/>
+                  <a:cs typeface="JetBrains Mono" panose="02000009000000000000" pitchFamily="49" charset="0"/>
+                </a:rPr>
+              </a:br>
+              <a:r>
+                <a:rPr kumimoji="0" lang="zh-TW" altLang="zh-TW" sz="1200" b="0" i="0" u="none" strike="noStrike" cap="none" normalizeH="0" baseline="0">
+                  <a:ln>
+                    <a:noFill/>
+                  </a:ln>
+                  <a:solidFill>
+                    <a:srgbClr val="BCBEC4"/>
+                  </a:solidFill>
+                  <a:effectLst/>
+                  <a:latin typeface="+mj-lt"/>
+                  <a:cs typeface="JetBrains Mono" panose="02000009000000000000" pitchFamily="49" charset="0"/>
+                </a:rPr>
+                <a:t>       </a:t>
+              </a:r>
+              <a:r>
+                <a:rPr kumimoji="0" lang="zh-TW" altLang="zh-TW" sz="1200" b="0" i="0" u="none" strike="noStrike" cap="none" normalizeH="0" baseline="0">
+                  <a:ln>
+                    <a:noFill/>
+                  </a:ln>
+                  <a:solidFill>
+                    <a:srgbClr val="7A7E85"/>
+                  </a:solidFill>
+                  <a:effectLst/>
+                  <a:latin typeface="+mj-lt"/>
+                  <a:cs typeface="JetBrains Mono" panose="02000009000000000000" pitchFamily="49" charset="0"/>
+                </a:rPr>
+                <a:t>// This code runs as soon as Minecraft is in a mod-load-ready state.</a:t>
+              </a:r>
+              <a:br>
+                <a:rPr kumimoji="0" lang="zh-TW" altLang="zh-TW" sz="1200" b="0" i="0" u="none" strike="noStrike" cap="none" normalizeH="0" baseline="0">
+                  <a:ln>
+                    <a:noFill/>
+                  </a:ln>
+                  <a:solidFill>
+                    <a:srgbClr val="7A7E85"/>
+                  </a:solidFill>
+                  <a:effectLst/>
+                  <a:latin typeface="+mj-lt"/>
+                  <a:cs typeface="JetBrains Mono" panose="02000009000000000000" pitchFamily="49" charset="0"/>
+                </a:rPr>
+              </a:br>
+              <a:r>
+                <a:rPr kumimoji="0" lang="zh-TW" altLang="zh-TW" sz="1200" b="0" i="0" u="none" strike="noStrike" cap="none" normalizeH="0" baseline="0">
+                  <a:ln>
+                    <a:noFill/>
+                  </a:ln>
+                  <a:solidFill>
+                    <a:srgbClr val="7A7E85"/>
+                  </a:solidFill>
+                  <a:effectLst/>
+                  <a:latin typeface="+mj-lt"/>
+                  <a:cs typeface="JetBrains Mono" panose="02000009000000000000" pitchFamily="49" charset="0"/>
+                </a:rPr>
+                <a:t>       // However, some things (like resources) may still be uninitialized.</a:t>
+              </a:r>
+              <a:br>
+                <a:rPr kumimoji="0" lang="zh-TW" altLang="zh-TW" sz="1200" b="0" i="0" u="none" strike="noStrike" cap="none" normalizeH="0" baseline="0">
+                  <a:ln>
+                    <a:noFill/>
+                  </a:ln>
+                  <a:solidFill>
+                    <a:srgbClr val="7A7E85"/>
+                  </a:solidFill>
+                  <a:effectLst/>
+                  <a:latin typeface="+mj-lt"/>
+                  <a:cs typeface="JetBrains Mono" panose="02000009000000000000" pitchFamily="49" charset="0"/>
+                </a:rPr>
+              </a:br>
+              <a:r>
+                <a:rPr kumimoji="0" lang="zh-TW" altLang="zh-TW" sz="1200" b="0" i="0" u="none" strike="noStrike" cap="none" normalizeH="0" baseline="0">
+                  <a:ln>
+                    <a:noFill/>
+                  </a:ln>
+                  <a:solidFill>
+                    <a:srgbClr val="7A7E85"/>
+                  </a:solidFill>
+                  <a:effectLst/>
+                  <a:latin typeface="+mj-lt"/>
+                  <a:cs typeface="JetBrains Mono" panose="02000009000000000000" pitchFamily="49" charset="0"/>
+                </a:rPr>
+                <a:t>       // Proceed with mild caution.</a:t>
+              </a:r>
+              <a:br>
+                <a:rPr kumimoji="0" lang="zh-TW" altLang="zh-TW" sz="1200" b="0" i="0" u="none" strike="noStrike" cap="none" normalizeH="0" baseline="0">
+                  <a:ln>
+                    <a:noFill/>
+                  </a:ln>
+                  <a:solidFill>
+                    <a:srgbClr val="7A7E85"/>
+                  </a:solidFill>
+                  <a:effectLst/>
+                  <a:latin typeface="+mj-lt"/>
+                  <a:cs typeface="JetBrains Mono" panose="02000009000000000000" pitchFamily="49" charset="0"/>
+                </a:rPr>
+              </a:br>
+              <a:br>
+                <a:rPr kumimoji="0" lang="zh-TW" altLang="zh-TW" sz="1200" b="0" i="0" u="none" strike="noStrike" cap="none" normalizeH="0" baseline="0">
+                  <a:ln>
+                    <a:noFill/>
+                  </a:ln>
+                  <a:solidFill>
+                    <a:srgbClr val="7A7E85"/>
+                  </a:solidFill>
+                  <a:effectLst/>
+                  <a:latin typeface="+mj-lt"/>
+                  <a:cs typeface="JetBrains Mono" panose="02000009000000000000" pitchFamily="49" charset="0"/>
+                </a:rPr>
+              </a:br>
+              <a:r>
+                <a:rPr kumimoji="0" lang="zh-TW" altLang="zh-TW" sz="1200" b="0" i="0" u="none" strike="noStrike" cap="none" normalizeH="0" baseline="0">
+                  <a:ln>
+                    <a:noFill/>
+                  </a:ln>
+                  <a:solidFill>
+                    <a:srgbClr val="7A7E85"/>
+                  </a:solidFill>
+                  <a:effectLst/>
+                  <a:latin typeface="+mj-lt"/>
+                  <a:cs typeface="JetBrains Mono" panose="02000009000000000000" pitchFamily="49" charset="0"/>
+                </a:rPr>
+                <a:t>       </a:t>
+              </a:r>
+              <a:r>
+                <a:rPr kumimoji="0" lang="zh-TW" altLang="zh-TW" sz="1200" b="0" i="1" u="none" strike="noStrike" cap="none" normalizeH="0" baseline="0">
+                  <a:ln>
+                    <a:noFill/>
+                  </a:ln>
+                  <a:solidFill>
+                    <a:srgbClr val="C77DBB"/>
+                  </a:solidFill>
+                  <a:effectLst/>
+                  <a:latin typeface="+mj-lt"/>
+                  <a:cs typeface="JetBrains Mono" panose="02000009000000000000" pitchFamily="49" charset="0"/>
+                </a:rPr>
+                <a:t>LOGGER</a:t>
+              </a:r>
+              <a:r>
+                <a:rPr kumimoji="0" lang="zh-TW" altLang="zh-TW" sz="1200" b="0" i="0" u="none" strike="noStrike" cap="none" normalizeH="0" baseline="0">
+                  <a:ln>
+                    <a:noFill/>
+                  </a:ln>
+                  <a:solidFill>
+                    <a:srgbClr val="BCBEC4"/>
+                  </a:solidFill>
+                  <a:effectLst/>
+                  <a:latin typeface="+mj-lt"/>
+                  <a:cs typeface="JetBrains Mono" panose="02000009000000000000" pitchFamily="49" charset="0"/>
+                </a:rPr>
+                <a:t>.info(</a:t>
+              </a:r>
+              <a:r>
+                <a:rPr kumimoji="0" lang="zh-TW" altLang="zh-TW" sz="1200" b="0" i="0" u="none" strike="noStrike" cap="none" normalizeH="0" baseline="0">
+                  <a:ln>
+                    <a:noFill/>
+                  </a:ln>
+                  <a:solidFill>
+                    <a:srgbClr val="6AAB73"/>
+                  </a:solidFill>
+                  <a:effectLst/>
+                  <a:latin typeface="+mj-lt"/>
+                  <a:cs typeface="JetBrains Mono" panose="02000009000000000000" pitchFamily="49" charset="0"/>
+                </a:rPr>
+                <a:t>"Hello Fabric world!"</a:t>
+              </a:r>
+              <a:r>
+                <a:rPr kumimoji="0" lang="zh-TW" altLang="zh-TW" sz="1200" b="0" i="0" u="none" strike="noStrike" cap="none" normalizeH="0" baseline="0">
+                  <a:ln>
+                    <a:noFill/>
+                  </a:ln>
+                  <a:solidFill>
+                    <a:srgbClr val="BCBEC4"/>
+                  </a:solidFill>
+                  <a:effectLst/>
+                  <a:latin typeface="+mj-lt"/>
+                  <a:cs typeface="JetBrains Mono" panose="02000009000000000000" pitchFamily="49" charset="0"/>
+                </a:rPr>
+                <a:t>);</a:t>
+              </a:r>
+              <a:br>
+                <a:rPr kumimoji="0" lang="zh-TW" altLang="zh-TW" sz="1200" b="0" i="0" u="none" strike="noStrike" cap="none" normalizeH="0" baseline="0">
+                  <a:ln>
+                    <a:noFill/>
+                  </a:ln>
+                  <a:solidFill>
+                    <a:srgbClr val="BCBEC4"/>
+                  </a:solidFill>
+                  <a:effectLst/>
+                  <a:latin typeface="+mj-lt"/>
+                  <a:cs typeface="JetBrains Mono" panose="02000009000000000000" pitchFamily="49" charset="0"/>
+                </a:rPr>
+              </a:br>
+              <a:r>
+                <a:rPr kumimoji="0" lang="zh-TW" altLang="zh-TW" sz="1200" b="0" i="0" u="none" strike="noStrike" cap="none" normalizeH="0" baseline="0">
+                  <a:ln>
+                    <a:noFill/>
+                  </a:ln>
+                  <a:solidFill>
+                    <a:srgbClr val="BCBEC4"/>
+                  </a:solidFill>
+                  <a:effectLst/>
+                  <a:latin typeface="+mj-lt"/>
+                  <a:cs typeface="JetBrains Mono" panose="02000009000000000000" pitchFamily="49" charset="0"/>
+                </a:rPr>
+                <a:t>    }</a:t>
+              </a:r>
+              <a:br>
+                <a:rPr kumimoji="0" lang="zh-TW" altLang="zh-TW" sz="1200" b="0" i="0" u="none" strike="noStrike" cap="none" normalizeH="0" baseline="0">
+                  <a:ln>
+                    <a:noFill/>
+                  </a:ln>
+                  <a:solidFill>
+                    <a:srgbClr val="BCBEC4"/>
+                  </a:solidFill>
+                  <a:effectLst/>
+                  <a:latin typeface="+mj-lt"/>
+                  <a:cs typeface="JetBrains Mono" panose="02000009000000000000" pitchFamily="49" charset="0"/>
+                </a:rPr>
+              </a:br>
+              <a:r>
+                <a:rPr kumimoji="0" lang="zh-TW" altLang="zh-TW" sz="1200" b="0" i="0" u="none" strike="noStrike" cap="none" normalizeH="0" baseline="0">
+                  <a:ln>
+                    <a:noFill/>
+                  </a:ln>
+                  <a:solidFill>
+                    <a:srgbClr val="BCBEC4"/>
+                  </a:solidFill>
+                  <a:effectLst/>
+                  <a:latin typeface="+mj-lt"/>
+                  <a:cs typeface="JetBrains Mono" panose="02000009000000000000" pitchFamily="49" charset="0"/>
+                </a:rPr>
+                <a:t>}</a:t>
+              </a:r>
+              <a:endParaRPr kumimoji="0" lang="zh-TW" altLang="zh-TW" sz="1400" b="0" i="0" u="none" strike="noStrike" cap="none" normalizeH="0" baseline="0">
+                <a:ln>
+                  <a:noFill/>
+                </a:ln>
+                <a:solidFill>
+                  <a:schemeClr val="tx1"/>
+                </a:solidFill>
+                <a:effectLst/>
+                <a:latin typeface="+mj-lt"/>
+              </a:endParaRPr>
+            </a:p>
+          </p:txBody>
+        </p:sp>
+        <p:sp>
+          <p:nvSpPr>
+            <p:cNvPr id="10" name="文字方塊 9">
+              <a:extLst>
+                <a:ext uri="{FF2B5EF4-FFF2-40B4-BE49-F238E27FC236}">
+                  <a16:creationId xmlns:a16="http://schemas.microsoft.com/office/drawing/2014/main" id="{7A10AC6F-5110-482C-9A57-66682AAD0951}"/>
+                </a:ext>
+              </a:extLst>
+            </p:cNvPr>
+            <p:cNvSpPr txBox="1"/>
+            <p:nvPr/>
+          </p:nvSpPr>
+          <p:spPr>
+            <a:xfrm>
+              <a:off x="10771589" y="4439215"/>
+              <a:ext cx="582211" cy="307777"/>
+            </a:xfrm>
+            <a:prstGeom prst="rect">
+              <a:avLst/>
+            </a:prstGeom>
+            <a:noFill/>
+          </p:spPr>
+          <p:txBody>
+            <a:bodyPr wrap="none" rtlCol="0">
+              <a:spAutoFit/>
+            </a:bodyPr>
+            <a:lstStyle/>
+            <a:p>
+              <a:r>
+                <a:rPr lang="en-US" altLang="zh-TW" sz="1400">
+                  <a:solidFill>
+                    <a:schemeClr val="accent3"/>
+                  </a:solidFill>
+                </a:rPr>
+                <a:t>java</a:t>
+              </a:r>
+              <a:endParaRPr lang="zh-TW" altLang="en-US" sz="1400">
+                <a:solidFill>
+                  <a:schemeClr val="accent3"/>
+                </a:solidFill>
+              </a:endParaRPr>
+            </a:p>
+          </p:txBody>
+        </p:sp>
+      </p:grpSp>
+      <p:grpSp>
+        <p:nvGrpSpPr>
+          <p:cNvPr id="13" name="群組 12">
+            <a:extLst>
+              <a:ext uri="{FF2B5EF4-FFF2-40B4-BE49-F238E27FC236}">
+                <a16:creationId xmlns:a16="http://schemas.microsoft.com/office/drawing/2014/main" id="{6A202B3C-772D-440E-B91E-DDE82D95959A}"/>
+              </a:ext>
+            </a:extLst>
+          </p:cNvPr>
+          <p:cNvGrpSpPr/>
+          <p:nvPr/>
+        </p:nvGrpSpPr>
+        <p:grpSpPr>
+          <a:xfrm>
+            <a:off x="838200" y="4601397"/>
+            <a:ext cx="10515600" cy="1938992"/>
+            <a:chOff x="3182973" y="4737193"/>
+            <a:chExt cx="10515600" cy="1938992"/>
+          </a:xfrm>
+        </p:grpSpPr>
+        <p:sp>
+          <p:nvSpPr>
+            <p:cNvPr id="5" name="Rectangle 1">
+              <a:extLst>
+                <a:ext uri="{FF2B5EF4-FFF2-40B4-BE49-F238E27FC236}">
+                  <a16:creationId xmlns:a16="http://schemas.microsoft.com/office/drawing/2014/main" id="{0F5343AA-0275-4A8C-8CE8-DA1604B479EE}"/>
+                </a:ext>
+              </a:extLst>
+            </p:cNvPr>
+            <p:cNvSpPr>
+              <a:spLocks noChangeArrowheads="1"/>
+            </p:cNvSpPr>
+            <p:nvPr/>
+          </p:nvSpPr>
+          <p:spPr bwMode="auto">
+            <a:xfrm>
+              <a:off x="3182973" y="4737193"/>
+              <a:ext cx="10515600" cy="1938992"/>
+            </a:xfrm>
+            <a:prstGeom prst="rect">
+              <a:avLst/>
+            </a:prstGeom>
+            <a:solidFill>
+              <a:srgbClr val="1E1F22"/>
+            </a:solidFill>
+            <a:ln w="9525">
+              <a:solidFill>
+                <a:schemeClr val="tx1"/>
+              </a:solidFill>
+              <a:miter lim="800000"/>
+              <a:headEnd/>
+              <a:tailEnd/>
+            </a:ln>
+            <a:effectLst/>
+            <a:extLst>
+              <a:ext uri="{AF507438-7753-43E0-B8FC-AC1667EBCBE1}">
+                <a14:hiddenEffects xmlns:a14="http://schemas.microsoft.com/office/drawing/2010/main">
+                  <a:effectLst>
+                    <a:outerShdw dist="35921" dir="2700000" algn="ctr" rotWithShape="0">
+                      <a:schemeClr val="bg2"/>
+                    </a:outerShdw>
+                  </a:effectLst>
+                </a14:hiddenEffects>
+              </a:ext>
+            </a:extLst>
+          </p:spPr>
+          <p:txBody>
+            <a:bodyPr vert="horz" wrap="square" lIns="91440" tIns="45720" rIns="91440" bIns="45720" numCol="1" anchor="ctr" anchorCtr="0" compatLnSpc="1">
+              <a:prstTxWarp prst="textNoShape">
+                <a:avLst/>
+              </a:prstTxWarp>
+              <a:spAutoFit/>
+            </a:bodyPr>
+            <a:lstStyle/>
+            <a:p>
+              <a:pPr marL="0" marR="0" lvl="0" indent="0" algn="l" defTabSz="914400" rtl="0" eaLnBrk="0" fontAlgn="base" latinLnBrk="0" hangingPunct="0">
+                <a:lnSpc>
+                  <a:spcPct val="100000"/>
+                </a:lnSpc>
+                <a:spcBef>
+                  <a:spcPct val="0"/>
+                </a:spcBef>
+                <a:spcAft>
+                  <a:spcPct val="0"/>
+                </a:spcAft>
+                <a:buClrTx/>
+                <a:buSzTx/>
+                <a:buFontTx/>
+                <a:buNone/>
+                <a:tabLst/>
+              </a:pPr>
+              <a:r>
+                <a:rPr kumimoji="0" lang="zh-TW" altLang="zh-TW" sz="1200" b="0" i="0" u="none" strike="noStrike" cap="none" normalizeH="0" baseline="0">
+                  <a:ln>
+                    <a:noFill/>
+                  </a:ln>
+                  <a:solidFill>
+                    <a:srgbClr val="CF8E6D"/>
+                  </a:solidFill>
+                  <a:effectLst/>
+                  <a:latin typeface="+mj-lt"/>
+                  <a:cs typeface="JetBrains Mono" panose="02000009000000000000" pitchFamily="49" charset="0"/>
+                </a:rPr>
+                <a:t>package </a:t>
+              </a:r>
+              <a:r>
+                <a:rPr kumimoji="0" lang="zh-TW" altLang="zh-TW" sz="1200" b="0" i="0" u="none" strike="noStrike" cap="none" normalizeH="0" baseline="0">
+                  <a:ln>
+                    <a:noFill/>
+                  </a:ln>
+                  <a:solidFill>
+                    <a:srgbClr val="BCBEC4"/>
+                  </a:solidFill>
+                  <a:effectLst/>
+                  <a:latin typeface="+mj-lt"/>
+                  <a:cs typeface="JetBrains Mono" panose="02000009000000000000" pitchFamily="49" charset="0"/>
+                </a:rPr>
+                <a:t>org.tyic;</a:t>
+              </a:r>
+              <a:br>
+                <a:rPr kumimoji="0" lang="zh-TW" altLang="zh-TW" sz="1200" b="0" i="0" u="none" strike="noStrike" cap="none" normalizeH="0" baseline="0">
+                  <a:ln>
+                    <a:noFill/>
+                  </a:ln>
+                  <a:solidFill>
+                    <a:srgbClr val="BCBEC4"/>
+                  </a:solidFill>
+                  <a:effectLst/>
+                  <a:latin typeface="+mj-lt"/>
+                  <a:cs typeface="JetBrains Mono" panose="02000009000000000000" pitchFamily="49" charset="0"/>
+                </a:rPr>
+              </a:br>
+              <a:br>
+                <a:rPr kumimoji="0" lang="zh-TW" altLang="zh-TW" sz="1200" b="0" i="0" u="none" strike="noStrike" cap="none" normalizeH="0" baseline="0">
+                  <a:ln>
+                    <a:noFill/>
+                  </a:ln>
+                  <a:solidFill>
+                    <a:srgbClr val="BCBEC4"/>
+                  </a:solidFill>
+                  <a:effectLst/>
+                  <a:latin typeface="+mj-lt"/>
+                  <a:cs typeface="JetBrains Mono" panose="02000009000000000000" pitchFamily="49" charset="0"/>
+                </a:rPr>
+              </a:br>
+              <a:r>
+                <a:rPr kumimoji="0" lang="zh-TW" altLang="zh-TW" sz="1200" b="0" i="0" u="none" strike="noStrike" cap="none" normalizeH="0" baseline="0">
+                  <a:ln>
+                    <a:noFill/>
+                  </a:ln>
+                  <a:solidFill>
+                    <a:srgbClr val="CF8E6D"/>
+                  </a:solidFill>
+                  <a:effectLst/>
+                  <a:latin typeface="+mj-lt"/>
+                  <a:cs typeface="JetBrains Mono" panose="02000009000000000000" pitchFamily="49" charset="0"/>
+                </a:rPr>
+                <a:t>import </a:t>
+              </a:r>
+              <a:r>
+                <a:rPr kumimoji="0" lang="zh-TW" altLang="zh-TW" sz="1200" b="0" i="0" u="none" strike="noStrike" cap="none" normalizeH="0" baseline="0">
+                  <a:ln>
+                    <a:noFill/>
+                  </a:ln>
+                  <a:solidFill>
+                    <a:srgbClr val="BCBEC4"/>
+                  </a:solidFill>
+                  <a:effectLst/>
+                  <a:latin typeface="+mj-lt"/>
+                  <a:cs typeface="JetBrains Mono" panose="02000009000000000000" pitchFamily="49" charset="0"/>
+                </a:rPr>
+                <a:t>net.fabricmc.api.ClientModInitializer;</a:t>
+              </a:r>
+              <a:br>
+                <a:rPr kumimoji="0" lang="zh-TW" altLang="zh-TW" sz="1200" b="0" i="0" u="none" strike="noStrike" cap="none" normalizeH="0" baseline="0">
+                  <a:ln>
+                    <a:noFill/>
+                  </a:ln>
+                  <a:solidFill>
+                    <a:srgbClr val="BCBEC4"/>
+                  </a:solidFill>
+                  <a:effectLst/>
+                  <a:latin typeface="+mj-lt"/>
+                  <a:cs typeface="JetBrains Mono" panose="02000009000000000000" pitchFamily="49" charset="0"/>
+                </a:rPr>
+              </a:br>
+              <a:br>
+                <a:rPr kumimoji="0" lang="zh-TW" altLang="zh-TW" sz="1200" b="0" i="0" u="none" strike="noStrike" cap="none" normalizeH="0" baseline="0">
+                  <a:ln>
+                    <a:noFill/>
+                  </a:ln>
+                  <a:solidFill>
+                    <a:srgbClr val="BCBEC4"/>
+                  </a:solidFill>
+                  <a:effectLst/>
+                  <a:latin typeface="+mj-lt"/>
+                  <a:cs typeface="JetBrains Mono" panose="02000009000000000000" pitchFamily="49" charset="0"/>
+                </a:rPr>
+              </a:br>
+              <a:r>
+                <a:rPr kumimoji="0" lang="zh-TW" altLang="zh-TW" sz="1200" b="0" i="0" u="none" strike="noStrike" cap="none" normalizeH="0" baseline="0">
+                  <a:ln>
+                    <a:noFill/>
+                  </a:ln>
+                  <a:solidFill>
+                    <a:srgbClr val="CF8E6D"/>
+                  </a:solidFill>
+                  <a:effectLst/>
+                  <a:latin typeface="+mj-lt"/>
+                  <a:cs typeface="JetBrains Mono" panose="02000009000000000000" pitchFamily="49" charset="0"/>
+                </a:rPr>
+                <a:t>public class </a:t>
+              </a:r>
+              <a:r>
+                <a:rPr kumimoji="0" lang="zh-TW" altLang="zh-TW" sz="1200" b="0" i="0" u="none" strike="noStrike" cap="none" normalizeH="0" baseline="0">
+                  <a:ln>
+                    <a:noFill/>
+                  </a:ln>
+                  <a:solidFill>
+                    <a:srgbClr val="BCBEC4"/>
+                  </a:solidFill>
+                  <a:effectLst/>
+                  <a:latin typeface="+mj-lt"/>
+                  <a:cs typeface="JetBrains Mono" panose="02000009000000000000" pitchFamily="49" charset="0"/>
+                </a:rPr>
+                <a:t>TyicModClient </a:t>
+              </a:r>
+              <a:r>
+                <a:rPr kumimoji="0" lang="zh-TW" altLang="zh-TW" sz="1200" b="0" i="0" u="none" strike="noStrike" cap="none" normalizeH="0" baseline="0">
+                  <a:ln>
+                    <a:noFill/>
+                  </a:ln>
+                  <a:solidFill>
+                    <a:srgbClr val="CF8E6D"/>
+                  </a:solidFill>
+                  <a:effectLst/>
+                  <a:latin typeface="+mj-lt"/>
+                  <a:cs typeface="JetBrains Mono" panose="02000009000000000000" pitchFamily="49" charset="0"/>
+                </a:rPr>
+                <a:t>implements </a:t>
+              </a:r>
+              <a:r>
+                <a:rPr kumimoji="0" lang="zh-TW" altLang="zh-TW" sz="1200" b="0" i="0" u="none" strike="noStrike" cap="none" normalizeH="0" baseline="0">
+                  <a:ln>
+                    <a:noFill/>
+                  </a:ln>
+                  <a:solidFill>
+                    <a:srgbClr val="BCBEC4"/>
+                  </a:solidFill>
+                  <a:effectLst/>
+                  <a:latin typeface="+mj-lt"/>
+                  <a:cs typeface="JetBrains Mono" panose="02000009000000000000" pitchFamily="49" charset="0"/>
+                </a:rPr>
+                <a:t>ClientModInitializer {</a:t>
+              </a:r>
+              <a:br>
+                <a:rPr kumimoji="0" lang="zh-TW" altLang="zh-TW" sz="1200" b="0" i="0" u="none" strike="noStrike" cap="none" normalizeH="0" baseline="0">
+                  <a:ln>
+                    <a:noFill/>
+                  </a:ln>
+                  <a:solidFill>
+                    <a:srgbClr val="BCBEC4"/>
+                  </a:solidFill>
+                  <a:effectLst/>
+                  <a:latin typeface="+mj-lt"/>
+                  <a:cs typeface="JetBrains Mono" panose="02000009000000000000" pitchFamily="49" charset="0"/>
+                </a:rPr>
+              </a:br>
+              <a:r>
+                <a:rPr kumimoji="0" lang="zh-TW" altLang="zh-TW" sz="1200" b="0" i="0" u="none" strike="noStrike" cap="none" normalizeH="0" baseline="0">
+                  <a:ln>
+                    <a:noFill/>
+                  </a:ln>
+                  <a:solidFill>
+                    <a:srgbClr val="BCBEC4"/>
+                  </a:solidFill>
+                  <a:effectLst/>
+                  <a:latin typeface="+mj-lt"/>
+                  <a:cs typeface="JetBrains Mono" panose="02000009000000000000" pitchFamily="49" charset="0"/>
+                </a:rPr>
+                <a:t>    </a:t>
+              </a:r>
+              <a:r>
+                <a:rPr kumimoji="0" lang="zh-TW" altLang="zh-TW" sz="1200" b="0" i="0" u="none" strike="noStrike" cap="none" normalizeH="0" baseline="0">
+                  <a:ln>
+                    <a:noFill/>
+                  </a:ln>
+                  <a:solidFill>
+                    <a:srgbClr val="B3AE60"/>
+                  </a:solidFill>
+                  <a:effectLst/>
+                  <a:latin typeface="+mj-lt"/>
+                  <a:cs typeface="JetBrains Mono" panose="02000009000000000000" pitchFamily="49" charset="0"/>
+                </a:rPr>
+                <a:t>@Override</a:t>
+              </a:r>
+              <a:br>
+                <a:rPr kumimoji="0" lang="zh-TW" altLang="zh-TW" sz="1200" b="0" i="0" u="none" strike="noStrike" cap="none" normalizeH="0" baseline="0">
+                  <a:ln>
+                    <a:noFill/>
+                  </a:ln>
+                  <a:solidFill>
+                    <a:srgbClr val="B3AE60"/>
+                  </a:solidFill>
+                  <a:effectLst/>
+                  <a:latin typeface="+mj-lt"/>
+                  <a:cs typeface="JetBrains Mono" panose="02000009000000000000" pitchFamily="49" charset="0"/>
+                </a:rPr>
+              </a:br>
+              <a:r>
+                <a:rPr kumimoji="0" lang="zh-TW" altLang="zh-TW" sz="1200" b="0" i="0" u="none" strike="noStrike" cap="none" normalizeH="0" baseline="0">
+                  <a:ln>
+                    <a:noFill/>
+                  </a:ln>
+                  <a:solidFill>
+                    <a:srgbClr val="B3AE60"/>
+                  </a:solidFill>
+                  <a:effectLst/>
+                  <a:latin typeface="+mj-lt"/>
+                  <a:cs typeface="JetBrains Mono" panose="02000009000000000000" pitchFamily="49" charset="0"/>
+                </a:rPr>
+                <a:t>    </a:t>
+              </a:r>
+              <a:r>
+                <a:rPr kumimoji="0" lang="zh-TW" altLang="zh-TW" sz="1200" b="0" i="0" u="none" strike="noStrike" cap="none" normalizeH="0" baseline="0">
+                  <a:ln>
+                    <a:noFill/>
+                  </a:ln>
+                  <a:solidFill>
+                    <a:srgbClr val="CF8E6D"/>
+                  </a:solidFill>
+                  <a:effectLst/>
+                  <a:latin typeface="+mj-lt"/>
+                  <a:cs typeface="JetBrains Mono" panose="02000009000000000000" pitchFamily="49" charset="0"/>
+                </a:rPr>
+                <a:t>public void </a:t>
+              </a:r>
+              <a:r>
+                <a:rPr kumimoji="0" lang="zh-TW" altLang="zh-TW" sz="1200" b="0" i="0" u="none" strike="noStrike" cap="none" normalizeH="0" baseline="0">
+                  <a:ln>
+                    <a:noFill/>
+                  </a:ln>
+                  <a:solidFill>
+                    <a:srgbClr val="56A8F5"/>
+                  </a:solidFill>
+                  <a:effectLst/>
+                  <a:latin typeface="+mj-lt"/>
+                  <a:cs typeface="JetBrains Mono" panose="02000009000000000000" pitchFamily="49" charset="0"/>
+                </a:rPr>
+                <a:t>onInitializeClient</a:t>
+              </a:r>
+              <a:r>
+                <a:rPr kumimoji="0" lang="zh-TW" altLang="zh-TW" sz="1200" b="0" i="0" u="none" strike="noStrike" cap="none" normalizeH="0" baseline="0">
+                  <a:ln>
+                    <a:noFill/>
+                  </a:ln>
+                  <a:solidFill>
+                    <a:srgbClr val="BCBEC4"/>
+                  </a:solidFill>
+                  <a:effectLst/>
+                  <a:latin typeface="+mj-lt"/>
+                  <a:cs typeface="JetBrains Mono" panose="02000009000000000000" pitchFamily="49" charset="0"/>
+                </a:rPr>
+                <a:t>() {</a:t>
+              </a:r>
+              <a:br>
+                <a:rPr kumimoji="0" lang="zh-TW" altLang="zh-TW" sz="1200" b="0" i="0" u="none" strike="noStrike" cap="none" normalizeH="0" baseline="0">
+                  <a:ln>
+                    <a:noFill/>
+                  </a:ln>
+                  <a:solidFill>
+                    <a:srgbClr val="BCBEC4"/>
+                  </a:solidFill>
+                  <a:effectLst/>
+                  <a:latin typeface="+mj-lt"/>
+                  <a:cs typeface="JetBrains Mono" panose="02000009000000000000" pitchFamily="49" charset="0"/>
+                </a:rPr>
+              </a:br>
+              <a:r>
+                <a:rPr kumimoji="0" lang="zh-TW" altLang="zh-TW" sz="1200" b="0" i="0" u="none" strike="noStrike" cap="none" normalizeH="0" baseline="0">
+                  <a:ln>
+                    <a:noFill/>
+                  </a:ln>
+                  <a:solidFill>
+                    <a:srgbClr val="BCBEC4"/>
+                  </a:solidFill>
+                  <a:effectLst/>
+                  <a:latin typeface="+mj-lt"/>
+                  <a:cs typeface="JetBrains Mono" panose="02000009000000000000" pitchFamily="49" charset="0"/>
+                </a:rPr>
+                <a:t>       </a:t>
+              </a:r>
+              <a:r>
+                <a:rPr kumimoji="0" lang="zh-TW" altLang="zh-TW" sz="1200" b="0" i="0" u="none" strike="noStrike" cap="none" normalizeH="0" baseline="0">
+                  <a:ln>
+                    <a:noFill/>
+                  </a:ln>
+                  <a:solidFill>
+                    <a:srgbClr val="7A7E85"/>
+                  </a:solidFill>
+                  <a:effectLst/>
+                  <a:latin typeface="+mj-lt"/>
+                  <a:cs typeface="JetBrains Mono" panose="02000009000000000000" pitchFamily="49" charset="0"/>
+                </a:rPr>
+                <a:t>// This entrypoint is suitable for setting up client-specific logic, such as rendering.</a:t>
+              </a:r>
+              <a:br>
+                <a:rPr kumimoji="0" lang="zh-TW" altLang="zh-TW" sz="1200" b="0" i="0" u="none" strike="noStrike" cap="none" normalizeH="0" baseline="0">
+                  <a:ln>
+                    <a:noFill/>
+                  </a:ln>
+                  <a:solidFill>
+                    <a:srgbClr val="7A7E85"/>
+                  </a:solidFill>
+                  <a:effectLst/>
+                  <a:latin typeface="+mj-lt"/>
+                  <a:cs typeface="JetBrains Mono" panose="02000009000000000000" pitchFamily="49" charset="0"/>
+                </a:rPr>
+              </a:br>
+              <a:r>
+                <a:rPr kumimoji="0" lang="zh-TW" altLang="zh-TW" sz="1200" b="0" i="0" u="none" strike="noStrike" cap="none" normalizeH="0" baseline="0">
+                  <a:ln>
+                    <a:noFill/>
+                  </a:ln>
+                  <a:solidFill>
+                    <a:srgbClr val="7A7E85"/>
+                  </a:solidFill>
+                  <a:effectLst/>
+                  <a:latin typeface="+mj-lt"/>
+                  <a:cs typeface="JetBrains Mono" panose="02000009000000000000" pitchFamily="49" charset="0"/>
+                </a:rPr>
+                <a:t>    </a:t>
+              </a:r>
+              <a:r>
+                <a:rPr kumimoji="0" lang="zh-TW" altLang="zh-TW" sz="1200" b="0" i="0" u="none" strike="noStrike" cap="none" normalizeH="0" baseline="0">
+                  <a:ln>
+                    <a:noFill/>
+                  </a:ln>
+                  <a:solidFill>
+                    <a:srgbClr val="BCBEC4"/>
+                  </a:solidFill>
+                  <a:effectLst/>
+                  <a:latin typeface="+mj-lt"/>
+                  <a:cs typeface="JetBrains Mono" panose="02000009000000000000" pitchFamily="49" charset="0"/>
+                </a:rPr>
+                <a:t>}</a:t>
+              </a:r>
+              <a:br>
+                <a:rPr kumimoji="0" lang="zh-TW" altLang="zh-TW" sz="1200" b="0" i="0" u="none" strike="noStrike" cap="none" normalizeH="0" baseline="0">
+                  <a:ln>
+                    <a:noFill/>
+                  </a:ln>
+                  <a:solidFill>
+                    <a:srgbClr val="BCBEC4"/>
+                  </a:solidFill>
+                  <a:effectLst/>
+                  <a:latin typeface="+mj-lt"/>
+                  <a:cs typeface="JetBrains Mono" panose="02000009000000000000" pitchFamily="49" charset="0"/>
+                </a:rPr>
+              </a:br>
+              <a:r>
+                <a:rPr kumimoji="0" lang="zh-TW" altLang="zh-TW" sz="1200" b="0" i="0" u="none" strike="noStrike" cap="none" normalizeH="0" baseline="0">
+                  <a:ln>
+                    <a:noFill/>
+                  </a:ln>
+                  <a:solidFill>
+                    <a:srgbClr val="BCBEC4"/>
+                  </a:solidFill>
+                  <a:effectLst/>
+                  <a:latin typeface="+mj-lt"/>
+                  <a:cs typeface="JetBrains Mono" panose="02000009000000000000" pitchFamily="49" charset="0"/>
+                </a:rPr>
+                <a:t>}</a:t>
+              </a:r>
+              <a:endParaRPr kumimoji="0" lang="zh-TW" altLang="zh-TW" sz="1400" b="0" i="0" u="none" strike="noStrike" cap="none" normalizeH="0" baseline="0">
+                <a:ln>
+                  <a:noFill/>
+                </a:ln>
+                <a:solidFill>
+                  <a:schemeClr val="tx1"/>
+                </a:solidFill>
+                <a:effectLst/>
+                <a:latin typeface="+mj-lt"/>
+              </a:endParaRPr>
+            </a:p>
+          </p:txBody>
+        </p:sp>
+        <p:sp>
+          <p:nvSpPr>
+            <p:cNvPr id="11" name="文字方塊 10">
+              <a:extLst>
+                <a:ext uri="{FF2B5EF4-FFF2-40B4-BE49-F238E27FC236}">
+                  <a16:creationId xmlns:a16="http://schemas.microsoft.com/office/drawing/2014/main" id="{3492FBAB-657A-4798-B771-97BED31C37E9}"/>
+                </a:ext>
+              </a:extLst>
+            </p:cNvPr>
+            <p:cNvSpPr txBox="1"/>
+            <p:nvPr/>
+          </p:nvSpPr>
+          <p:spPr>
+            <a:xfrm>
+              <a:off x="13116361" y="6368408"/>
+              <a:ext cx="582211" cy="307777"/>
+            </a:xfrm>
+            <a:prstGeom prst="rect">
+              <a:avLst/>
+            </a:prstGeom>
+            <a:noFill/>
+          </p:spPr>
+          <p:txBody>
+            <a:bodyPr wrap="none" rtlCol="0">
+              <a:spAutoFit/>
+            </a:bodyPr>
+            <a:lstStyle/>
+            <a:p>
+              <a:r>
+                <a:rPr lang="en-US" altLang="zh-TW" sz="1400">
+                  <a:solidFill>
+                    <a:schemeClr val="accent3"/>
+                  </a:solidFill>
+                </a:rPr>
+                <a:t>java</a:t>
+              </a:r>
+              <a:endParaRPr lang="zh-TW" altLang="en-US" sz="1400">
+                <a:solidFill>
+                  <a:schemeClr val="accent3"/>
+                </a:solidFill>
+              </a:endParaRPr>
+            </a:p>
+          </p:txBody>
+        </p:sp>
+      </p:grpSp>
+    </p:spTree>
+    <p:extLst>
+      <p:ext uri="{BB962C8B-B14F-4D97-AF65-F5344CB8AC3E}">
+        <p14:creationId xmlns:p14="http://schemas.microsoft.com/office/powerpoint/2010/main" val="941092794"/>
+      </p:ext>
+    </p:extLst>
+  </p:cSld>
+  <p:clrMapOvr>
+    <a:masterClrMapping/>
+  </p:clrMapOvr>
+  <p:transition spd="slow">
+    <p:push dir="u"/>
+  </p:transition>
+</p:sld>
+</file>
+
 <file path=ppt/slides/slide4.xml><?xml version="1.0" encoding="utf-8"?>
 <p:sld xmlns:a="http://schemas.openxmlformats.org/drawingml/2006/main" xmlns:r="http://schemas.openxmlformats.org/officeDocument/2006/relationships" xmlns:p="http://schemas.openxmlformats.org/presentationml/2006/main">
   <p:cSld>
@@ -19453,10 +21833,10 @@
             <p:nvPr/>
           </p:nvPicPr>
           <p:blipFill>
-            <a:blip r:embed="rId3">
+            <a:blip r:embed="rId3" cstate="screen">
               <a:extLst>
                 <a:ext uri="{28A0092B-C50C-407E-A947-70E740481C1C}">
-                  <a14:useLocalDpi xmlns:a14="http://schemas.microsoft.com/office/drawing/2010/main" val="0"/>
+                  <a14:useLocalDpi xmlns:a14="http://schemas.microsoft.com/office/drawing/2010/main"/>
                 </a:ext>
               </a:extLst>
             </a:blip>
@@ -20518,8 +22898,14 @@
             <p:nvPr/>
           </p:nvPicPr>
           <p:blipFill rotWithShape="1">
-            <a:blip r:embed="rId2"/>
-            <a:srcRect t="707" r="276"/>
+            <a:blip r:embed="rId2" cstate="screen">
+              <a:extLst>
+                <a:ext uri="{28A0092B-C50C-407E-A947-70E740481C1C}">
+                  <a14:useLocalDpi xmlns:a14="http://schemas.microsoft.com/office/drawing/2010/main"/>
+                </a:ext>
+              </a:extLst>
+            </a:blip>
+            <a:srcRect/>
             <a:stretch/>
           </p:blipFill>
           <p:spPr>
@@ -21294,8 +23680,14 @@
               <p:nvPr/>
             </p:nvPicPr>
             <p:blipFill rotWithShape="1">
-              <a:blip r:embed="rId2"/>
-              <a:srcRect l="351" t="377" r="351"/>
+              <a:blip r:embed="rId2" cstate="screen">
+                <a:extLst>
+                  <a:ext uri="{28A0092B-C50C-407E-A947-70E740481C1C}">
+                    <a14:useLocalDpi xmlns:a14="http://schemas.microsoft.com/office/drawing/2010/main"/>
+                  </a:ext>
+                </a:extLst>
+              </a:blip>
+              <a:srcRect/>
               <a:stretch/>
             </p:blipFill>
             <p:spPr>
@@ -21470,7 +23862,13 @@
             <p:nvPr/>
           </p:nvPicPr>
           <p:blipFill rotWithShape="1">
-            <a:blip r:embed="rId3"/>
+            <a:blip r:embed="rId3" cstate="screen">
+              <a:extLst>
+                <a:ext uri="{28A0092B-C50C-407E-A947-70E740481C1C}">
+                  <a14:useLocalDpi xmlns:a14="http://schemas.microsoft.com/office/drawing/2010/main"/>
+                </a:ext>
+              </a:extLst>
+            </a:blip>
             <a:srcRect l="355" t="375" r="355" b="375"/>
             <a:stretch/>
           </p:blipFill>
@@ -21760,8 +24158,14 @@
             <p:nvPr/>
           </p:nvPicPr>
           <p:blipFill rotWithShape="1">
-            <a:blip r:embed="rId2"/>
-            <a:srcRect t="64455"/>
+            <a:blip r:embed="rId2" cstate="screen">
+              <a:extLst>
+                <a:ext uri="{28A0092B-C50C-407E-A947-70E740481C1C}">
+                  <a14:useLocalDpi xmlns:a14="http://schemas.microsoft.com/office/drawing/2010/main"/>
+                </a:ext>
+              </a:extLst>
+            </a:blip>
+            <a:srcRect/>
             <a:stretch/>
           </p:blipFill>
           <p:spPr>
@@ -21842,8 +24246,14 @@
           <p:nvPr/>
         </p:nvPicPr>
         <p:blipFill rotWithShape="1">
-          <a:blip r:embed="rId3"/>
-          <a:srcRect t="64928" b="1"/>
+          <a:blip r:embed="rId3" cstate="screen">
+            <a:extLst>
+              <a:ext uri="{28A0092B-C50C-407E-A947-70E740481C1C}">
+                <a14:useLocalDpi xmlns:a14="http://schemas.microsoft.com/office/drawing/2010/main"/>
+              </a:ext>
+            </a:extLst>
+          </a:blip>
+          <a:srcRect/>
           <a:stretch/>
         </p:blipFill>
         <p:spPr>

--- a/ppt/50_Java 專案：前置作業.pptx
+++ b/ppt/50_Java 專案：前置作業.pptx
@@ -240,7 +240,7 @@
           <a:p>
             <a:fld id="{C27144CB-533C-4CD2-9ED3-63FEE8E9FA13}" type="datetimeFigureOut">
               <a:rPr lang="zh-TW" altLang="en-US" smtClean="0"/>
-              <a:t>2025/2/14</a:t>
+              <a:t>2025/2/15</a:t>
             </a:fld>
             <a:endParaRPr lang="zh-TW" altLang="en-US"/>
           </a:p>
@@ -3913,8 +3913,8 @@
         </p:nvSpPr>
         <p:spPr>
           <a:xfrm>
-            <a:off x="838200" y="942985"/>
-            <a:ext cx="7486650" cy="5731806"/>
+            <a:off x="838200" y="954187"/>
+            <a:ext cx="7264086" cy="5618872"/>
           </a:xfrm>
         </p:spPr>
         <p:txBody>
@@ -3924,18 +3924,18 @@
           <a:lstStyle/>
           <a:p>
             <a:r>
-              <a:rPr lang="zh-TW" altLang="en-US"/>
+              <a:rPr lang="zh-TW" altLang="en-US" sz="2400"/>
               <a:t>專案資料夾結構大致如右</a:t>
             </a:r>
-            <a:endParaRPr lang="en-US" altLang="zh-TW"/>
-          </a:p>
-          <a:p>
-            <a:r>
-              <a:rPr lang="zh-TW" altLang="en-US"/>
+            <a:endParaRPr lang="en-US" altLang="zh-TW" sz="2400"/>
+          </a:p>
+          <a:p>
+            <a:r>
+              <a:rPr lang="zh-TW" altLang="en-US" sz="2400"/>
               <a:t>其中的 </a:t>
             </a:r>
             <a:r>
-              <a:rPr lang="en-US" altLang="zh-TW">
+              <a:rPr lang="en-US" altLang="zh-TW" sz="2400">
                 <a:solidFill>
                   <a:srgbClr val="92D050"/>
                 </a:solidFill>
@@ -3943,21 +3943,45 @@
               <a:t>"./src" </a:t>
             </a:r>
             <a:r>
-              <a:rPr lang="zh-TW" altLang="en-US"/>
+              <a:rPr lang="zh-TW" altLang="en-US" sz="2400"/>
               <a:t>資料夾</a:t>
             </a:r>
-            <a:endParaRPr lang="en-US" altLang="zh-TW"/>
-          </a:p>
-          <a:p>
-            <a:r>
-              <a:rPr lang="zh-TW" altLang="en-US"/>
-              <a:t>為專案原始碼和資源的主要存放之處</a:t>
-            </a:r>
-            <a:endParaRPr lang="en-US" altLang="zh-TW"/>
-          </a:p>
-          <a:p>
-            <a:r>
-              <a:rPr lang="en-US" altLang="zh-TW">
+            <a:endParaRPr lang="en-US" altLang="zh-TW" sz="2400"/>
+          </a:p>
+          <a:p>
+            <a:r>
+              <a:rPr lang="zh-TW" altLang="en-US" sz="2400"/>
+              <a:t>為專案</a:t>
+            </a:r>
+            <a:r>
+              <a:rPr lang="zh-TW" altLang="en-US" sz="2400">
+                <a:solidFill>
+                  <a:srgbClr val="00B0F0"/>
+                </a:solidFill>
+              </a:rPr>
+              <a:t>原始碼</a:t>
+            </a:r>
+            <a:r>
+              <a:rPr lang="zh-TW" altLang="en-US" sz="2400"/>
+              <a:t>和</a:t>
+            </a:r>
+            <a:r>
+              <a:rPr lang="zh-TW" altLang="en-US" sz="2400">
+                <a:solidFill>
+                  <a:srgbClr val="00B0F0"/>
+                </a:solidFill>
+              </a:rPr>
+              <a:t>資源</a:t>
+            </a:r>
+            <a:r>
+              <a:rPr lang="zh-TW" altLang="en-US" sz="2400"/>
+              <a:t>的主要存放之處</a:t>
+            </a:r>
+            <a:endParaRPr lang="en-US" altLang="zh-TW" sz="2400"/>
+          </a:p>
+          <a:p>
+            <a:r>
+              <a:rPr lang="en-US" altLang="zh-TW" sz="2400">
                 <a:solidFill>
                   <a:srgbClr val="FFFF00"/>
                 </a:solidFill>
@@ -3965,15 +3989,15 @@
               <a:t>main</a:t>
             </a:r>
             <a:r>
-              <a:rPr lang="en-US" altLang="zh-TW"/>
+              <a:rPr lang="en-US" altLang="zh-TW" sz="2400"/>
               <a:t> </a:t>
             </a:r>
             <a:r>
-              <a:rPr lang="zh-TW" altLang="en-US"/>
+              <a:rPr lang="zh-TW" altLang="en-US" sz="2400"/>
               <a:t>和 </a:t>
             </a:r>
             <a:r>
-              <a:rPr lang="en-US" altLang="zh-TW">
+              <a:rPr lang="en-US" altLang="zh-TW" sz="2400">
                 <a:solidFill>
                   <a:srgbClr val="FFFF00"/>
                 </a:solidFill>
@@ -3981,15 +4005,15 @@
               <a:t>client</a:t>
             </a:r>
             <a:r>
-              <a:rPr lang="en-US" altLang="zh-TW"/>
+              <a:rPr lang="en-US" altLang="zh-TW" sz="2400"/>
               <a:t> </a:t>
             </a:r>
             <a:r>
-              <a:rPr lang="zh-TW" altLang="en-US"/>
+              <a:rPr lang="zh-TW" altLang="en-US" sz="2400"/>
               <a:t>為</a:t>
             </a:r>
             <a:r>
-              <a:rPr lang="zh-TW" altLang="en-US">
+              <a:rPr lang="zh-TW" altLang="en-US" sz="2400">
                 <a:solidFill>
                   <a:srgbClr val="00B0F0"/>
                 </a:solidFill>
@@ -3997,7 +4021,7 @@
               <a:t>模組</a:t>
             </a:r>
             <a:r>
-              <a:rPr lang="en-US" altLang="zh-TW">
+              <a:rPr lang="en-US" altLang="zh-TW" sz="2400">
                 <a:solidFill>
                   <a:srgbClr val="00B0F0"/>
                 </a:solidFill>
@@ -4007,11 +4031,11 @@
           </a:p>
           <a:p>
             <a:r>
-              <a:rPr lang="zh-TW" altLang="en-US"/>
+              <a:rPr lang="zh-TW" altLang="en-US" sz="2400"/>
               <a:t>每個</a:t>
             </a:r>
             <a:r>
-              <a:rPr lang="zh-TW" altLang="en-US">
+              <a:rPr lang="zh-TW" altLang="en-US" sz="2400">
                 <a:solidFill>
                   <a:srgbClr val="00B0F0"/>
                 </a:solidFill>
@@ -4019,14 +4043,38 @@
               <a:t>模組</a:t>
             </a:r>
             <a:r>
-              <a:rPr lang="zh-TW" altLang="en-US"/>
-              <a:t>各自擁有自己的原始碼和資源資料夾</a:t>
-            </a:r>
-            <a:endParaRPr lang="en-US" altLang="zh-TW"/>
-          </a:p>
-          <a:p>
-            <a:r>
-              <a:rPr lang="en-US" altLang="zh-TW">
+              <a:rPr lang="zh-TW" altLang="en-US" sz="2400"/>
+              <a:t>各自擁有自己的</a:t>
+            </a:r>
+            <a:r>
+              <a:rPr lang="zh-TW" altLang="en-US" sz="2400">
+                <a:solidFill>
+                  <a:srgbClr val="00B0F0"/>
+                </a:solidFill>
+              </a:rPr>
+              <a:t>原始碼</a:t>
+            </a:r>
+            <a:r>
+              <a:rPr lang="zh-TW" altLang="en-US" sz="2400"/>
+              <a:t>和</a:t>
+            </a:r>
+            <a:r>
+              <a:rPr lang="zh-TW" altLang="en-US" sz="2400">
+                <a:solidFill>
+                  <a:srgbClr val="00B0F0"/>
+                </a:solidFill>
+              </a:rPr>
+              <a:t>資源</a:t>
+            </a:r>
+            <a:r>
+              <a:rPr lang="zh-TW" altLang="en-US" sz="2400"/>
+              <a:t>資料夾</a:t>
+            </a:r>
+            <a:endParaRPr lang="en-US" altLang="zh-TW" sz="2400"/>
+          </a:p>
+          <a:p>
+            <a:r>
+              <a:rPr lang="en-US" altLang="zh-TW" sz="2400">
                 <a:solidFill>
                   <a:srgbClr val="FFFF00"/>
                 </a:solidFill>
@@ -4034,11 +4082,11 @@
               <a:t>main</a:t>
             </a:r>
             <a:r>
-              <a:rPr lang="en-US" altLang="zh-TW"/>
+              <a:rPr lang="en-US" altLang="zh-TW" sz="2400"/>
               <a:t> </a:t>
             </a:r>
             <a:r>
-              <a:rPr lang="zh-TW" altLang="en-US">
+              <a:rPr lang="zh-TW" altLang="en-US" sz="2400">
                 <a:solidFill>
                   <a:srgbClr val="00B0F0"/>
                 </a:solidFill>
@@ -4046,14 +4094,56 @@
               <a:t>模組</a:t>
             </a:r>
             <a:r>
-              <a:rPr lang="zh-TW" altLang="en-US"/>
-              <a:t>為伺服端和客戶端通用</a:t>
-            </a:r>
-            <a:endParaRPr lang="en-US" altLang="zh-TW"/>
-          </a:p>
-          <a:p>
-            <a:r>
-              <a:rPr lang="en-US" altLang="zh-TW">
+              <a:rPr lang="zh-TW" altLang="en-US" sz="2400"/>
+              <a:t>為伺服端和客戶端通用程式碼</a:t>
+            </a:r>
+            <a:endParaRPr lang="en-US" altLang="zh-TW" sz="2400"/>
+          </a:p>
+          <a:p>
+            <a:r>
+              <a:rPr lang="zh-TW" altLang="en-US" sz="2400"/>
+              <a:t>及所有</a:t>
+            </a:r>
+            <a:r>
+              <a:rPr lang="zh-TW" altLang="en-US" sz="2400">
+                <a:solidFill>
+                  <a:srgbClr val="00B0F0"/>
+                </a:solidFill>
+              </a:rPr>
+              <a:t>資源</a:t>
+            </a:r>
+            <a:r>
+              <a:rPr lang="en-US" altLang="zh-TW" sz="2400">
+                <a:solidFill>
+                  <a:srgbClr val="00B0F0"/>
+                </a:solidFill>
+              </a:rPr>
+              <a:t>(resource)</a:t>
+            </a:r>
+            <a:r>
+              <a:rPr lang="zh-TW" altLang="en-US" sz="2400"/>
+              <a:t>和</a:t>
+            </a:r>
+            <a:r>
+              <a:rPr lang="zh-TW" altLang="en-US" sz="2400">
+                <a:solidFill>
+                  <a:srgbClr val="00B0F0"/>
+                </a:solidFill>
+              </a:rPr>
+              <a:t>資料</a:t>
+            </a:r>
+            <a:r>
+              <a:rPr lang="en-US" altLang="zh-TW" sz="2400">
+                <a:solidFill>
+                  <a:srgbClr val="00B0F0"/>
+                </a:solidFill>
+              </a:rPr>
+              <a:t>(data)</a:t>
+            </a:r>
+          </a:p>
+          <a:p>
+            <a:r>
+              <a:rPr lang="en-US" altLang="zh-TW" sz="2400">
                 <a:solidFill>
                   <a:srgbClr val="FFFF00"/>
                 </a:solidFill>
@@ -4061,11 +4151,11 @@
               <a:t>client</a:t>
             </a:r>
             <a:r>
-              <a:rPr lang="en-US" altLang="zh-TW"/>
+              <a:rPr lang="en-US" altLang="zh-TW" sz="2400"/>
               <a:t> </a:t>
             </a:r>
             <a:r>
-              <a:rPr lang="zh-TW" altLang="en-US">
+              <a:rPr lang="zh-TW" altLang="en-US" sz="2400">
                 <a:solidFill>
                   <a:srgbClr val="00B0F0"/>
                 </a:solidFill>
@@ -4073,14 +4163,14 @@
               <a:t>模組</a:t>
             </a:r>
             <a:r>
-              <a:rPr lang="zh-TW" altLang="en-US"/>
-              <a:t>為客戶端專屬</a:t>
-            </a:r>
-            <a:endParaRPr lang="en-US" altLang="zh-TW"/>
-          </a:p>
-          <a:p>
-            <a:r>
-              <a:rPr lang="en-US" altLang="zh-TW">
+              <a:rPr lang="zh-TW" altLang="en-US" sz="2400"/>
+              <a:t>為客戶端專屬程式碼</a:t>
+            </a:r>
+            <a:endParaRPr lang="en-US" altLang="zh-TW" sz="2400"/>
+          </a:p>
+          <a:p>
+            <a:r>
+              <a:rPr lang="en-US" altLang="zh-TW" sz="2400">
                 <a:solidFill>
                   <a:srgbClr val="00B0F0"/>
                 </a:solidFill>
@@ -4088,18 +4178,30 @@
               <a:t>java</a:t>
             </a:r>
             <a:r>
-              <a:rPr lang="en-US" altLang="zh-TW"/>
+              <a:rPr lang="en-US" altLang="zh-TW" sz="2400"/>
               <a:t> </a:t>
             </a:r>
             <a:r>
-              <a:rPr lang="zh-TW" altLang="en-US"/>
-              <a:t>資料夾為原始碼資料夾</a:t>
-            </a:r>
-            <a:endParaRPr lang="en-US" altLang="zh-TW"/>
-          </a:p>
-          <a:p>
-            <a:r>
-              <a:rPr lang="en-US" altLang="zh-TW">
+              <a:rPr lang="zh-TW" altLang="en-US" sz="2400"/>
+              <a:t>資料夾為</a:t>
+            </a:r>
+            <a:r>
+              <a:rPr lang="zh-TW" altLang="en-US" sz="2400">
+                <a:solidFill>
+                  <a:srgbClr val="00B0F0"/>
+                </a:solidFill>
+              </a:rPr>
+              <a:t>原始碼</a:t>
+            </a:r>
+            <a:r>
+              <a:rPr lang="zh-TW" altLang="en-US" sz="2400"/>
+              <a:t>資料夾</a:t>
+            </a:r>
+            <a:endParaRPr lang="en-US" altLang="zh-TW" sz="2400"/>
+          </a:p>
+          <a:p>
+            <a:r>
+              <a:rPr lang="en-US" altLang="zh-TW" sz="2400">
                 <a:solidFill>
                   <a:srgbClr val="FFC000"/>
                 </a:solidFill>
@@ -4107,18 +4209,30 @@
               <a:t>resources</a:t>
             </a:r>
             <a:r>
-              <a:rPr lang="en-US" altLang="zh-TW"/>
+              <a:rPr lang="en-US" altLang="zh-TW" sz="2400"/>
               <a:t> </a:t>
             </a:r>
             <a:r>
-              <a:rPr lang="zh-TW" altLang="en-US"/>
-              <a:t>資料夾為資源資料夾</a:t>
-            </a:r>
-            <a:endParaRPr lang="en-US" altLang="zh-TW"/>
-          </a:p>
-          <a:p>
-            <a:r>
-              <a:rPr lang="zh-TW" altLang="en-US">
+              <a:rPr lang="zh-TW" altLang="en-US" sz="2400"/>
+              <a:t>資料夾為</a:t>
+            </a:r>
+            <a:r>
+              <a:rPr lang="zh-TW" altLang="en-US" sz="2400">
+                <a:solidFill>
+                  <a:srgbClr val="00B0F0"/>
+                </a:solidFill>
+              </a:rPr>
+              <a:t>資源</a:t>
+            </a:r>
+            <a:r>
+              <a:rPr lang="zh-TW" altLang="en-US" sz="2400"/>
+              <a:t>資料夾</a:t>
+            </a:r>
+            <a:endParaRPr lang="en-US" altLang="zh-TW" sz="2400"/>
+          </a:p>
+          <a:p>
+            <a:r>
+              <a:rPr lang="zh-TW" altLang="en-US" sz="2400">
                 <a:solidFill>
                   <a:srgbClr val="33CC33"/>
                 </a:solidFill>
@@ -4126,14 +4240,14 @@
               <a:t>深綠色</a:t>
             </a:r>
             <a:r>
-              <a:rPr lang="zh-TW" altLang="en-US"/>
+              <a:rPr lang="zh-TW" altLang="en-US" sz="2400"/>
               <a:t>資料夾和檔案之後會提到</a:t>
             </a:r>
-            <a:endParaRPr lang="en-US" altLang="zh-TW"/>
-          </a:p>
-          <a:p>
-            <a:r>
-              <a:rPr lang="zh-TW" altLang="en-US">
+            <a:endParaRPr lang="en-US" altLang="zh-TW" sz="2400"/>
+          </a:p>
+          <a:p>
+            <a:r>
+              <a:rPr lang="zh-TW" altLang="en-US" sz="2400">
                 <a:solidFill>
                   <a:srgbClr val="FF5001"/>
                 </a:solidFill>
@@ -4141,10 +4255,10 @@
               <a:t>紅色</a:t>
             </a:r>
             <a:r>
-              <a:rPr lang="zh-TW" altLang="en-US"/>
+              <a:rPr lang="zh-TW" altLang="en-US" sz="2400"/>
               <a:t>資料夾和檔案基本上可以不用理會</a:t>
             </a:r>
-            <a:endParaRPr lang="en-US" altLang="zh-TW"/>
+            <a:endParaRPr lang="en-US" altLang="zh-TW" sz="2400"/>
           </a:p>
         </p:txBody>
       </p:sp>
@@ -4162,7 +4276,7 @@
         </p:nvSpPr>
         <p:spPr>
           <a:xfrm>
-            <a:off x="8324850" y="879614"/>
+            <a:off x="8324850" y="834349"/>
             <a:ext cx="3200400" cy="5632311"/>
           </a:xfrm>
           <a:prstGeom prst="rect">
@@ -7954,7 +8068,12 @@
             <p:ph type="title"/>
           </p:nvPr>
         </p:nvSpPr>
-        <p:spPr/>
+        <p:spPr>
+          <a:xfrm>
+            <a:off x="838200" y="0"/>
+            <a:ext cx="10515600" cy="1325563"/>
+          </a:xfrm>
+        </p:spPr>
         <p:txBody>
           <a:bodyPr/>
           <a:lstStyle/>
@@ -7982,7 +8101,12 @@
             <p:ph idx="1"/>
           </p:nvPr>
         </p:nvSpPr>
-        <p:spPr/>
+        <p:spPr>
+          <a:xfrm>
+            <a:off x="838200" y="1004257"/>
+            <a:ext cx="10515600" cy="5686252"/>
+          </a:xfrm>
+        </p:spPr>
         <p:txBody>
           <a:bodyPr>
             <a:normAutofit/>
@@ -8132,6 +8256,87 @@
               </a:rPr>
               <a:t>以上</a:t>
             </a:r>
+            <a:endParaRPr lang="en-US" altLang="zh-TW">
+              <a:solidFill>
+                <a:srgbClr val="FFFF00"/>
+              </a:solidFill>
+            </a:endParaRPr>
+          </a:p>
+          <a:p>
+            <a:r>
+              <a:rPr lang="zh-TW" altLang="en-US">
+                <a:solidFill>
+                  <a:srgbClr val="FFC000"/>
+                </a:solidFill>
+              </a:rPr>
+              <a:t>範例模組 </a:t>
+            </a:r>
+            <a:r>
+              <a:rPr lang="en-US" altLang="zh-TW">
+                <a:solidFill>
+                  <a:srgbClr val="FFC000"/>
+                </a:solidFill>
+              </a:rPr>
+              <a:t>Github</a:t>
+            </a:r>
+            <a:r>
+              <a:rPr lang="zh-TW" altLang="en-US">
+                <a:solidFill>
+                  <a:srgbClr val="FFC000"/>
+                </a:solidFill>
+              </a:rPr>
+              <a:t>：</a:t>
+            </a:r>
+            <a:r>
+              <a:rPr lang="en-US" altLang="zh-TW">
+                <a:solidFill>
+                  <a:srgbClr val="FFFF00"/>
+                </a:solidFill>
+                <a:hlinkClick r:id="rId2">
+                  <a:extLst>
+                    <a:ext uri="{A12FA001-AC4F-418D-AE19-62706E023703}">
+                      <ahyp:hlinkClr xmlns:ahyp="http://schemas.microsoft.com/office/drawing/2018/hyperlinkcolor" val="tx"/>
+                    </a:ext>
+                  </a:extLst>
+                </a:hlinkClick>
+              </a:rPr>
+              <a:t>https://github.com/TYSHIC/tyicmod</a:t>
+            </a:r>
+            <a:endParaRPr lang="en-US" altLang="zh-TW">
+              <a:solidFill>
+                <a:srgbClr val="FFFF00"/>
+              </a:solidFill>
+            </a:endParaRPr>
+          </a:p>
+          <a:p>
+            <a:r>
+              <a:rPr lang="zh-TW" altLang="en-US">
+                <a:solidFill>
+                  <a:srgbClr val="FFFF00"/>
+                </a:solidFill>
+              </a:rPr>
+              <a:t>每個階段結束會開一個新的分支</a:t>
+            </a:r>
+            <a:endParaRPr lang="en-US" altLang="zh-TW">
+              <a:solidFill>
+                <a:srgbClr val="FFFF00"/>
+              </a:solidFill>
+            </a:endParaRPr>
+          </a:p>
+          <a:p>
+            <a:r>
+              <a:rPr lang="zh-TW" altLang="en-US">
+                <a:solidFill>
+                  <a:srgbClr val="FFFF00"/>
+                </a:solidFill>
+              </a:rPr>
+              <a:t>可切換不同分支查看不同階段結束後的專案</a:t>
+            </a:r>
+            <a:endParaRPr lang="en-US" altLang="zh-TW">
+              <a:solidFill>
+                <a:srgbClr val="FFFF00"/>
+              </a:solidFill>
+            </a:endParaRPr>
           </a:p>
         </p:txBody>
       </p:sp>
@@ -13095,10 +13300,38 @@
             <a:r>
               <a:rPr lang="en-US" altLang="zh-TW">
                 <a:solidFill>
+                  <a:srgbClr val="FFFF00"/>
+                </a:solidFill>
+              </a:rPr>
+              <a:t>main</a:t>
+            </a:r>
+            <a:r>
+              <a:rPr lang="en-US" altLang="zh-TW">
+                <a:solidFill>
                   <a:srgbClr val="92D050"/>
                 </a:solidFill>
               </a:rPr>
-              <a:t>./src/main/resources/fabric.mod.json</a:t>
+              <a:t> </a:t>
+            </a:r>
+            <a:r>
+              <a:rPr lang="zh-TW" altLang="en-US">
+                <a:solidFill>
+                  <a:srgbClr val="00B0F0"/>
+                </a:solidFill>
+              </a:rPr>
+              <a:t>模組資源</a:t>
+            </a:r>
+            <a:r>
+              <a:rPr lang="zh-TW" altLang="en-US"/>
+              <a:t> </a:t>
+            </a:r>
+            <a:r>
+              <a:rPr lang="en-US" altLang="zh-TW">
+                <a:solidFill>
+                  <a:srgbClr val="92D050"/>
+                </a:solidFill>
+              </a:rPr>
+              <a:t>fabric.mod.json</a:t>
             </a:r>
           </a:p>
           <a:p>
@@ -16097,10 +16330,38 @@
             <a:r>
               <a:rPr lang="en-US" altLang="zh-TW">
                 <a:solidFill>
+                  <a:srgbClr val="FFFF00"/>
+                </a:solidFill>
+              </a:rPr>
+              <a:t>main</a:t>
+            </a:r>
+            <a:r>
+              <a:rPr lang="en-US" altLang="zh-TW">
+                <a:solidFill>
                   <a:srgbClr val="92D050"/>
                 </a:solidFill>
               </a:rPr>
-              <a:t>./src/main/resources/assets/{modname}/icon.png</a:t>
+              <a:t> </a:t>
+            </a:r>
+            <a:r>
+              <a:rPr lang="zh-TW" altLang="en-US">
+                <a:solidFill>
+                  <a:srgbClr val="00B0F0"/>
+                </a:solidFill>
+              </a:rPr>
+              <a:t>模組資源</a:t>
+            </a:r>
+            <a:r>
+              <a:rPr lang="zh-TW" altLang="en-US"/>
+              <a:t> </a:t>
+            </a:r>
+            <a:r>
+              <a:rPr lang="en-US" altLang="zh-TW">
+                <a:solidFill>
+                  <a:srgbClr val="92D050"/>
+                </a:solidFill>
+              </a:rPr>
+              <a:t>assets/modid/icon.png</a:t>
             </a:r>
           </a:p>
           <a:p>
@@ -16450,8 +16711,8 @@
         </p:nvSpPr>
         <p:spPr>
           <a:xfrm>
-            <a:off x="640977" y="1310345"/>
-            <a:ext cx="7380472" cy="4579470"/>
+            <a:off x="640977" y="1550798"/>
+            <a:ext cx="7380472" cy="4098564"/>
           </a:xfrm>
         </p:spPr>
         <p:txBody>
@@ -16563,14 +16824,19 @@
             </a:r>
             <a:r>
               <a:rPr lang="zh-TW" altLang="en-US"/>
-              <a:t>表通用程式碼</a:t>
-            </a:r>
-            <a:endParaRPr lang="en-US" altLang="zh-TW"/>
-          </a:p>
-          <a:p>
-            <a:r>
-              <a:rPr lang="zh-TW" altLang="en-US"/>
-              <a:t>大部分程式碼和遊戲資料在此</a:t>
+              <a:t>表通用，通用程式碼和</a:t>
+            </a:r>
+            <a:r>
+              <a:rPr lang="zh-TW" altLang="en-US">
+                <a:solidFill>
+                  <a:srgbClr val="00B0F0"/>
+                </a:solidFill>
+              </a:rPr>
+              <a:t>資料</a:t>
+            </a:r>
+            <a:r>
+              <a:rPr lang="zh-TW" altLang="en-US"/>
+              <a:t>在此</a:t>
             </a:r>
             <a:endParaRPr lang="en-US" altLang="zh-TW"/>
           </a:p>
@@ -16596,9 +16862,21 @@
           <a:p>
             <a:r>
               <a:rPr lang="zh-TW" altLang="en-US"/>
-              <a:t>主要為渲染相關及材質</a:t>
-            </a:r>
-            <a:endParaRPr lang="en-US" altLang="zh-TW"/>
+              <a:t>主要為客戶端專屬程式碼及</a:t>
+            </a:r>
+            <a:r>
+              <a:rPr lang="zh-TW" altLang="en-US">
+                <a:solidFill>
+                  <a:srgbClr val="00B0F0"/>
+                </a:solidFill>
+              </a:rPr>
+              <a:t>資源</a:t>
+            </a:r>
+            <a:endParaRPr lang="en-US" altLang="zh-TW">
+              <a:solidFill>
+                <a:srgbClr val="00B0F0"/>
+              </a:solidFill>
+            </a:endParaRPr>
           </a:p>
         </p:txBody>
       </p:sp>

--- a/ppt/50_Java 專案：前置作業.pptx
+++ b/ppt/50_Java 專案：前置作業.pptx
@@ -5,7 +5,7 @@
     <p:sldMasterId id="2147483665" r:id="rId1"/>
   </p:sldMasterIdLst>
   <p:notesMasterIdLst>
-    <p:notesMasterId r:id="rId34"/>
+    <p:notesMasterId r:id="rId35"/>
   </p:notesMasterIdLst>
   <p:sldIdLst>
     <p:sldId id="256" r:id="rId2"/>
@@ -40,6 +40,7 @@
     <p:sldId id="310" r:id="rId31"/>
     <p:sldId id="311" r:id="rId32"/>
     <p:sldId id="312" r:id="rId33"/>
+    <p:sldId id="287" r:id="rId34"/>
   </p:sldIdLst>
   <p:sldSz cx="12192000" cy="6858000"/>
   <p:notesSz cx="6858000" cy="9144000"/>
@@ -240,7 +241,7 @@
           <a:p>
             <a:fld id="{C27144CB-533C-4CD2-9ED3-63FEE8E9FA13}" type="datetimeFigureOut">
               <a:rPr lang="zh-TW" altLang="en-US" smtClean="0"/>
-              <a:t>2025/2/15</a:t>
+              <a:t>2025/2/16</a:t>
             </a:fld>
             <a:endParaRPr lang="zh-TW" altLang="en-US"/>
           </a:p>
@@ -2302,7 +2303,7 @@
             </a:r>
             <a:r>
               <a:rPr lang="zh-TW" altLang="en-US"/>
-              <a:t>專案前置作業</a:t>
+              <a:t>專案：前置作業</a:t>
             </a:r>
           </a:p>
         </p:txBody>
@@ -8426,7 +8427,7 @@
         <p:spPr>
           <a:xfrm>
             <a:off x="652462" y="962971"/>
-            <a:ext cx="6886575" cy="3048626"/>
+            <a:ext cx="6886575" cy="3552796"/>
           </a:xfrm>
         </p:spPr>
         <p:txBody>
@@ -8546,6 +8547,36 @@
               <a:t>可進行發佈或分享供他人遊玩</a:t>
             </a:r>
             <a:endParaRPr lang="en-US" altLang="zh-TW"/>
+          </a:p>
+          <a:p>
+            <a:r>
+              <a:rPr lang="zh-TW" altLang="en-US"/>
+              <a:t>但注意需安裝前置模組 </a:t>
+            </a:r>
+            <a:r>
+              <a:rPr lang="en-US" altLang="zh-TW">
+                <a:solidFill>
+                  <a:srgbClr val="00B0F0"/>
+                </a:solidFill>
+              </a:rPr>
+              <a:t>Fabric</a:t>
+            </a:r>
+            <a:r>
+              <a:rPr lang="zh-TW" altLang="en-US">
+                <a:solidFill>
+                  <a:srgbClr val="00B0F0"/>
+                </a:solidFill>
+              </a:rPr>
+              <a:t> </a:t>
+            </a:r>
+            <a:r>
+              <a:rPr lang="en-US" altLang="zh-TW">
+                <a:solidFill>
+                  <a:srgbClr val="00B0F0"/>
+                </a:solidFill>
+              </a:rPr>
+              <a:t>API</a:t>
+            </a:r>
           </a:p>
         </p:txBody>
       </p:sp>
@@ -8563,10 +8594,10 @@
         </p:nvGrpSpPr>
         <p:grpSpPr>
           <a:xfrm>
-            <a:off x="1905568" y="4011597"/>
-            <a:ext cx="4190432" cy="2639876"/>
+            <a:off x="1905568" y="4515767"/>
+            <a:ext cx="4190432" cy="2135706"/>
             <a:chOff x="2047875" y="4011597"/>
-            <a:chExt cx="4190432" cy="2639876"/>
+            <a:chExt cx="4190432" cy="2135706"/>
           </a:xfrm>
         </p:grpSpPr>
         <p:pic>
@@ -8583,16 +8614,15 @@
             </p:cNvPicPr>
             <p:nvPr/>
           </p:nvPicPr>
-          <p:blipFill>
+          <p:blipFill rotWithShape="1">
             <a:blip r:embed="rId2"/>
-            <a:stretch>
-              <a:fillRect/>
-            </a:stretch>
+            <a:srcRect b="19098"/>
+            <a:stretch/>
           </p:blipFill>
           <p:spPr>
             <a:xfrm>
               <a:off x="2047875" y="4011597"/>
-              <a:ext cx="4190432" cy="2639876"/>
+              <a:ext cx="4190432" cy="2135706"/>
             </a:xfrm>
             <a:prstGeom prst="rect">
               <a:avLst/>
@@ -21896,6 +21926,127 @@
     <p:extLst>
       <p:ext uri="{BB962C8B-B14F-4D97-AF65-F5344CB8AC3E}">
         <p14:creationId xmlns:p14="http://schemas.microsoft.com/office/powerpoint/2010/main" val="941092794"/>
+      </p:ext>
+    </p:extLst>
+  </p:cSld>
+  <p:clrMapOvr>
+    <a:masterClrMapping/>
+  </p:clrMapOvr>
+  <p:transition spd="slow">
+    <p:push dir="u"/>
+  </p:transition>
+</p:sld>
+</file>
+
+<file path=ppt/slides/slide33.xml><?xml version="1.0" encoding="utf-8"?>
+<p:sld xmlns:a="http://schemas.openxmlformats.org/drawingml/2006/main" xmlns:r="http://schemas.openxmlformats.org/officeDocument/2006/relationships" xmlns:p="http://schemas.openxmlformats.org/presentationml/2006/main">
+  <p:cSld>
+    <p:spTree>
+      <p:nvGrpSpPr>
+        <p:cNvPr id="1" name=""/>
+        <p:cNvGrpSpPr/>
+        <p:nvPr/>
+      </p:nvGrpSpPr>
+      <p:grpSpPr>
+        <a:xfrm>
+          <a:off x="0" y="0"/>
+          <a:ext cx="0" cy="0"/>
+          <a:chOff x="0" y="0"/>
+          <a:chExt cx="0" cy="0"/>
+        </a:xfrm>
+      </p:grpSpPr>
+      <p:sp>
+        <p:nvSpPr>
+          <p:cNvPr id="2" name="標題 1">
+            <a:extLst>
+              <a:ext uri="{FF2B5EF4-FFF2-40B4-BE49-F238E27FC236}">
+                <a16:creationId xmlns:a16="http://schemas.microsoft.com/office/drawing/2014/main" id="{CCC45DFB-6DC1-46DF-93CE-A04ADD772F9B}"/>
+              </a:ext>
+            </a:extLst>
+          </p:cNvPr>
+          <p:cNvSpPr>
+            <a:spLocks noGrp="1"/>
+          </p:cNvSpPr>
+          <p:nvPr>
+            <p:ph type="title"/>
+          </p:nvPr>
+        </p:nvSpPr>
+        <p:spPr/>
+        <p:txBody>
+          <a:bodyPr/>
+          <a:lstStyle/>
+          <a:p>
+            <a:r>
+              <a:rPr lang="zh-TW" altLang="en-US"/>
+              <a:t>成品</a:t>
+            </a:r>
+          </a:p>
+        </p:txBody>
+      </p:sp>
+      <p:sp>
+        <p:nvSpPr>
+          <p:cNvPr id="3" name="內容版面配置區 2">
+            <a:extLst>
+              <a:ext uri="{FF2B5EF4-FFF2-40B4-BE49-F238E27FC236}">
+                <a16:creationId xmlns:a16="http://schemas.microsoft.com/office/drawing/2014/main" id="{891DFF6A-2D21-4735-AB34-96D4A2080A69}"/>
+              </a:ext>
+            </a:extLst>
+          </p:cNvPr>
+          <p:cNvSpPr>
+            <a:spLocks noGrp="1"/>
+          </p:cNvSpPr>
+          <p:nvPr>
+            <p:ph idx="1"/>
+          </p:nvPr>
+        </p:nvSpPr>
+        <p:spPr>
+          <a:xfrm>
+            <a:off x="838200" y="2856706"/>
+            <a:ext cx="10515600" cy="1144588"/>
+          </a:xfrm>
+        </p:spPr>
+        <p:txBody>
+          <a:bodyPr/>
+          <a:lstStyle/>
+          <a:p>
+            <a:r>
+              <a:rPr lang="en-US" altLang="zh-TW"/>
+              <a:t>Github </a:t>
+            </a:r>
+            <a:r>
+              <a:rPr lang="zh-TW" altLang="en-US"/>
+              <a:t>連結：</a:t>
+            </a:r>
+            <a:endParaRPr lang="en-US" altLang="zh-TW"/>
+          </a:p>
+          <a:p>
+            <a:r>
+              <a:rPr lang="en-US" altLang="zh-TW">
+                <a:solidFill>
+                  <a:srgbClr val="FFC000"/>
+                </a:solidFill>
+                <a:hlinkClick r:id="rId2">
+                  <a:extLst>
+                    <a:ext uri="{A12FA001-AC4F-418D-AE19-62706E023703}">
+                      <ahyp:hlinkClr xmlns:ahyp="http://schemas.microsoft.com/office/drawing/2018/hyperlinkcolor" val="tx"/>
+                    </a:ext>
+                  </a:extLst>
+                </a:hlinkClick>
+              </a:rPr>
+              <a:t>https://github.com/TYSHIC/tyicmod/tree/00_init</a:t>
+            </a:r>
+            <a:endParaRPr lang="zh-TW" altLang="en-US">
+              <a:solidFill>
+                <a:srgbClr val="FFC000"/>
+              </a:solidFill>
+            </a:endParaRPr>
+          </a:p>
+        </p:txBody>
+      </p:sp>
+    </p:spTree>
+    <p:extLst>
+      <p:ext uri="{BB962C8B-B14F-4D97-AF65-F5344CB8AC3E}">
+        <p14:creationId xmlns:p14="http://schemas.microsoft.com/office/powerpoint/2010/main" val="475772031"/>
       </p:ext>
     </p:extLst>
   </p:cSld>

--- a/ppt/50_Java 專案：前置作業.pptx
+++ b/ppt/50_Java 專案：前置作業.pptx
@@ -5556,7 +5556,7 @@
         </p:nvSpPr>
         <p:spPr>
           <a:xfrm>
-            <a:off x="212366" y="1210236"/>
+            <a:off x="348162" y="1210236"/>
             <a:ext cx="7512409" cy="5145134"/>
           </a:xfrm>
         </p:spPr>
@@ -5972,8 +5972,8 @@
         </p:nvSpPr>
         <p:spPr>
           <a:xfrm>
-            <a:off x="7743826" y="474345"/>
-            <a:ext cx="4235808" cy="5909310"/>
+            <a:off x="7876514" y="690706"/>
+            <a:ext cx="4020694" cy="5693866"/>
           </a:xfrm>
           <a:prstGeom prst="rect">
             <a:avLst/>
@@ -6024,7 +6024,18 @@
           <a:p>
             <a:r>
               <a:rPr lang="zh-TW" altLang="en-US" sz="1400"/>
-              <a:t>│   │           │   </a:t>
+              <a:t>│   │           └───</a:t>
+            </a:r>
+            <a:r>
+              <a:rPr lang="en-US" altLang="zh-TW" sz="1400"/>
+              <a:t>tyicmod</a:t>
+            </a:r>
+            <a:endParaRPr lang="zh-TW" altLang="en-US" sz="1400"/>
+          </a:p>
+          <a:p>
+            <a:r>
+              <a:rPr lang="zh-TW" altLang="en-US" sz="1400"/>
+              <a:t>│   │               └───</a:t>
             </a:r>
             <a:r>
               <a:rPr lang="en-US" altLang="zh-TW" sz="1400"/>
@@ -6035,85 +6046,73 @@
           <a:p>
             <a:r>
               <a:rPr lang="zh-TW" altLang="en-US" sz="1400"/>
-              <a:t>│   │           └───</a:t>
+              <a:t>│   │</a:t>
+            </a:r>
+          </a:p>
+          <a:p>
+            <a:r>
+              <a:rPr lang="zh-TW" altLang="en-US" sz="1400"/>
+              <a:t>│   └───resources</a:t>
+            </a:r>
+          </a:p>
+          <a:p>
+            <a:r>
+              <a:rPr lang="zh-TW" altLang="en-US" sz="1400"/>
+              <a:t>│           tyicmod.client.mixins.json</a:t>
+            </a:r>
+          </a:p>
+          <a:p>
+            <a:r>
+              <a:rPr lang="zh-TW" altLang="en-US" sz="1400"/>
+              <a:t>│</a:t>
+            </a:r>
+          </a:p>
+          <a:p>
+            <a:r>
+              <a:rPr lang="zh-TW" altLang="en-US" sz="1400"/>
+              <a:t>└───main</a:t>
+            </a:r>
+          </a:p>
+          <a:p>
+            <a:r>
+              <a:rPr lang="zh-TW" altLang="en-US" sz="1400"/>
+              <a:t>    ├───java</a:t>
+            </a:r>
+          </a:p>
+          <a:p>
+            <a:r>
+              <a:rPr lang="zh-TW" altLang="en-US" sz="1400"/>
+              <a:t>    │   └───org</a:t>
+            </a:r>
+          </a:p>
+          <a:p>
+            <a:r>
+              <a:rPr lang="zh-TW" altLang="en-US" sz="1400"/>
+              <a:t>    │       └───tyic</a:t>
+            </a:r>
+            <a:endParaRPr lang="en-US" altLang="zh-TW" sz="1400"/>
+          </a:p>
+          <a:p>
+            <a:r>
+              <a:rPr lang="zh-TW" altLang="en-US" sz="1400"/>
+              <a:t>    │           └───</a:t>
+            </a:r>
+            <a:r>
+              <a:rPr lang="en-US" altLang="zh-TW" sz="1400"/>
+              <a:t>tyicmod</a:t>
+            </a:r>
+            <a:endParaRPr lang="zh-TW" altLang="en-US" sz="1400"/>
+          </a:p>
+          <a:p>
+            <a:r>
+              <a:rPr lang="zh-TW" altLang="en-US" sz="1400"/>
+              <a:t>    │               └───</a:t>
             </a:r>
             <a:r>
               <a:rPr lang="en-US" altLang="zh-TW" sz="1400"/>
               <a:t>(...)</a:t>
             </a:r>
             <a:endParaRPr lang="zh-TW" altLang="en-US" sz="1400"/>
-          </a:p>
-          <a:p>
-            <a:r>
-              <a:rPr lang="zh-TW" altLang="en-US" sz="1400"/>
-              <a:t>│   │</a:t>
-            </a:r>
-          </a:p>
-          <a:p>
-            <a:r>
-              <a:rPr lang="zh-TW" altLang="en-US" sz="1400"/>
-              <a:t>│   └───resources</a:t>
-            </a:r>
-          </a:p>
-          <a:p>
-            <a:r>
-              <a:rPr lang="zh-TW" altLang="en-US" sz="1400"/>
-              <a:t>│           tyicmod.client.mixins.json</a:t>
-            </a:r>
-          </a:p>
-          <a:p>
-            <a:r>
-              <a:rPr lang="zh-TW" altLang="en-US" sz="1400"/>
-              <a:t>│</a:t>
-            </a:r>
-          </a:p>
-          <a:p>
-            <a:r>
-              <a:rPr lang="zh-TW" altLang="en-US" sz="1400"/>
-              <a:t>└───main</a:t>
-            </a:r>
-          </a:p>
-          <a:p>
-            <a:r>
-              <a:rPr lang="zh-TW" altLang="en-US" sz="1400"/>
-              <a:t>    ├───java</a:t>
-            </a:r>
-          </a:p>
-          <a:p>
-            <a:r>
-              <a:rPr lang="zh-TW" altLang="en-US" sz="1400"/>
-              <a:t>    │   └───org</a:t>
-            </a:r>
-          </a:p>
-          <a:p>
-            <a:r>
-              <a:rPr lang="zh-TW" altLang="en-US" sz="1400"/>
-              <a:t>    │       └───tyic</a:t>
-            </a:r>
-          </a:p>
-          <a:p>
-            <a:r>
-              <a:rPr lang="zh-TW" altLang="en-US" sz="1400"/>
-              <a:t>    │           │   TyicMod.java</a:t>
-            </a:r>
-          </a:p>
-          <a:p>
-            <a:r>
-              <a:rPr lang="zh-TW" altLang="en-US" sz="1400"/>
-              <a:t>    │           │</a:t>
-            </a:r>
-          </a:p>
-          <a:p>
-            <a:r>
-              <a:rPr lang="zh-TW" altLang="en-US" sz="1400"/>
-              <a:t>    │           └───mixin</a:t>
-            </a:r>
-          </a:p>
-          <a:p>
-            <a:r>
-              <a:rPr lang="zh-TW" altLang="en-US" sz="1400"/>
-              <a:t>    │                   ExampleMixin.java</a:t>
-            </a:r>
           </a:p>
           <a:p>
             <a:r>
@@ -7717,6 +7716,20 @@
                   <a:cs typeface="JetBrains Mono" panose="02000009000000000000" pitchFamily="49" charset="0"/>
                 </a:rPr>
                 <a:t>org.tyic</a:t>
+              </a:r>
+              <a:r>
+                <a:rPr kumimoji="0" lang="en-US" altLang="zh-TW" sz="1400" b="0" i="0" u="none" strike="noStrike" cap="none" normalizeH="0" baseline="0">
+                  <a:ln>
+                    <a:noFill/>
+                  </a:ln>
+                  <a:solidFill>
+                    <a:srgbClr val="6AAB73"/>
+                  </a:solidFill>
+                  <a:effectLst/>
+                  <a:latin typeface="+mj-lt"/>
+                  <a:cs typeface="JetBrains Mono" panose="02000009000000000000" pitchFamily="49" charset="0"/>
+                </a:rPr>
+                <a:t>.tyicmod</a:t>
               </a:r>
               <a:br>
                 <a:rPr kumimoji="0" lang="zh-TW" altLang="zh-TW" sz="1400" b="0" i="0" u="none" strike="noStrike" cap="none" normalizeH="0" baseline="0">
@@ -13317,8 +13330,8 @@
         </p:nvSpPr>
         <p:spPr>
           <a:xfrm>
-            <a:off x="838200" y="1837017"/>
-            <a:ext cx="7579861" cy="4196230"/>
+            <a:off x="838201" y="1837017"/>
+            <a:ext cx="7255598" cy="4196230"/>
           </a:xfrm>
         </p:spPr>
         <p:txBody>
@@ -13552,7 +13565,7 @@
         </p:nvGrpSpPr>
         <p:grpSpPr>
           <a:xfrm>
-            <a:off x="8418061" y="365125"/>
+            <a:off x="8093799" y="365125"/>
             <a:ext cx="3326552" cy="6186309"/>
             <a:chOff x="8418061" y="365125"/>
             <a:chExt cx="3326552" cy="6186309"/>
@@ -14902,7 +14915,35 @@
                   <a:latin typeface="+mj-lt"/>
                   <a:cs typeface="JetBrains Mono" panose="02000009000000000000" pitchFamily="49" charset="0"/>
                 </a:rPr>
-                <a:t>"org.tyic.TyicMod"</a:t>
+                <a:t>"org.tyic</a:t>
+              </a:r>
+              <a:r>
+                <a:rPr kumimoji="0" lang="en-US" altLang="zh-TW" sz="900" b="0" i="0" u="none" strike="noStrike" cap="none" normalizeH="0" baseline="0">
+                  <a:ln>
+                    <a:noFill/>
+                  </a:ln>
+                  <a:solidFill>
+                    <a:srgbClr val="6AAB73"/>
+                  </a:solidFill>
+                  <a:effectLst/>
+                  <a:latin typeface="+mj-lt"/>
+                  <a:cs typeface="JetBrains Mono" panose="02000009000000000000" pitchFamily="49" charset="0"/>
+                </a:rPr>
+                <a:t>.tyicmod</a:t>
+              </a:r>
+              <a:r>
+                <a:rPr kumimoji="0" lang="zh-TW" altLang="zh-TW" sz="900" b="0" i="0" u="none" strike="noStrike" cap="none" normalizeH="0" baseline="0">
+                  <a:ln>
+                    <a:noFill/>
+                  </a:ln>
+                  <a:solidFill>
+                    <a:srgbClr val="6AAB73"/>
+                  </a:solidFill>
+                  <a:effectLst/>
+                  <a:latin typeface="+mj-lt"/>
+                  <a:cs typeface="JetBrains Mono" panose="02000009000000000000" pitchFamily="49" charset="0"/>
+                </a:rPr>
+                <a:t>.TyicMod"</a:t>
               </a:r>
               <a:br>
                 <a:rPr kumimoji="0" lang="zh-TW" altLang="zh-TW" sz="900" b="0" i="0" u="none" strike="noStrike" cap="none" normalizeH="0" baseline="0">
@@ -15039,7 +15080,35 @@
                   <a:latin typeface="+mj-lt"/>
                   <a:cs typeface="JetBrains Mono" panose="02000009000000000000" pitchFamily="49" charset="0"/>
                 </a:rPr>
-                <a:t>"org.tyic.TyicModClient"</a:t>
+                <a:t>"org.tyic</a:t>
+              </a:r>
+              <a:r>
+                <a:rPr kumimoji="0" lang="en-US" altLang="zh-TW" sz="900" b="0" i="0" u="none" strike="noStrike" cap="none" normalizeH="0" baseline="0">
+                  <a:ln>
+                    <a:noFill/>
+                  </a:ln>
+                  <a:solidFill>
+                    <a:srgbClr val="6AAB73"/>
+                  </a:solidFill>
+                  <a:effectLst/>
+                  <a:latin typeface="+mj-lt"/>
+                  <a:cs typeface="JetBrains Mono" panose="02000009000000000000" pitchFamily="49" charset="0"/>
+                </a:rPr>
+                <a:t>.tyicmod</a:t>
+              </a:r>
+              <a:r>
+                <a:rPr kumimoji="0" lang="zh-TW" altLang="zh-TW" sz="900" b="0" i="0" u="none" strike="noStrike" cap="none" normalizeH="0" baseline="0">
+                  <a:ln>
+                    <a:noFill/>
+                  </a:ln>
+                  <a:solidFill>
+                    <a:srgbClr val="6AAB73"/>
+                  </a:solidFill>
+                  <a:effectLst/>
+                  <a:latin typeface="+mj-lt"/>
+                  <a:cs typeface="JetBrains Mono" panose="02000009000000000000" pitchFamily="49" charset="0"/>
+                </a:rPr>
+                <a:t>.TyicModClient"</a:t>
               </a:r>
               <a:br>
                 <a:rPr kumimoji="0" lang="zh-TW" altLang="zh-TW" sz="900" b="0" i="0" u="none" strike="noStrike" cap="none" normalizeH="0" baseline="0">
@@ -15176,7 +15245,35 @@
                   <a:latin typeface="+mj-lt"/>
                   <a:cs typeface="JetBrains Mono" panose="02000009000000000000" pitchFamily="49" charset="0"/>
                 </a:rPr>
-                <a:t>"org.tyic.TyicModDataGenerator"</a:t>
+                <a:t>"org.tyic</a:t>
+              </a:r>
+              <a:r>
+                <a:rPr kumimoji="0" lang="en-US" altLang="zh-TW" sz="900" b="0" i="0" u="none" strike="noStrike" cap="none" normalizeH="0" baseline="0">
+                  <a:ln>
+                    <a:noFill/>
+                  </a:ln>
+                  <a:solidFill>
+                    <a:srgbClr val="6AAB73"/>
+                  </a:solidFill>
+                  <a:effectLst/>
+                  <a:latin typeface="+mj-lt"/>
+                  <a:cs typeface="JetBrains Mono" panose="02000009000000000000" pitchFamily="49" charset="0"/>
+                </a:rPr>
+                <a:t>.tyicmod</a:t>
+              </a:r>
+              <a:r>
+                <a:rPr kumimoji="0" lang="zh-TW" altLang="zh-TW" sz="900" b="0" i="0" u="none" strike="noStrike" cap="none" normalizeH="0" baseline="0">
+                  <a:ln>
+                    <a:noFill/>
+                  </a:ln>
+                  <a:solidFill>
+                    <a:srgbClr val="6AAB73"/>
+                  </a:solidFill>
+                  <a:effectLst/>
+                  <a:latin typeface="+mj-lt"/>
+                  <a:cs typeface="JetBrains Mono" panose="02000009000000000000" pitchFamily="49" charset="0"/>
+                </a:rPr>
+                <a:t>.TyicModDataGenerator"</a:t>
               </a:r>
               <a:br>
                 <a:rPr kumimoji="0" lang="zh-TW" altLang="zh-TW" sz="900" b="0" i="0" u="none" strike="noStrike" cap="none" normalizeH="0" baseline="0">
@@ -18350,8 +18447,8 @@
         </p:nvSpPr>
         <p:spPr>
           <a:xfrm>
-            <a:off x="838200" y="1469651"/>
-            <a:ext cx="4521896" cy="5023224"/>
+            <a:off x="447452" y="1679417"/>
+            <a:ext cx="4521896" cy="4684490"/>
           </a:xfrm>
         </p:spPr>
         <p:txBody>
@@ -18565,10 +18662,10 @@
       </p:sp>
       <p:grpSp>
         <p:nvGrpSpPr>
-          <p:cNvPr id="23" name="群組 22">
+          <p:cNvPr id="5" name="群組 4">
             <a:extLst>
               <a:ext uri="{FF2B5EF4-FFF2-40B4-BE49-F238E27FC236}">
-                <a16:creationId xmlns:a16="http://schemas.microsoft.com/office/drawing/2014/main" id="{4E9B60A4-0CFB-4808-AA82-A8A8F9B195AF}"/>
+                <a16:creationId xmlns:a16="http://schemas.microsoft.com/office/drawing/2014/main" id="{52D6AE2E-2166-4957-ACEF-47BE36B93B04}"/>
               </a:ext>
             </a:extLst>
           </p:cNvPr>
@@ -18577,18 +18674,18 @@
         </p:nvGrpSpPr>
         <p:grpSpPr>
           <a:xfrm>
-            <a:off x="5360096" y="1469651"/>
-            <a:ext cx="6495609" cy="5056842"/>
-            <a:chOff x="5360096" y="1326776"/>
-            <a:chExt cx="6495609" cy="5056842"/>
+            <a:off x="5087037" y="1481297"/>
+            <a:ext cx="6731443" cy="5087441"/>
+            <a:chOff x="5341990" y="1436032"/>
+            <a:chExt cx="6731443" cy="5087441"/>
           </a:xfrm>
         </p:grpSpPr>
         <p:pic>
           <p:nvPicPr>
-            <p:cNvPr id="14" name="內容版面配置區 6">
+            <p:cNvPr id="4" name="圖片 3">
               <a:extLst>
                 <a:ext uri="{FF2B5EF4-FFF2-40B4-BE49-F238E27FC236}">
-                  <a16:creationId xmlns:a16="http://schemas.microsoft.com/office/drawing/2014/main" id="{80B67B1F-9DAE-48E0-81CD-1C693D885743}"/>
+                  <a16:creationId xmlns:a16="http://schemas.microsoft.com/office/drawing/2014/main" id="{CA28AD1B-21E5-4FEA-B9B3-B4A3F04B7228}"/>
                 </a:ext>
               </a:extLst>
             </p:cNvPr>
@@ -18598,307 +18695,322 @@
             <p:nvPr/>
           </p:nvPicPr>
           <p:blipFill>
-            <a:blip r:embed="rId3" cstate="screen">
-              <a:extLst>
-                <a:ext uri="{28A0092B-C50C-407E-A947-70E740481C1C}">
-                  <a14:useLocalDpi xmlns:a14="http://schemas.microsoft.com/office/drawing/2010/main"/>
-                </a:ext>
-              </a:extLst>
-            </a:blip>
+            <a:blip r:embed="rId3"/>
             <a:stretch>
               <a:fillRect/>
             </a:stretch>
           </p:blipFill>
           <p:spPr>
             <a:xfrm>
-              <a:off x="5360096" y="1326776"/>
-              <a:ext cx="6495609" cy="5056842"/>
+              <a:off x="5341990" y="1436032"/>
+              <a:ext cx="6731443" cy="5087441"/>
             </a:xfrm>
             <a:prstGeom prst="rect">
               <a:avLst/>
             </a:prstGeom>
           </p:spPr>
         </p:pic>
-        <p:sp>
-          <p:nvSpPr>
-            <p:cNvPr id="15" name="矩形: 圓角 14">
+        <p:grpSp>
+          <p:nvGrpSpPr>
+            <p:cNvPr id="23" name="群組 22">
               <a:extLst>
                 <a:ext uri="{FF2B5EF4-FFF2-40B4-BE49-F238E27FC236}">
-                  <a16:creationId xmlns:a16="http://schemas.microsoft.com/office/drawing/2014/main" id="{7B2998E2-FB4A-42DB-A97F-5F258DAFCDB9}"/>
+                  <a16:creationId xmlns:a16="http://schemas.microsoft.com/office/drawing/2014/main" id="{4E9B60A4-0CFB-4808-AA82-A8A8F9B195AF}"/>
                 </a:ext>
               </a:extLst>
             </p:cNvPr>
-            <p:cNvSpPr/>
+            <p:cNvGrpSpPr/>
             <p:nvPr/>
-          </p:nvSpPr>
-          <p:spPr>
+          </p:nvGrpSpPr>
+          <p:grpSpPr>
             <a:xfrm>
-              <a:off x="5434222" y="3604185"/>
-              <a:ext cx="1323555" cy="251012"/>
+              <a:off x="5434222" y="3653966"/>
+              <a:ext cx="2431551" cy="2869507"/>
+              <a:chOff x="5434222" y="3506925"/>
+              <a:chExt cx="2431551" cy="2869507"/>
             </a:xfrm>
-            <a:prstGeom prst="roundRect">
-              <a:avLst>
-                <a:gd name="adj" fmla="val 25205"/>
-              </a:avLst>
-            </a:prstGeom>
-            <a:noFill/>
-            <a:ln w="38100">
-              <a:solidFill>
-                <a:srgbClr val="FFFF00"/>
-              </a:solidFill>
-            </a:ln>
-          </p:spPr>
-          <p:style>
-            <a:lnRef idx="2">
-              <a:schemeClr val="accent1">
-                <a:shade val="50000"/>
-              </a:schemeClr>
-            </a:lnRef>
-            <a:fillRef idx="1">
-              <a:schemeClr val="accent1"/>
-            </a:fillRef>
-            <a:effectRef idx="0">
-              <a:schemeClr val="accent1"/>
-            </a:effectRef>
-            <a:fontRef idx="minor">
-              <a:schemeClr val="lt1"/>
-            </a:fontRef>
-          </p:style>
-          <p:txBody>
-            <a:bodyPr rtlCol="0" anchor="ctr"/>
-            <a:lstStyle/>
-            <a:p>
-              <a:pPr algn="ctr"/>
-              <a:endParaRPr lang="zh-TW" altLang="en-US"/>
-            </a:p>
-          </p:txBody>
-        </p:sp>
-        <p:sp>
-          <p:nvSpPr>
-            <p:cNvPr id="18" name="文字方塊 17">
-              <a:extLst>
-                <a:ext uri="{FF2B5EF4-FFF2-40B4-BE49-F238E27FC236}">
-                  <a16:creationId xmlns:a16="http://schemas.microsoft.com/office/drawing/2014/main" id="{8889BEE9-EFF1-4DFE-9880-4F64D93663C2}"/>
-                </a:ext>
-              </a:extLst>
-            </p:cNvPr>
-            <p:cNvSpPr txBox="1"/>
-            <p:nvPr/>
-          </p:nvSpPr>
-          <p:spPr>
-            <a:xfrm>
-              <a:off x="6757777" y="3545025"/>
-              <a:ext cx="1107996" cy="369332"/>
-            </a:xfrm>
-            <a:prstGeom prst="rect">
-              <a:avLst/>
-            </a:prstGeom>
-            <a:noFill/>
-          </p:spPr>
-          <p:txBody>
-            <a:bodyPr wrap="none" rtlCol="0">
-              <a:spAutoFit/>
-            </a:bodyPr>
-            <a:lstStyle/>
-            <a:p>
-              <a:r>
-                <a:rPr lang="zh-TW" altLang="en-US">
-                  <a:solidFill>
-                    <a:srgbClr val="FFFF00"/>
-                  </a:solidFill>
-                </a:rPr>
-                <a:t>模組名稱</a:t>
-              </a:r>
-              <a:endParaRPr lang="zh-TW" altLang="en-US"/>
-            </a:p>
-          </p:txBody>
-        </p:sp>
-        <p:sp>
-          <p:nvSpPr>
-            <p:cNvPr id="19" name="矩形: 圓角 18">
-              <a:extLst>
-                <a:ext uri="{FF2B5EF4-FFF2-40B4-BE49-F238E27FC236}">
-                  <a16:creationId xmlns:a16="http://schemas.microsoft.com/office/drawing/2014/main" id="{BCEFF2C0-0614-414B-B1B5-87144FBE7E5A}"/>
-                </a:ext>
-              </a:extLst>
-            </p:cNvPr>
-            <p:cNvSpPr/>
-            <p:nvPr/>
-          </p:nvSpPr>
-          <p:spPr>
-            <a:xfrm>
-              <a:off x="5434222" y="4929748"/>
-              <a:ext cx="1323555" cy="251012"/>
-            </a:xfrm>
-            <a:prstGeom prst="roundRect">
-              <a:avLst>
-                <a:gd name="adj" fmla="val 25205"/>
-              </a:avLst>
-            </a:prstGeom>
-            <a:noFill/>
-            <a:ln w="38100">
-              <a:solidFill>
-                <a:srgbClr val="92D050"/>
-              </a:solidFill>
-            </a:ln>
-          </p:spPr>
-          <p:style>
-            <a:lnRef idx="2">
-              <a:schemeClr val="accent1">
-                <a:shade val="50000"/>
-              </a:schemeClr>
-            </a:lnRef>
-            <a:fillRef idx="1">
-              <a:schemeClr val="accent1"/>
-            </a:fillRef>
-            <a:effectRef idx="0">
-              <a:schemeClr val="accent1"/>
-            </a:effectRef>
-            <a:fontRef idx="minor">
-              <a:schemeClr val="lt1"/>
-            </a:fontRef>
-          </p:style>
-          <p:txBody>
-            <a:bodyPr rtlCol="0" anchor="ctr"/>
-            <a:lstStyle/>
-            <a:p>
-              <a:pPr algn="ctr"/>
-              <a:endParaRPr lang="zh-TW" altLang="en-US"/>
-            </a:p>
-          </p:txBody>
-        </p:sp>
-        <p:sp>
-          <p:nvSpPr>
-            <p:cNvPr id="20" name="文字方塊 19">
-              <a:extLst>
-                <a:ext uri="{FF2B5EF4-FFF2-40B4-BE49-F238E27FC236}">
-                  <a16:creationId xmlns:a16="http://schemas.microsoft.com/office/drawing/2014/main" id="{62DE7C76-ADD2-45F8-B304-D3D7DC148F12}"/>
-                </a:ext>
-              </a:extLst>
-            </p:cNvPr>
-            <p:cNvSpPr txBox="1"/>
-            <p:nvPr/>
-          </p:nvSpPr>
-          <p:spPr>
-            <a:xfrm>
-              <a:off x="6757777" y="4870588"/>
-              <a:ext cx="1107996" cy="369332"/>
-            </a:xfrm>
-            <a:prstGeom prst="rect">
-              <a:avLst/>
-            </a:prstGeom>
-            <a:noFill/>
-          </p:spPr>
-          <p:txBody>
-            <a:bodyPr wrap="none" rtlCol="0">
-              <a:spAutoFit/>
-            </a:bodyPr>
-            <a:lstStyle/>
-            <a:p>
-              <a:r>
-                <a:rPr lang="zh-TW" altLang="en-US">
-                  <a:solidFill>
-                    <a:srgbClr val="92D050"/>
-                  </a:solidFill>
-                </a:rPr>
-                <a:t>套件名稱</a:t>
-              </a:r>
-            </a:p>
-          </p:txBody>
-        </p:sp>
-        <p:sp>
-          <p:nvSpPr>
-            <p:cNvPr id="21" name="矩形: 圓角 20">
-              <a:extLst>
-                <a:ext uri="{FF2B5EF4-FFF2-40B4-BE49-F238E27FC236}">
-                  <a16:creationId xmlns:a16="http://schemas.microsoft.com/office/drawing/2014/main" id="{66A4BC78-6D5B-49CE-98EE-24E552AC6F01}"/>
-                </a:ext>
-              </a:extLst>
-            </p:cNvPr>
-            <p:cNvSpPr/>
-            <p:nvPr/>
-          </p:nvSpPr>
-          <p:spPr>
-            <a:xfrm>
-              <a:off x="5434222" y="6066260"/>
-              <a:ext cx="1323555" cy="251012"/>
-            </a:xfrm>
-            <a:prstGeom prst="roundRect">
-              <a:avLst>
-                <a:gd name="adj" fmla="val 25205"/>
-              </a:avLst>
-            </a:prstGeom>
-            <a:noFill/>
-            <a:ln w="38100">
-              <a:solidFill>
-                <a:srgbClr val="00B0F0"/>
-              </a:solidFill>
-            </a:ln>
-          </p:spPr>
-          <p:style>
-            <a:lnRef idx="2">
-              <a:schemeClr val="accent1">
-                <a:shade val="50000"/>
-              </a:schemeClr>
-            </a:lnRef>
-            <a:fillRef idx="1">
-              <a:schemeClr val="accent1"/>
-            </a:fillRef>
-            <a:effectRef idx="0">
-              <a:schemeClr val="accent1"/>
-            </a:effectRef>
-            <a:fontRef idx="minor">
-              <a:schemeClr val="lt1"/>
-            </a:fontRef>
-          </p:style>
-          <p:txBody>
-            <a:bodyPr rtlCol="0" anchor="ctr"/>
-            <a:lstStyle/>
-            <a:p>
-              <a:pPr algn="ctr"/>
-              <a:endParaRPr lang="zh-TW" altLang="en-US"/>
-            </a:p>
-          </p:txBody>
-        </p:sp>
-        <p:sp>
-          <p:nvSpPr>
-            <p:cNvPr id="22" name="文字方塊 21">
-              <a:extLst>
-                <a:ext uri="{FF2B5EF4-FFF2-40B4-BE49-F238E27FC236}">
-                  <a16:creationId xmlns:a16="http://schemas.microsoft.com/office/drawing/2014/main" id="{5443B220-13AA-4531-A394-52EBCD8524FA}"/>
-                </a:ext>
-              </a:extLst>
-            </p:cNvPr>
-            <p:cNvSpPr txBox="1"/>
-            <p:nvPr/>
-          </p:nvSpPr>
-          <p:spPr>
-            <a:xfrm>
-              <a:off x="6757777" y="6007100"/>
-              <a:ext cx="1107996" cy="369332"/>
-            </a:xfrm>
-            <a:prstGeom prst="rect">
-              <a:avLst/>
-            </a:prstGeom>
-            <a:noFill/>
-          </p:spPr>
-          <p:txBody>
-            <a:bodyPr wrap="none" rtlCol="0">
-              <a:spAutoFit/>
-            </a:bodyPr>
-            <a:lstStyle/>
-            <a:p>
-              <a:r>
-                <a:rPr lang="zh-TW" altLang="en-US">
-                  <a:solidFill>
-                    <a:srgbClr val="00B0F0"/>
-                  </a:solidFill>
-                </a:rPr>
-                <a:t>遊戲版本</a:t>
-              </a:r>
-            </a:p>
-          </p:txBody>
-        </p:sp>
+          </p:grpSpPr>
+          <p:sp>
+            <p:nvSpPr>
+              <p:cNvPr id="15" name="矩形: 圓角 14">
+                <a:extLst>
+                  <a:ext uri="{FF2B5EF4-FFF2-40B4-BE49-F238E27FC236}">
+                    <a16:creationId xmlns:a16="http://schemas.microsoft.com/office/drawing/2014/main" id="{7B2998E2-FB4A-42DB-A97F-5F258DAFCDB9}"/>
+                  </a:ext>
+                </a:extLst>
+              </p:cNvPr>
+              <p:cNvSpPr/>
+              <p:nvPr/>
+            </p:nvSpPr>
+            <p:spPr>
+              <a:xfrm>
+                <a:off x="5434222" y="3566085"/>
+                <a:ext cx="1323555" cy="251012"/>
+              </a:xfrm>
+              <a:prstGeom prst="roundRect">
+                <a:avLst>
+                  <a:gd name="adj" fmla="val 25205"/>
+                </a:avLst>
+              </a:prstGeom>
+              <a:noFill/>
+              <a:ln w="38100">
+                <a:solidFill>
+                  <a:srgbClr val="FFFF00"/>
+                </a:solidFill>
+              </a:ln>
+            </p:spPr>
+            <p:style>
+              <a:lnRef idx="2">
+                <a:schemeClr val="accent1">
+                  <a:shade val="50000"/>
+                </a:schemeClr>
+              </a:lnRef>
+              <a:fillRef idx="1">
+                <a:schemeClr val="accent1"/>
+              </a:fillRef>
+              <a:effectRef idx="0">
+                <a:schemeClr val="accent1"/>
+              </a:effectRef>
+              <a:fontRef idx="minor">
+                <a:schemeClr val="lt1"/>
+              </a:fontRef>
+            </p:style>
+            <p:txBody>
+              <a:bodyPr rtlCol="0" anchor="ctr"/>
+              <a:lstStyle/>
+              <a:p>
+                <a:pPr algn="ctr"/>
+                <a:endParaRPr lang="zh-TW" altLang="en-US"/>
+              </a:p>
+            </p:txBody>
+          </p:sp>
+          <p:sp>
+            <p:nvSpPr>
+              <p:cNvPr id="18" name="文字方塊 17">
+                <a:extLst>
+                  <a:ext uri="{FF2B5EF4-FFF2-40B4-BE49-F238E27FC236}">
+                    <a16:creationId xmlns:a16="http://schemas.microsoft.com/office/drawing/2014/main" id="{8889BEE9-EFF1-4DFE-9880-4F64D93663C2}"/>
+                  </a:ext>
+                </a:extLst>
+              </p:cNvPr>
+              <p:cNvSpPr txBox="1"/>
+              <p:nvPr/>
+            </p:nvSpPr>
+            <p:spPr>
+              <a:xfrm>
+                <a:off x="6757777" y="3506925"/>
+                <a:ext cx="1107996" cy="369332"/>
+              </a:xfrm>
+              <a:prstGeom prst="rect">
+                <a:avLst/>
+              </a:prstGeom>
+              <a:noFill/>
+            </p:spPr>
+            <p:txBody>
+              <a:bodyPr wrap="none" rtlCol="0">
+                <a:spAutoFit/>
+              </a:bodyPr>
+              <a:lstStyle/>
+              <a:p>
+                <a:r>
+                  <a:rPr lang="zh-TW" altLang="en-US">
+                    <a:solidFill>
+                      <a:srgbClr val="FFFF00"/>
+                    </a:solidFill>
+                  </a:rPr>
+                  <a:t>模組名稱</a:t>
+                </a:r>
+                <a:endParaRPr lang="zh-TW" altLang="en-US"/>
+              </a:p>
+            </p:txBody>
+          </p:sp>
+          <p:sp>
+            <p:nvSpPr>
+              <p:cNvPr id="19" name="矩形: 圓角 18">
+                <a:extLst>
+                  <a:ext uri="{FF2B5EF4-FFF2-40B4-BE49-F238E27FC236}">
+                    <a16:creationId xmlns:a16="http://schemas.microsoft.com/office/drawing/2014/main" id="{BCEFF2C0-0614-414B-B1B5-87144FBE7E5A}"/>
+                  </a:ext>
+                </a:extLst>
+              </p:cNvPr>
+              <p:cNvSpPr/>
+              <p:nvPr/>
+            </p:nvSpPr>
+            <p:spPr>
+              <a:xfrm>
+                <a:off x="5434222" y="4910698"/>
+                <a:ext cx="1323555" cy="251012"/>
+              </a:xfrm>
+              <a:prstGeom prst="roundRect">
+                <a:avLst>
+                  <a:gd name="adj" fmla="val 25205"/>
+                </a:avLst>
+              </a:prstGeom>
+              <a:noFill/>
+              <a:ln w="38100">
+                <a:solidFill>
+                  <a:srgbClr val="92D050"/>
+                </a:solidFill>
+              </a:ln>
+            </p:spPr>
+            <p:style>
+              <a:lnRef idx="2">
+                <a:schemeClr val="accent1">
+                  <a:shade val="50000"/>
+                </a:schemeClr>
+              </a:lnRef>
+              <a:fillRef idx="1">
+                <a:schemeClr val="accent1"/>
+              </a:fillRef>
+              <a:effectRef idx="0">
+                <a:schemeClr val="accent1"/>
+              </a:effectRef>
+              <a:fontRef idx="minor">
+                <a:schemeClr val="lt1"/>
+              </a:fontRef>
+            </p:style>
+            <p:txBody>
+              <a:bodyPr rtlCol="0" anchor="ctr"/>
+              <a:lstStyle/>
+              <a:p>
+                <a:pPr algn="ctr"/>
+                <a:endParaRPr lang="zh-TW" altLang="en-US"/>
+              </a:p>
+            </p:txBody>
+          </p:sp>
+          <p:sp>
+            <p:nvSpPr>
+              <p:cNvPr id="20" name="文字方塊 19">
+                <a:extLst>
+                  <a:ext uri="{FF2B5EF4-FFF2-40B4-BE49-F238E27FC236}">
+                    <a16:creationId xmlns:a16="http://schemas.microsoft.com/office/drawing/2014/main" id="{62DE7C76-ADD2-45F8-B304-D3D7DC148F12}"/>
+                  </a:ext>
+                </a:extLst>
+              </p:cNvPr>
+              <p:cNvSpPr txBox="1"/>
+              <p:nvPr/>
+            </p:nvSpPr>
+            <p:spPr>
+              <a:xfrm>
+                <a:off x="6757777" y="4851538"/>
+                <a:ext cx="1107996" cy="369332"/>
+              </a:xfrm>
+              <a:prstGeom prst="rect">
+                <a:avLst/>
+              </a:prstGeom>
+              <a:noFill/>
+            </p:spPr>
+            <p:txBody>
+              <a:bodyPr wrap="none" rtlCol="0">
+                <a:spAutoFit/>
+              </a:bodyPr>
+              <a:lstStyle/>
+              <a:p>
+                <a:r>
+                  <a:rPr lang="zh-TW" altLang="en-US">
+                    <a:solidFill>
+                      <a:srgbClr val="92D050"/>
+                    </a:solidFill>
+                  </a:rPr>
+                  <a:t>套件名稱</a:t>
+                </a:r>
+              </a:p>
+            </p:txBody>
+          </p:sp>
+          <p:sp>
+            <p:nvSpPr>
+              <p:cNvPr id="21" name="矩形: 圓角 20">
+                <a:extLst>
+                  <a:ext uri="{FF2B5EF4-FFF2-40B4-BE49-F238E27FC236}">
+                    <a16:creationId xmlns:a16="http://schemas.microsoft.com/office/drawing/2014/main" id="{66A4BC78-6D5B-49CE-98EE-24E552AC6F01}"/>
+                  </a:ext>
+                </a:extLst>
+              </p:cNvPr>
+              <p:cNvSpPr/>
+              <p:nvPr/>
+            </p:nvSpPr>
+            <p:spPr>
+              <a:xfrm>
+                <a:off x="5434222" y="6066260"/>
+                <a:ext cx="1323555" cy="251012"/>
+              </a:xfrm>
+              <a:prstGeom prst="roundRect">
+                <a:avLst>
+                  <a:gd name="adj" fmla="val 25205"/>
+                </a:avLst>
+              </a:prstGeom>
+              <a:noFill/>
+              <a:ln w="38100">
+                <a:solidFill>
+                  <a:srgbClr val="00B0F0"/>
+                </a:solidFill>
+              </a:ln>
+            </p:spPr>
+            <p:style>
+              <a:lnRef idx="2">
+                <a:schemeClr val="accent1">
+                  <a:shade val="50000"/>
+                </a:schemeClr>
+              </a:lnRef>
+              <a:fillRef idx="1">
+                <a:schemeClr val="accent1"/>
+              </a:fillRef>
+              <a:effectRef idx="0">
+                <a:schemeClr val="accent1"/>
+              </a:effectRef>
+              <a:fontRef idx="minor">
+                <a:schemeClr val="lt1"/>
+              </a:fontRef>
+            </p:style>
+            <p:txBody>
+              <a:bodyPr rtlCol="0" anchor="ctr"/>
+              <a:lstStyle/>
+              <a:p>
+                <a:pPr algn="ctr"/>
+                <a:endParaRPr lang="zh-TW" altLang="en-US"/>
+              </a:p>
+            </p:txBody>
+          </p:sp>
+          <p:sp>
+            <p:nvSpPr>
+              <p:cNvPr id="22" name="文字方塊 21">
+                <a:extLst>
+                  <a:ext uri="{FF2B5EF4-FFF2-40B4-BE49-F238E27FC236}">
+                    <a16:creationId xmlns:a16="http://schemas.microsoft.com/office/drawing/2014/main" id="{5443B220-13AA-4531-A394-52EBCD8524FA}"/>
+                  </a:ext>
+                </a:extLst>
+              </p:cNvPr>
+              <p:cNvSpPr txBox="1"/>
+              <p:nvPr/>
+            </p:nvSpPr>
+            <p:spPr>
+              <a:xfrm>
+                <a:off x="6757777" y="6007100"/>
+                <a:ext cx="1107996" cy="369332"/>
+              </a:xfrm>
+              <a:prstGeom prst="rect">
+                <a:avLst/>
+              </a:prstGeom>
+              <a:noFill/>
+            </p:spPr>
+            <p:txBody>
+              <a:bodyPr wrap="none" rtlCol="0">
+                <a:spAutoFit/>
+              </a:bodyPr>
+              <a:lstStyle/>
+              <a:p>
+                <a:r>
+                  <a:rPr lang="zh-TW" altLang="en-US">
+                    <a:solidFill>
+                      <a:srgbClr val="00B0F0"/>
+                    </a:solidFill>
+                  </a:rPr>
+                  <a:t>遊戲版本</a:t>
+                </a:r>
+              </a:p>
+            </p:txBody>
+          </p:sp>
+        </p:grpSp>
       </p:grpSp>
     </p:spTree>
     <p:extLst>

--- a/ppt/50_Java 專案：前置作業.pptx
+++ b/ppt/50_Java 專案：前置作業.pptx
@@ -241,7 +241,7 @@
           <a:p>
             <a:fld id="{C27144CB-533C-4CD2-9ED3-63FEE8E9FA13}" type="datetimeFigureOut">
               <a:rPr lang="zh-TW" altLang="en-US" smtClean="0"/>
-              <a:t>2025/2/16</a:t>
+              <a:t>2025/2/18</a:t>
             </a:fld>
             <a:endParaRPr lang="zh-TW" altLang="en-US"/>
           </a:p>
@@ -2607,6 +2607,11 @@
             <a:prstGeom prst="rect">
               <a:avLst/>
             </a:prstGeom>
+            <a:ln>
+              <a:solidFill>
+                <a:schemeClr val="tx1"/>
+              </a:solidFill>
+            </a:ln>
           </p:spPr>
         </p:pic>
         <p:sp>
@@ -2767,6 +2772,11 @@
             <a:prstGeom prst="rect">
               <a:avLst/>
             </a:prstGeom>
+            <a:ln>
+              <a:solidFill>
+                <a:schemeClr val="tx1"/>
+              </a:solidFill>
+            </a:ln>
           </p:spPr>
         </p:pic>
         <p:sp>
@@ -3401,6 +3411,11 @@
           <a:prstGeom prst="rect">
             <a:avLst/>
           </a:prstGeom>
+          <a:ln>
+            <a:solidFill>
+              <a:schemeClr val="tx1"/>
+            </a:solidFill>
+          </a:ln>
         </p:spPr>
       </p:pic>
     </p:spTree>
@@ -17667,36 +17682,6 @@
           </a:p>
         </p:txBody>
       </p:sp>
-      <p:pic>
-        <p:nvPicPr>
-          <p:cNvPr id="12" name="圖片 11">
-            <a:extLst>
-              <a:ext uri="{FF2B5EF4-FFF2-40B4-BE49-F238E27FC236}">
-                <a16:creationId xmlns:a16="http://schemas.microsoft.com/office/drawing/2014/main" id="{3EC65081-3CF4-4664-88DF-D6FA6FF7BC77}"/>
-              </a:ext>
-            </a:extLst>
-          </p:cNvPr>
-          <p:cNvPicPr>
-            <a:picLocks noChangeAspect="1"/>
-          </p:cNvPicPr>
-          <p:nvPr/>
-        </p:nvPicPr>
-        <p:blipFill>
-          <a:blip r:embed="rId2"/>
-          <a:stretch>
-            <a:fillRect/>
-          </a:stretch>
-        </p:blipFill>
-        <p:spPr>
-          <a:xfrm>
-            <a:off x="838200" y="3202781"/>
-            <a:ext cx="10515600" cy="3344720"/>
-          </a:xfrm>
-          <a:prstGeom prst="rect">
-            <a:avLst/>
-          </a:prstGeom>
-        </p:spPr>
-      </p:pic>
       <p:grpSp>
         <p:nvGrpSpPr>
           <p:cNvPr id="14" name="群組 13">
@@ -17732,7 +17717,7 @@
             <p:nvPr/>
           </p:nvPicPr>
           <p:blipFill>
-            <a:blip r:embed="rId3"/>
+            <a:blip r:embed="rId2"/>
             <a:stretch>
               <a:fillRect/>
             </a:stretch>
@@ -17745,6 +17730,11 @@
             <a:prstGeom prst="rect">
               <a:avLst/>
             </a:prstGeom>
+            <a:ln>
+              <a:solidFill>
+                <a:schemeClr val="tx1"/>
+              </a:solidFill>
+            </a:ln>
           </p:spPr>
         </p:pic>
         <p:sp>
@@ -17904,58 +17894,114 @@
           </a:p>
         </p:txBody>
       </p:sp>
-      <p:sp>
-        <p:nvSpPr>
-          <p:cNvPr id="19" name="矩形: 圓角 18">
+      <p:grpSp>
+        <p:nvGrpSpPr>
+          <p:cNvPr id="4" name="群組 3">
             <a:extLst>
               <a:ext uri="{FF2B5EF4-FFF2-40B4-BE49-F238E27FC236}">
-                <a16:creationId xmlns:a16="http://schemas.microsoft.com/office/drawing/2014/main" id="{D7D36AF7-ADCB-4A51-8EF3-3F1C7D5A4429}"/>
+                <a16:creationId xmlns:a16="http://schemas.microsoft.com/office/drawing/2014/main" id="{4F1A9566-C53A-45AD-A0E8-EFE46BD137D7}"/>
               </a:ext>
             </a:extLst>
           </p:cNvPr>
-          <p:cNvSpPr/>
+          <p:cNvGrpSpPr/>
           <p:nvPr/>
-        </p:nvSpPr>
-        <p:spPr>
+        </p:nvGrpSpPr>
+        <p:grpSpPr>
           <a:xfrm>
-            <a:off x="10223267" y="6256323"/>
-            <a:ext cx="539984" cy="249251"/>
+            <a:off x="838200" y="3202781"/>
+            <a:ext cx="10515600" cy="3344720"/>
+            <a:chOff x="838200" y="3202781"/>
+            <a:chExt cx="10515600" cy="3344720"/>
           </a:xfrm>
-          <a:prstGeom prst="roundRect">
-            <a:avLst/>
-          </a:prstGeom>
-          <a:noFill/>
-          <a:ln w="38100">
-            <a:solidFill>
-              <a:srgbClr val="92D050"/>
-            </a:solidFill>
-          </a:ln>
-        </p:spPr>
-        <p:style>
-          <a:lnRef idx="2">
-            <a:schemeClr val="accent1">
-              <a:shade val="50000"/>
-            </a:schemeClr>
-          </a:lnRef>
-          <a:fillRef idx="1">
-            <a:schemeClr val="accent1"/>
-          </a:fillRef>
-          <a:effectRef idx="0">
-            <a:schemeClr val="accent1"/>
-          </a:effectRef>
-          <a:fontRef idx="minor">
-            <a:schemeClr val="lt1"/>
-          </a:fontRef>
-        </p:style>
-        <p:txBody>
-          <a:bodyPr rtlCol="0" anchor="ctr"/>
-          <a:lstStyle/>
-          <a:p>
-            <a:pPr algn="ctr"/>
-            <a:endParaRPr lang="zh-TW" altLang="en-US" sz="2000"/>
-          </a:p>
-        </p:txBody>
-      </p:sp>
+        </p:grpSpPr>
+        <p:pic>
+          <p:nvPicPr>
+            <p:cNvPr id="12" name="圖片 11">
+              <a:extLst>
+                <a:ext uri="{FF2B5EF4-FFF2-40B4-BE49-F238E27FC236}">
+                  <a16:creationId xmlns:a16="http://schemas.microsoft.com/office/drawing/2014/main" id="{3EC65081-3CF4-4664-88DF-D6FA6FF7BC77}"/>
+                </a:ext>
+              </a:extLst>
+            </p:cNvPr>
+            <p:cNvPicPr>
+              <a:picLocks noChangeAspect="1"/>
+            </p:cNvPicPr>
+            <p:nvPr/>
+          </p:nvPicPr>
+          <p:blipFill>
+            <a:blip r:embed="rId3"/>
+            <a:stretch>
+              <a:fillRect/>
+            </a:stretch>
+          </p:blipFill>
+          <p:spPr>
+            <a:xfrm>
+              <a:off x="838200" y="3202781"/>
+              <a:ext cx="10515600" cy="3344720"/>
+            </a:xfrm>
+            <a:prstGeom prst="rect">
+              <a:avLst/>
+            </a:prstGeom>
+            <a:ln>
+              <a:solidFill>
+                <a:schemeClr val="tx1"/>
+              </a:solidFill>
+            </a:ln>
+          </p:spPr>
+        </p:pic>
+        <p:sp>
+          <p:nvSpPr>
+            <p:cNvPr id="19" name="矩形: 圓角 18">
+              <a:extLst>
+                <a:ext uri="{FF2B5EF4-FFF2-40B4-BE49-F238E27FC236}">
+                  <a16:creationId xmlns:a16="http://schemas.microsoft.com/office/drawing/2014/main" id="{D7D36AF7-ADCB-4A51-8EF3-3F1C7D5A4429}"/>
+                </a:ext>
+              </a:extLst>
+            </p:cNvPr>
+            <p:cNvSpPr/>
+            <p:nvPr/>
+          </p:nvSpPr>
+          <p:spPr>
+            <a:xfrm>
+              <a:off x="10223267" y="6256323"/>
+              <a:ext cx="539984" cy="249251"/>
+            </a:xfrm>
+            <a:prstGeom prst="roundRect">
+              <a:avLst/>
+            </a:prstGeom>
+            <a:noFill/>
+            <a:ln w="38100">
+              <a:solidFill>
+                <a:srgbClr val="92D050"/>
+              </a:solidFill>
+            </a:ln>
+          </p:spPr>
+          <p:style>
+            <a:lnRef idx="2">
+              <a:schemeClr val="accent1">
+                <a:shade val="50000"/>
+              </a:schemeClr>
+            </a:lnRef>
+            <a:fillRef idx="1">
+              <a:schemeClr val="accent1"/>
+            </a:fillRef>
+            <a:effectRef idx="0">
+              <a:schemeClr val="accent1"/>
+            </a:effectRef>
+            <a:fontRef idx="minor">
+              <a:schemeClr val="lt1"/>
+            </a:fontRef>
+          </p:style>
+          <p:txBody>
+            <a:bodyPr rtlCol="0" anchor="ctr"/>
+            <a:lstStyle/>
+            <a:p>
+              <a:pPr algn="ctr"/>
+              <a:endParaRPr lang="zh-TW" altLang="en-US" sz="2000"/>
+            </a:p>
+          </p:txBody>
+        </p:sp>
+      </p:grpSp>
     </p:spTree>
     <p:extLst>
       <p:ext uri="{BB962C8B-B14F-4D97-AF65-F5344CB8AC3E}">
@@ -18261,6 +18307,11 @@
             <a:prstGeom prst="rect">
               <a:avLst/>
             </a:prstGeom>
+            <a:ln>
+              <a:solidFill>
+                <a:schemeClr val="tx1"/>
+              </a:solidFill>
+            </a:ln>
           </p:spPr>
         </p:pic>
         <p:sp>
@@ -18708,6 +18759,11 @@
             <a:prstGeom prst="rect">
               <a:avLst/>
             </a:prstGeom>
+            <a:ln>
+              <a:solidFill>
+                <a:schemeClr val="tx1"/>
+              </a:solidFill>
+            </a:ln>
           </p:spPr>
         </p:pic>
         <p:grpSp>
@@ -22393,6 +22449,11 @@
             <a:prstGeom prst="rect">
               <a:avLst/>
             </a:prstGeom>
+            <a:ln>
+              <a:solidFill>
+                <a:schemeClr val="tx1"/>
+              </a:solidFill>
+            </a:ln>
           </p:spPr>
         </p:pic>
         <p:sp>
@@ -23457,6 +23518,11 @@
             <a:prstGeom prst="rect">
               <a:avLst/>
             </a:prstGeom>
+            <a:ln>
+              <a:solidFill>
+                <a:schemeClr val="tx1"/>
+              </a:solidFill>
+            </a:ln>
           </p:spPr>
         </p:pic>
         <p:sp>
@@ -23875,6 +23941,11 @@
             <a:prstGeom prst="rect">
               <a:avLst/>
             </a:prstGeom>
+            <a:ln>
+              <a:solidFill>
+                <a:schemeClr val="tx1"/>
+              </a:solidFill>
+            </a:ln>
           </p:spPr>
         </p:pic>
         <p:sp>
@@ -24239,6 +24310,11 @@
               <a:prstGeom prst="rect">
                 <a:avLst/>
               </a:prstGeom>
+              <a:ln>
+                <a:solidFill>
+                  <a:schemeClr val="tx1"/>
+                </a:solidFill>
+              </a:ln>
             </p:spPr>
           </p:pic>
           <p:sp>
@@ -24421,6 +24497,11 @@
             <a:prstGeom prst="rect">
               <a:avLst/>
             </a:prstGeom>
+            <a:ln>
+              <a:solidFill>
+                <a:schemeClr val="tx1"/>
+              </a:solidFill>
+            </a:ln>
           </p:spPr>
         </p:pic>
         <p:sp>
@@ -24717,6 +24798,11 @@
             <a:prstGeom prst="rect">
               <a:avLst/>
             </a:prstGeom>
+            <a:ln>
+              <a:solidFill>
+                <a:schemeClr val="tx1"/>
+              </a:solidFill>
+            </a:ln>
           </p:spPr>
         </p:pic>
         <p:sp>
@@ -24805,6 +24891,11 @@
           <a:prstGeom prst="rect">
             <a:avLst/>
           </a:prstGeom>
+          <a:ln>
+            <a:solidFill>
+              <a:schemeClr val="tx1"/>
+            </a:solidFill>
+          </a:ln>
         </p:spPr>
       </p:pic>
       <p:sp>

--- a/ppt/50_Java 專案：前置作業.pptx
+++ b/ppt/50_Java 專案：前置作業.pptx
@@ -241,7 +241,7 @@
           <a:p>
             <a:fld id="{C27144CB-533C-4CD2-9ED3-63FEE8E9FA13}" type="datetimeFigureOut">
               <a:rPr lang="zh-TW" altLang="en-US" smtClean="0"/>
-              <a:t>2025/2/18</a:t>
+              <a:t>2025/2/19</a:t>
             </a:fld>
             <a:endParaRPr lang="zh-TW" altLang="en-US"/>
           </a:p>

--- a/ppt/50_Java 專案：前置作業.pptx
+++ b/ppt/50_Java 專案：前置作業.pptx
@@ -241,7 +241,7 @@
           <a:p>
             <a:fld id="{C27144CB-533C-4CD2-9ED3-63FEE8E9FA13}" type="datetimeFigureOut">
               <a:rPr lang="zh-TW" altLang="en-US" smtClean="0"/>
-              <a:t>2025/2/19</a:t>
+              <a:t>2025/2/22</a:t>
             </a:fld>
             <a:endParaRPr lang="zh-TW" altLang="en-US"/>
           </a:p>
@@ -20300,7 +20300,7 @@
         </p:nvSpPr>
         <p:spPr>
           <a:xfrm>
-            <a:off x="838200" y="365125"/>
+            <a:off x="838200" y="319860"/>
             <a:ext cx="3704120" cy="1325563"/>
           </a:xfrm>
         </p:spPr>
@@ -20333,8 +20333,8 @@
         </p:nvSpPr>
         <p:spPr>
           <a:xfrm>
-            <a:off x="838200" y="1825625"/>
-            <a:ext cx="3704120" cy="2775772"/>
+            <a:off x="838200" y="1559328"/>
+            <a:ext cx="3704120" cy="2728258"/>
           </a:xfrm>
         </p:spPr>
         <p:txBody>
@@ -20424,6 +20424,538 @@
           </a:p>
         </p:txBody>
       </p:sp>
+      <p:grpSp>
+        <p:nvGrpSpPr>
+          <p:cNvPr id="13" name="群組 12">
+            <a:extLst>
+              <a:ext uri="{FF2B5EF4-FFF2-40B4-BE49-F238E27FC236}">
+                <a16:creationId xmlns:a16="http://schemas.microsoft.com/office/drawing/2014/main" id="{6A202B3C-772D-440E-B91E-DDE82D95959A}"/>
+              </a:ext>
+            </a:extLst>
+          </p:cNvPr>
+          <p:cNvGrpSpPr/>
+          <p:nvPr/>
+        </p:nvGrpSpPr>
+        <p:grpSpPr>
+          <a:xfrm>
+            <a:off x="838200" y="4508618"/>
+            <a:ext cx="10515600" cy="1938992"/>
+            <a:chOff x="3182973" y="4737193"/>
+            <a:chExt cx="10515600" cy="1938992"/>
+          </a:xfrm>
+        </p:grpSpPr>
+        <p:sp>
+          <p:nvSpPr>
+            <p:cNvPr id="5" name="Rectangle 1">
+              <a:extLst>
+                <a:ext uri="{FF2B5EF4-FFF2-40B4-BE49-F238E27FC236}">
+                  <a16:creationId xmlns:a16="http://schemas.microsoft.com/office/drawing/2014/main" id="{0F5343AA-0275-4A8C-8CE8-DA1604B479EE}"/>
+                </a:ext>
+              </a:extLst>
+            </p:cNvPr>
+            <p:cNvSpPr>
+              <a:spLocks noChangeArrowheads="1"/>
+            </p:cNvSpPr>
+            <p:nvPr/>
+          </p:nvSpPr>
+          <p:spPr bwMode="auto">
+            <a:xfrm>
+              <a:off x="3182973" y="4737193"/>
+              <a:ext cx="10515600" cy="1938992"/>
+            </a:xfrm>
+            <a:prstGeom prst="rect">
+              <a:avLst/>
+            </a:prstGeom>
+            <a:solidFill>
+              <a:srgbClr val="1E1F22"/>
+            </a:solidFill>
+            <a:ln w="9525">
+              <a:solidFill>
+                <a:schemeClr val="tx1"/>
+              </a:solidFill>
+              <a:miter lim="800000"/>
+              <a:headEnd/>
+              <a:tailEnd/>
+            </a:ln>
+            <a:effectLst/>
+            <a:extLst>
+              <a:ext uri="{AF507438-7753-43E0-B8FC-AC1667EBCBE1}">
+                <a14:hiddenEffects xmlns:a14="http://schemas.microsoft.com/office/drawing/2010/main">
+                  <a:effectLst>
+                    <a:outerShdw dist="35921" dir="2700000" algn="ctr" rotWithShape="0">
+                      <a:schemeClr val="bg2"/>
+                    </a:outerShdw>
+                  </a:effectLst>
+                </a14:hiddenEffects>
+              </a:ext>
+            </a:extLst>
+          </p:spPr>
+          <p:txBody>
+            <a:bodyPr vert="horz" wrap="square" lIns="91440" tIns="45720" rIns="91440" bIns="45720" numCol="1" anchor="ctr" anchorCtr="0" compatLnSpc="1">
+              <a:prstTxWarp prst="textNoShape">
+                <a:avLst/>
+              </a:prstTxWarp>
+              <a:spAutoFit/>
+            </a:bodyPr>
+            <a:lstStyle/>
+            <a:p>
+              <a:pPr marL="0" marR="0" lvl="0" indent="0" algn="l" defTabSz="914400" rtl="0" eaLnBrk="0" fontAlgn="base" latinLnBrk="0" hangingPunct="0">
+                <a:lnSpc>
+                  <a:spcPct val="100000"/>
+                </a:lnSpc>
+                <a:spcBef>
+                  <a:spcPct val="0"/>
+                </a:spcBef>
+                <a:spcAft>
+                  <a:spcPct val="0"/>
+                </a:spcAft>
+                <a:buClrTx/>
+                <a:buSzTx/>
+                <a:buFontTx/>
+                <a:buNone/>
+                <a:tabLst/>
+              </a:pPr>
+              <a:r>
+                <a:rPr kumimoji="0" lang="zh-TW" altLang="zh-TW" sz="1200" b="0" i="0" u="none" strike="noStrike" cap="none" normalizeH="0" baseline="0">
+                  <a:ln>
+                    <a:noFill/>
+                  </a:ln>
+                  <a:solidFill>
+                    <a:srgbClr val="CF8E6D"/>
+                  </a:solidFill>
+                  <a:effectLst/>
+                  <a:latin typeface="+mj-lt"/>
+                  <a:cs typeface="JetBrains Mono" panose="02000009000000000000" pitchFamily="49" charset="0"/>
+                </a:rPr>
+                <a:t>package </a:t>
+              </a:r>
+              <a:r>
+                <a:rPr kumimoji="0" lang="zh-TW" altLang="zh-TW" sz="1200" b="0" i="0" u="none" strike="noStrike" cap="none" normalizeH="0" baseline="0">
+                  <a:ln>
+                    <a:noFill/>
+                  </a:ln>
+                  <a:solidFill>
+                    <a:srgbClr val="BCBEC4"/>
+                  </a:solidFill>
+                  <a:effectLst/>
+                  <a:latin typeface="+mj-lt"/>
+                  <a:cs typeface="JetBrains Mono" panose="02000009000000000000" pitchFamily="49" charset="0"/>
+                </a:rPr>
+                <a:t>org.tyic;</a:t>
+              </a:r>
+              <a:br>
+                <a:rPr kumimoji="0" lang="zh-TW" altLang="zh-TW" sz="1200" b="0" i="0" u="none" strike="noStrike" cap="none" normalizeH="0" baseline="0">
+                  <a:ln>
+                    <a:noFill/>
+                  </a:ln>
+                  <a:solidFill>
+                    <a:srgbClr val="BCBEC4"/>
+                  </a:solidFill>
+                  <a:effectLst/>
+                  <a:latin typeface="+mj-lt"/>
+                  <a:cs typeface="JetBrains Mono" panose="02000009000000000000" pitchFamily="49" charset="0"/>
+                </a:rPr>
+              </a:br>
+              <a:br>
+                <a:rPr kumimoji="0" lang="zh-TW" altLang="zh-TW" sz="1200" b="0" i="0" u="none" strike="noStrike" cap="none" normalizeH="0" baseline="0">
+                  <a:ln>
+                    <a:noFill/>
+                  </a:ln>
+                  <a:solidFill>
+                    <a:srgbClr val="BCBEC4"/>
+                  </a:solidFill>
+                  <a:effectLst/>
+                  <a:latin typeface="+mj-lt"/>
+                  <a:cs typeface="JetBrains Mono" panose="02000009000000000000" pitchFamily="49" charset="0"/>
+                </a:rPr>
+              </a:br>
+              <a:r>
+                <a:rPr kumimoji="0" lang="zh-TW" altLang="zh-TW" sz="1200" b="0" i="0" u="none" strike="noStrike" cap="none" normalizeH="0" baseline="0">
+                  <a:ln>
+                    <a:noFill/>
+                  </a:ln>
+                  <a:solidFill>
+                    <a:srgbClr val="CF8E6D"/>
+                  </a:solidFill>
+                  <a:effectLst/>
+                  <a:latin typeface="+mj-lt"/>
+                  <a:cs typeface="JetBrains Mono" panose="02000009000000000000" pitchFamily="49" charset="0"/>
+                </a:rPr>
+                <a:t>import </a:t>
+              </a:r>
+              <a:r>
+                <a:rPr kumimoji="0" lang="zh-TW" altLang="zh-TW" sz="1200" b="0" i="0" u="none" strike="noStrike" cap="none" normalizeH="0" baseline="0">
+                  <a:ln>
+                    <a:noFill/>
+                  </a:ln>
+                  <a:solidFill>
+                    <a:srgbClr val="BCBEC4"/>
+                  </a:solidFill>
+                  <a:effectLst/>
+                  <a:latin typeface="+mj-lt"/>
+                  <a:cs typeface="JetBrains Mono" panose="02000009000000000000" pitchFamily="49" charset="0"/>
+                </a:rPr>
+                <a:t>net.fabricmc.api.ClientModInitializer;</a:t>
+              </a:r>
+              <a:br>
+                <a:rPr kumimoji="0" lang="zh-TW" altLang="zh-TW" sz="1200" b="0" i="0" u="none" strike="noStrike" cap="none" normalizeH="0" baseline="0">
+                  <a:ln>
+                    <a:noFill/>
+                  </a:ln>
+                  <a:solidFill>
+                    <a:srgbClr val="BCBEC4"/>
+                  </a:solidFill>
+                  <a:effectLst/>
+                  <a:latin typeface="+mj-lt"/>
+                  <a:cs typeface="JetBrains Mono" panose="02000009000000000000" pitchFamily="49" charset="0"/>
+                </a:rPr>
+              </a:br>
+              <a:br>
+                <a:rPr kumimoji="0" lang="zh-TW" altLang="zh-TW" sz="1200" b="0" i="0" u="none" strike="noStrike" cap="none" normalizeH="0" baseline="0">
+                  <a:ln>
+                    <a:noFill/>
+                  </a:ln>
+                  <a:solidFill>
+                    <a:srgbClr val="BCBEC4"/>
+                  </a:solidFill>
+                  <a:effectLst/>
+                  <a:latin typeface="+mj-lt"/>
+                  <a:cs typeface="JetBrains Mono" panose="02000009000000000000" pitchFamily="49" charset="0"/>
+                </a:rPr>
+              </a:br>
+              <a:r>
+                <a:rPr kumimoji="0" lang="zh-TW" altLang="zh-TW" sz="1200" b="0" i="0" u="none" strike="noStrike" cap="none" normalizeH="0" baseline="0">
+                  <a:ln>
+                    <a:noFill/>
+                  </a:ln>
+                  <a:solidFill>
+                    <a:srgbClr val="CF8E6D"/>
+                  </a:solidFill>
+                  <a:effectLst/>
+                  <a:latin typeface="+mj-lt"/>
+                  <a:cs typeface="JetBrains Mono" panose="02000009000000000000" pitchFamily="49" charset="0"/>
+                </a:rPr>
+                <a:t>public class </a:t>
+              </a:r>
+              <a:r>
+                <a:rPr kumimoji="0" lang="zh-TW" altLang="zh-TW" sz="1200" b="0" i="0" u="none" strike="noStrike" cap="none" normalizeH="0" baseline="0">
+                  <a:ln>
+                    <a:noFill/>
+                  </a:ln>
+                  <a:solidFill>
+                    <a:srgbClr val="BCBEC4"/>
+                  </a:solidFill>
+                  <a:effectLst/>
+                  <a:latin typeface="+mj-lt"/>
+                  <a:cs typeface="JetBrains Mono" panose="02000009000000000000" pitchFamily="49" charset="0"/>
+                </a:rPr>
+                <a:t>TyicModClient </a:t>
+              </a:r>
+              <a:r>
+                <a:rPr kumimoji="0" lang="zh-TW" altLang="zh-TW" sz="1200" b="0" i="0" u="none" strike="noStrike" cap="none" normalizeH="0" baseline="0">
+                  <a:ln>
+                    <a:noFill/>
+                  </a:ln>
+                  <a:solidFill>
+                    <a:srgbClr val="CF8E6D"/>
+                  </a:solidFill>
+                  <a:effectLst/>
+                  <a:latin typeface="+mj-lt"/>
+                  <a:cs typeface="JetBrains Mono" panose="02000009000000000000" pitchFamily="49" charset="0"/>
+                </a:rPr>
+                <a:t>implements </a:t>
+              </a:r>
+              <a:r>
+                <a:rPr kumimoji="0" lang="zh-TW" altLang="zh-TW" sz="1200" b="0" i="0" u="none" strike="noStrike" cap="none" normalizeH="0" baseline="0">
+                  <a:ln>
+                    <a:noFill/>
+                  </a:ln>
+                  <a:solidFill>
+                    <a:srgbClr val="BCBEC4"/>
+                  </a:solidFill>
+                  <a:effectLst/>
+                  <a:latin typeface="+mj-lt"/>
+                  <a:cs typeface="JetBrains Mono" panose="02000009000000000000" pitchFamily="49" charset="0"/>
+                </a:rPr>
+                <a:t>ClientModInitializer {</a:t>
+              </a:r>
+              <a:br>
+                <a:rPr kumimoji="0" lang="zh-TW" altLang="zh-TW" sz="1200" b="0" i="0" u="none" strike="noStrike" cap="none" normalizeH="0" baseline="0">
+                  <a:ln>
+                    <a:noFill/>
+                  </a:ln>
+                  <a:solidFill>
+                    <a:srgbClr val="BCBEC4"/>
+                  </a:solidFill>
+                  <a:effectLst/>
+                  <a:latin typeface="+mj-lt"/>
+                  <a:cs typeface="JetBrains Mono" panose="02000009000000000000" pitchFamily="49" charset="0"/>
+                </a:rPr>
+              </a:br>
+              <a:r>
+                <a:rPr kumimoji="0" lang="zh-TW" altLang="zh-TW" sz="1200" b="0" i="0" u="none" strike="noStrike" cap="none" normalizeH="0" baseline="0">
+                  <a:ln>
+                    <a:noFill/>
+                  </a:ln>
+                  <a:solidFill>
+                    <a:srgbClr val="BCBEC4"/>
+                  </a:solidFill>
+                  <a:effectLst/>
+                  <a:latin typeface="+mj-lt"/>
+                  <a:cs typeface="JetBrains Mono" panose="02000009000000000000" pitchFamily="49" charset="0"/>
+                </a:rPr>
+                <a:t>    </a:t>
+              </a:r>
+              <a:r>
+                <a:rPr kumimoji="0" lang="zh-TW" altLang="zh-TW" sz="1200" b="0" i="0" u="none" strike="noStrike" cap="none" normalizeH="0" baseline="0">
+                  <a:ln>
+                    <a:noFill/>
+                  </a:ln>
+                  <a:solidFill>
+                    <a:srgbClr val="B3AE60"/>
+                  </a:solidFill>
+                  <a:effectLst/>
+                  <a:latin typeface="+mj-lt"/>
+                  <a:cs typeface="JetBrains Mono" panose="02000009000000000000" pitchFamily="49" charset="0"/>
+                </a:rPr>
+                <a:t>@Override</a:t>
+              </a:r>
+              <a:br>
+                <a:rPr kumimoji="0" lang="zh-TW" altLang="zh-TW" sz="1200" b="0" i="0" u="none" strike="noStrike" cap="none" normalizeH="0" baseline="0">
+                  <a:ln>
+                    <a:noFill/>
+                  </a:ln>
+                  <a:solidFill>
+                    <a:srgbClr val="B3AE60"/>
+                  </a:solidFill>
+                  <a:effectLst/>
+                  <a:latin typeface="+mj-lt"/>
+                  <a:cs typeface="JetBrains Mono" panose="02000009000000000000" pitchFamily="49" charset="0"/>
+                </a:rPr>
+              </a:br>
+              <a:r>
+                <a:rPr kumimoji="0" lang="zh-TW" altLang="zh-TW" sz="1200" b="0" i="0" u="none" strike="noStrike" cap="none" normalizeH="0" baseline="0">
+                  <a:ln>
+                    <a:noFill/>
+                  </a:ln>
+                  <a:solidFill>
+                    <a:srgbClr val="B3AE60"/>
+                  </a:solidFill>
+                  <a:effectLst/>
+                  <a:latin typeface="+mj-lt"/>
+                  <a:cs typeface="JetBrains Mono" panose="02000009000000000000" pitchFamily="49" charset="0"/>
+                </a:rPr>
+                <a:t>    </a:t>
+              </a:r>
+              <a:r>
+                <a:rPr kumimoji="0" lang="zh-TW" altLang="zh-TW" sz="1200" b="0" i="0" u="none" strike="noStrike" cap="none" normalizeH="0" baseline="0">
+                  <a:ln>
+                    <a:noFill/>
+                  </a:ln>
+                  <a:solidFill>
+                    <a:srgbClr val="CF8E6D"/>
+                  </a:solidFill>
+                  <a:effectLst/>
+                  <a:latin typeface="+mj-lt"/>
+                  <a:cs typeface="JetBrains Mono" panose="02000009000000000000" pitchFamily="49" charset="0"/>
+                </a:rPr>
+                <a:t>public void </a:t>
+              </a:r>
+              <a:r>
+                <a:rPr kumimoji="0" lang="zh-TW" altLang="zh-TW" sz="1200" b="0" i="0" u="none" strike="noStrike" cap="none" normalizeH="0" baseline="0">
+                  <a:ln>
+                    <a:noFill/>
+                  </a:ln>
+                  <a:solidFill>
+                    <a:srgbClr val="56A8F5"/>
+                  </a:solidFill>
+                  <a:effectLst/>
+                  <a:latin typeface="+mj-lt"/>
+                  <a:cs typeface="JetBrains Mono" panose="02000009000000000000" pitchFamily="49" charset="0"/>
+                </a:rPr>
+                <a:t>onInitializeClient</a:t>
+              </a:r>
+              <a:r>
+                <a:rPr kumimoji="0" lang="zh-TW" altLang="zh-TW" sz="1200" b="0" i="0" u="none" strike="noStrike" cap="none" normalizeH="0" baseline="0">
+                  <a:ln>
+                    <a:noFill/>
+                  </a:ln>
+                  <a:solidFill>
+                    <a:srgbClr val="BCBEC4"/>
+                  </a:solidFill>
+                  <a:effectLst/>
+                  <a:latin typeface="+mj-lt"/>
+                  <a:cs typeface="JetBrains Mono" panose="02000009000000000000" pitchFamily="49" charset="0"/>
+                </a:rPr>
+                <a:t>() {</a:t>
+              </a:r>
+              <a:br>
+                <a:rPr kumimoji="0" lang="zh-TW" altLang="zh-TW" sz="1200" b="0" i="0" u="none" strike="noStrike" cap="none" normalizeH="0" baseline="0">
+                  <a:ln>
+                    <a:noFill/>
+                  </a:ln>
+                  <a:solidFill>
+                    <a:srgbClr val="BCBEC4"/>
+                  </a:solidFill>
+                  <a:effectLst/>
+                  <a:latin typeface="+mj-lt"/>
+                  <a:cs typeface="JetBrains Mono" panose="02000009000000000000" pitchFamily="49" charset="0"/>
+                </a:rPr>
+              </a:br>
+              <a:r>
+                <a:rPr kumimoji="0" lang="zh-TW" altLang="zh-TW" sz="1200" b="0" i="0" u="none" strike="noStrike" cap="none" normalizeH="0" baseline="0">
+                  <a:ln>
+                    <a:noFill/>
+                  </a:ln>
+                  <a:solidFill>
+                    <a:srgbClr val="BCBEC4"/>
+                  </a:solidFill>
+                  <a:effectLst/>
+                  <a:latin typeface="+mj-lt"/>
+                  <a:cs typeface="JetBrains Mono" panose="02000009000000000000" pitchFamily="49" charset="0"/>
+                </a:rPr>
+                <a:t>       </a:t>
+              </a:r>
+              <a:r>
+                <a:rPr kumimoji="0" lang="zh-TW" altLang="zh-TW" sz="1200" b="0" i="0" u="none" strike="noStrike" cap="none" normalizeH="0" baseline="0">
+                  <a:ln>
+                    <a:noFill/>
+                  </a:ln>
+                  <a:solidFill>
+                    <a:srgbClr val="7A7E85"/>
+                  </a:solidFill>
+                  <a:effectLst/>
+                  <a:latin typeface="+mj-lt"/>
+                  <a:cs typeface="JetBrains Mono" panose="02000009000000000000" pitchFamily="49" charset="0"/>
+                </a:rPr>
+                <a:t>// This entrypoint is suitable for setting up client-specific logic, such as rendering.</a:t>
+              </a:r>
+              <a:br>
+                <a:rPr kumimoji="0" lang="zh-TW" altLang="zh-TW" sz="1200" b="0" i="0" u="none" strike="noStrike" cap="none" normalizeH="0" baseline="0">
+                  <a:ln>
+                    <a:noFill/>
+                  </a:ln>
+                  <a:solidFill>
+                    <a:srgbClr val="7A7E85"/>
+                  </a:solidFill>
+                  <a:effectLst/>
+                  <a:latin typeface="+mj-lt"/>
+                  <a:cs typeface="JetBrains Mono" panose="02000009000000000000" pitchFamily="49" charset="0"/>
+                </a:rPr>
+              </a:br>
+              <a:r>
+                <a:rPr kumimoji="0" lang="zh-TW" altLang="zh-TW" sz="1200" b="0" i="0" u="none" strike="noStrike" cap="none" normalizeH="0" baseline="0">
+                  <a:ln>
+                    <a:noFill/>
+                  </a:ln>
+                  <a:solidFill>
+                    <a:srgbClr val="7A7E85"/>
+                  </a:solidFill>
+                  <a:effectLst/>
+                  <a:latin typeface="+mj-lt"/>
+                  <a:cs typeface="JetBrains Mono" panose="02000009000000000000" pitchFamily="49" charset="0"/>
+                </a:rPr>
+                <a:t>    </a:t>
+              </a:r>
+              <a:r>
+                <a:rPr kumimoji="0" lang="zh-TW" altLang="zh-TW" sz="1200" b="0" i="0" u="none" strike="noStrike" cap="none" normalizeH="0" baseline="0">
+                  <a:ln>
+                    <a:noFill/>
+                  </a:ln>
+                  <a:solidFill>
+                    <a:srgbClr val="BCBEC4"/>
+                  </a:solidFill>
+                  <a:effectLst/>
+                  <a:latin typeface="+mj-lt"/>
+                  <a:cs typeface="JetBrains Mono" panose="02000009000000000000" pitchFamily="49" charset="0"/>
+                </a:rPr>
+                <a:t>}</a:t>
+              </a:r>
+              <a:br>
+                <a:rPr kumimoji="0" lang="zh-TW" altLang="zh-TW" sz="1200" b="0" i="0" u="none" strike="noStrike" cap="none" normalizeH="0" baseline="0">
+                  <a:ln>
+                    <a:noFill/>
+                  </a:ln>
+                  <a:solidFill>
+                    <a:srgbClr val="BCBEC4"/>
+                  </a:solidFill>
+                  <a:effectLst/>
+                  <a:latin typeface="+mj-lt"/>
+                  <a:cs typeface="JetBrains Mono" panose="02000009000000000000" pitchFamily="49" charset="0"/>
+                </a:rPr>
+              </a:br>
+              <a:r>
+                <a:rPr kumimoji="0" lang="zh-TW" altLang="zh-TW" sz="1200" b="0" i="0" u="none" strike="noStrike" cap="none" normalizeH="0" baseline="0">
+                  <a:ln>
+                    <a:noFill/>
+                  </a:ln>
+                  <a:solidFill>
+                    <a:srgbClr val="BCBEC4"/>
+                  </a:solidFill>
+                  <a:effectLst/>
+                  <a:latin typeface="+mj-lt"/>
+                  <a:cs typeface="JetBrains Mono" panose="02000009000000000000" pitchFamily="49" charset="0"/>
+                </a:rPr>
+                <a:t>}</a:t>
+              </a:r>
+              <a:endParaRPr kumimoji="0" lang="zh-TW" altLang="zh-TW" sz="1400" b="0" i="0" u="none" strike="noStrike" cap="none" normalizeH="0" baseline="0">
+                <a:ln>
+                  <a:noFill/>
+                </a:ln>
+                <a:solidFill>
+                  <a:schemeClr val="tx1"/>
+                </a:solidFill>
+                <a:effectLst/>
+                <a:latin typeface="+mj-lt"/>
+              </a:endParaRPr>
+            </a:p>
+          </p:txBody>
+        </p:sp>
+        <p:sp>
+          <p:nvSpPr>
+            <p:cNvPr id="11" name="文字方塊 10">
+              <a:extLst>
+                <a:ext uri="{FF2B5EF4-FFF2-40B4-BE49-F238E27FC236}">
+                  <a16:creationId xmlns:a16="http://schemas.microsoft.com/office/drawing/2014/main" id="{3492FBAB-657A-4798-B771-97BED31C37E9}"/>
+                </a:ext>
+              </a:extLst>
+            </p:cNvPr>
+            <p:cNvSpPr txBox="1"/>
+            <p:nvPr/>
+          </p:nvSpPr>
+          <p:spPr>
+            <a:xfrm>
+              <a:off x="13116361" y="6368408"/>
+              <a:ext cx="582211" cy="307777"/>
+            </a:xfrm>
+            <a:prstGeom prst="rect">
+              <a:avLst/>
+            </a:prstGeom>
+            <a:noFill/>
+          </p:spPr>
+          <p:txBody>
+            <a:bodyPr wrap="none" rtlCol="0">
+              <a:spAutoFit/>
+            </a:bodyPr>
+            <a:lstStyle/>
+            <a:p>
+              <a:r>
+                <a:rPr lang="en-US" altLang="zh-TW" sz="1400">
+                  <a:solidFill>
+                    <a:schemeClr val="accent3"/>
+                  </a:solidFill>
+                </a:rPr>
+                <a:t>java</a:t>
+              </a:r>
+              <a:endParaRPr lang="zh-TW" altLang="en-US" sz="1400">
+                <a:solidFill>
+                  <a:schemeClr val="accent3"/>
+                </a:solidFill>
+              </a:endParaRPr>
+            </a:p>
+          </p:txBody>
+        </p:sp>
+      </p:grpSp>
       <p:grpSp>
         <p:nvGrpSpPr>
           <p:cNvPr id="12" name="群組 11">
@@ -20438,7 +20970,7 @@
         </p:nvGrpSpPr>
         <p:grpSpPr>
           <a:xfrm>
-            <a:off x="4542320" y="86881"/>
+            <a:off x="4542320" y="338134"/>
             <a:ext cx="6811480" cy="4524315"/>
             <a:chOff x="4542320" y="222677"/>
             <a:chExt cx="6811480" cy="4524315"/>
@@ -21528,538 +22060,6 @@
           <p:spPr>
             <a:xfrm>
               <a:off x="10771589" y="4439215"/>
-              <a:ext cx="582211" cy="307777"/>
-            </a:xfrm>
-            <a:prstGeom prst="rect">
-              <a:avLst/>
-            </a:prstGeom>
-            <a:noFill/>
-          </p:spPr>
-          <p:txBody>
-            <a:bodyPr wrap="none" rtlCol="0">
-              <a:spAutoFit/>
-            </a:bodyPr>
-            <a:lstStyle/>
-            <a:p>
-              <a:r>
-                <a:rPr lang="en-US" altLang="zh-TW" sz="1400">
-                  <a:solidFill>
-                    <a:schemeClr val="accent3"/>
-                  </a:solidFill>
-                </a:rPr>
-                <a:t>java</a:t>
-              </a:r>
-              <a:endParaRPr lang="zh-TW" altLang="en-US" sz="1400">
-                <a:solidFill>
-                  <a:schemeClr val="accent3"/>
-                </a:solidFill>
-              </a:endParaRPr>
-            </a:p>
-          </p:txBody>
-        </p:sp>
-      </p:grpSp>
-      <p:grpSp>
-        <p:nvGrpSpPr>
-          <p:cNvPr id="13" name="群組 12">
-            <a:extLst>
-              <a:ext uri="{FF2B5EF4-FFF2-40B4-BE49-F238E27FC236}">
-                <a16:creationId xmlns:a16="http://schemas.microsoft.com/office/drawing/2014/main" id="{6A202B3C-772D-440E-B91E-DDE82D95959A}"/>
-              </a:ext>
-            </a:extLst>
-          </p:cNvPr>
-          <p:cNvGrpSpPr/>
-          <p:nvPr/>
-        </p:nvGrpSpPr>
-        <p:grpSpPr>
-          <a:xfrm>
-            <a:off x="838200" y="4601397"/>
-            <a:ext cx="10515600" cy="1938992"/>
-            <a:chOff x="3182973" y="4737193"/>
-            <a:chExt cx="10515600" cy="1938992"/>
-          </a:xfrm>
-        </p:grpSpPr>
-        <p:sp>
-          <p:nvSpPr>
-            <p:cNvPr id="5" name="Rectangle 1">
-              <a:extLst>
-                <a:ext uri="{FF2B5EF4-FFF2-40B4-BE49-F238E27FC236}">
-                  <a16:creationId xmlns:a16="http://schemas.microsoft.com/office/drawing/2014/main" id="{0F5343AA-0275-4A8C-8CE8-DA1604B479EE}"/>
-                </a:ext>
-              </a:extLst>
-            </p:cNvPr>
-            <p:cNvSpPr>
-              <a:spLocks noChangeArrowheads="1"/>
-            </p:cNvSpPr>
-            <p:nvPr/>
-          </p:nvSpPr>
-          <p:spPr bwMode="auto">
-            <a:xfrm>
-              <a:off x="3182973" y="4737193"/>
-              <a:ext cx="10515600" cy="1938992"/>
-            </a:xfrm>
-            <a:prstGeom prst="rect">
-              <a:avLst/>
-            </a:prstGeom>
-            <a:solidFill>
-              <a:srgbClr val="1E1F22"/>
-            </a:solidFill>
-            <a:ln w="9525">
-              <a:solidFill>
-                <a:schemeClr val="tx1"/>
-              </a:solidFill>
-              <a:miter lim="800000"/>
-              <a:headEnd/>
-              <a:tailEnd/>
-            </a:ln>
-            <a:effectLst/>
-            <a:extLst>
-              <a:ext uri="{AF507438-7753-43E0-B8FC-AC1667EBCBE1}">
-                <a14:hiddenEffects xmlns:a14="http://schemas.microsoft.com/office/drawing/2010/main">
-                  <a:effectLst>
-                    <a:outerShdw dist="35921" dir="2700000" algn="ctr" rotWithShape="0">
-                      <a:schemeClr val="bg2"/>
-                    </a:outerShdw>
-                  </a:effectLst>
-                </a14:hiddenEffects>
-              </a:ext>
-            </a:extLst>
-          </p:spPr>
-          <p:txBody>
-            <a:bodyPr vert="horz" wrap="square" lIns="91440" tIns="45720" rIns="91440" bIns="45720" numCol="1" anchor="ctr" anchorCtr="0" compatLnSpc="1">
-              <a:prstTxWarp prst="textNoShape">
-                <a:avLst/>
-              </a:prstTxWarp>
-              <a:spAutoFit/>
-            </a:bodyPr>
-            <a:lstStyle/>
-            <a:p>
-              <a:pPr marL="0" marR="0" lvl="0" indent="0" algn="l" defTabSz="914400" rtl="0" eaLnBrk="0" fontAlgn="base" latinLnBrk="0" hangingPunct="0">
-                <a:lnSpc>
-                  <a:spcPct val="100000"/>
-                </a:lnSpc>
-                <a:spcBef>
-                  <a:spcPct val="0"/>
-                </a:spcBef>
-                <a:spcAft>
-                  <a:spcPct val="0"/>
-                </a:spcAft>
-                <a:buClrTx/>
-                <a:buSzTx/>
-                <a:buFontTx/>
-                <a:buNone/>
-                <a:tabLst/>
-              </a:pPr>
-              <a:r>
-                <a:rPr kumimoji="0" lang="zh-TW" altLang="zh-TW" sz="1200" b="0" i="0" u="none" strike="noStrike" cap="none" normalizeH="0" baseline="0">
-                  <a:ln>
-                    <a:noFill/>
-                  </a:ln>
-                  <a:solidFill>
-                    <a:srgbClr val="CF8E6D"/>
-                  </a:solidFill>
-                  <a:effectLst/>
-                  <a:latin typeface="+mj-lt"/>
-                  <a:cs typeface="JetBrains Mono" panose="02000009000000000000" pitchFamily="49" charset="0"/>
-                </a:rPr>
-                <a:t>package </a:t>
-              </a:r>
-              <a:r>
-                <a:rPr kumimoji="0" lang="zh-TW" altLang="zh-TW" sz="1200" b="0" i="0" u="none" strike="noStrike" cap="none" normalizeH="0" baseline="0">
-                  <a:ln>
-                    <a:noFill/>
-                  </a:ln>
-                  <a:solidFill>
-                    <a:srgbClr val="BCBEC4"/>
-                  </a:solidFill>
-                  <a:effectLst/>
-                  <a:latin typeface="+mj-lt"/>
-                  <a:cs typeface="JetBrains Mono" panose="02000009000000000000" pitchFamily="49" charset="0"/>
-                </a:rPr>
-                <a:t>org.tyic;</a:t>
-              </a:r>
-              <a:br>
-                <a:rPr kumimoji="0" lang="zh-TW" altLang="zh-TW" sz="1200" b="0" i="0" u="none" strike="noStrike" cap="none" normalizeH="0" baseline="0">
-                  <a:ln>
-                    <a:noFill/>
-                  </a:ln>
-                  <a:solidFill>
-                    <a:srgbClr val="BCBEC4"/>
-                  </a:solidFill>
-                  <a:effectLst/>
-                  <a:latin typeface="+mj-lt"/>
-                  <a:cs typeface="JetBrains Mono" panose="02000009000000000000" pitchFamily="49" charset="0"/>
-                </a:rPr>
-              </a:br>
-              <a:br>
-                <a:rPr kumimoji="0" lang="zh-TW" altLang="zh-TW" sz="1200" b="0" i="0" u="none" strike="noStrike" cap="none" normalizeH="0" baseline="0">
-                  <a:ln>
-                    <a:noFill/>
-                  </a:ln>
-                  <a:solidFill>
-                    <a:srgbClr val="BCBEC4"/>
-                  </a:solidFill>
-                  <a:effectLst/>
-                  <a:latin typeface="+mj-lt"/>
-                  <a:cs typeface="JetBrains Mono" panose="02000009000000000000" pitchFamily="49" charset="0"/>
-                </a:rPr>
-              </a:br>
-              <a:r>
-                <a:rPr kumimoji="0" lang="zh-TW" altLang="zh-TW" sz="1200" b="0" i="0" u="none" strike="noStrike" cap="none" normalizeH="0" baseline="0">
-                  <a:ln>
-                    <a:noFill/>
-                  </a:ln>
-                  <a:solidFill>
-                    <a:srgbClr val="CF8E6D"/>
-                  </a:solidFill>
-                  <a:effectLst/>
-                  <a:latin typeface="+mj-lt"/>
-                  <a:cs typeface="JetBrains Mono" panose="02000009000000000000" pitchFamily="49" charset="0"/>
-                </a:rPr>
-                <a:t>import </a:t>
-              </a:r>
-              <a:r>
-                <a:rPr kumimoji="0" lang="zh-TW" altLang="zh-TW" sz="1200" b="0" i="0" u="none" strike="noStrike" cap="none" normalizeH="0" baseline="0">
-                  <a:ln>
-                    <a:noFill/>
-                  </a:ln>
-                  <a:solidFill>
-                    <a:srgbClr val="BCBEC4"/>
-                  </a:solidFill>
-                  <a:effectLst/>
-                  <a:latin typeface="+mj-lt"/>
-                  <a:cs typeface="JetBrains Mono" panose="02000009000000000000" pitchFamily="49" charset="0"/>
-                </a:rPr>
-                <a:t>net.fabricmc.api.ClientModInitializer;</a:t>
-              </a:r>
-              <a:br>
-                <a:rPr kumimoji="0" lang="zh-TW" altLang="zh-TW" sz="1200" b="0" i="0" u="none" strike="noStrike" cap="none" normalizeH="0" baseline="0">
-                  <a:ln>
-                    <a:noFill/>
-                  </a:ln>
-                  <a:solidFill>
-                    <a:srgbClr val="BCBEC4"/>
-                  </a:solidFill>
-                  <a:effectLst/>
-                  <a:latin typeface="+mj-lt"/>
-                  <a:cs typeface="JetBrains Mono" panose="02000009000000000000" pitchFamily="49" charset="0"/>
-                </a:rPr>
-              </a:br>
-              <a:br>
-                <a:rPr kumimoji="0" lang="zh-TW" altLang="zh-TW" sz="1200" b="0" i="0" u="none" strike="noStrike" cap="none" normalizeH="0" baseline="0">
-                  <a:ln>
-                    <a:noFill/>
-                  </a:ln>
-                  <a:solidFill>
-                    <a:srgbClr val="BCBEC4"/>
-                  </a:solidFill>
-                  <a:effectLst/>
-                  <a:latin typeface="+mj-lt"/>
-                  <a:cs typeface="JetBrains Mono" panose="02000009000000000000" pitchFamily="49" charset="0"/>
-                </a:rPr>
-              </a:br>
-              <a:r>
-                <a:rPr kumimoji="0" lang="zh-TW" altLang="zh-TW" sz="1200" b="0" i="0" u="none" strike="noStrike" cap="none" normalizeH="0" baseline="0">
-                  <a:ln>
-                    <a:noFill/>
-                  </a:ln>
-                  <a:solidFill>
-                    <a:srgbClr val="CF8E6D"/>
-                  </a:solidFill>
-                  <a:effectLst/>
-                  <a:latin typeface="+mj-lt"/>
-                  <a:cs typeface="JetBrains Mono" panose="02000009000000000000" pitchFamily="49" charset="0"/>
-                </a:rPr>
-                <a:t>public class </a:t>
-              </a:r>
-              <a:r>
-                <a:rPr kumimoji="0" lang="zh-TW" altLang="zh-TW" sz="1200" b="0" i="0" u="none" strike="noStrike" cap="none" normalizeH="0" baseline="0">
-                  <a:ln>
-                    <a:noFill/>
-                  </a:ln>
-                  <a:solidFill>
-                    <a:srgbClr val="BCBEC4"/>
-                  </a:solidFill>
-                  <a:effectLst/>
-                  <a:latin typeface="+mj-lt"/>
-                  <a:cs typeface="JetBrains Mono" panose="02000009000000000000" pitchFamily="49" charset="0"/>
-                </a:rPr>
-                <a:t>TyicModClient </a:t>
-              </a:r>
-              <a:r>
-                <a:rPr kumimoji="0" lang="zh-TW" altLang="zh-TW" sz="1200" b="0" i="0" u="none" strike="noStrike" cap="none" normalizeH="0" baseline="0">
-                  <a:ln>
-                    <a:noFill/>
-                  </a:ln>
-                  <a:solidFill>
-                    <a:srgbClr val="CF8E6D"/>
-                  </a:solidFill>
-                  <a:effectLst/>
-                  <a:latin typeface="+mj-lt"/>
-                  <a:cs typeface="JetBrains Mono" panose="02000009000000000000" pitchFamily="49" charset="0"/>
-                </a:rPr>
-                <a:t>implements </a:t>
-              </a:r>
-              <a:r>
-                <a:rPr kumimoji="0" lang="zh-TW" altLang="zh-TW" sz="1200" b="0" i="0" u="none" strike="noStrike" cap="none" normalizeH="0" baseline="0">
-                  <a:ln>
-                    <a:noFill/>
-                  </a:ln>
-                  <a:solidFill>
-                    <a:srgbClr val="BCBEC4"/>
-                  </a:solidFill>
-                  <a:effectLst/>
-                  <a:latin typeface="+mj-lt"/>
-                  <a:cs typeface="JetBrains Mono" panose="02000009000000000000" pitchFamily="49" charset="0"/>
-                </a:rPr>
-                <a:t>ClientModInitializer {</a:t>
-              </a:r>
-              <a:br>
-                <a:rPr kumimoji="0" lang="zh-TW" altLang="zh-TW" sz="1200" b="0" i="0" u="none" strike="noStrike" cap="none" normalizeH="0" baseline="0">
-                  <a:ln>
-                    <a:noFill/>
-                  </a:ln>
-                  <a:solidFill>
-                    <a:srgbClr val="BCBEC4"/>
-                  </a:solidFill>
-                  <a:effectLst/>
-                  <a:latin typeface="+mj-lt"/>
-                  <a:cs typeface="JetBrains Mono" panose="02000009000000000000" pitchFamily="49" charset="0"/>
-                </a:rPr>
-              </a:br>
-              <a:r>
-                <a:rPr kumimoji="0" lang="zh-TW" altLang="zh-TW" sz="1200" b="0" i="0" u="none" strike="noStrike" cap="none" normalizeH="0" baseline="0">
-                  <a:ln>
-                    <a:noFill/>
-                  </a:ln>
-                  <a:solidFill>
-                    <a:srgbClr val="BCBEC4"/>
-                  </a:solidFill>
-                  <a:effectLst/>
-                  <a:latin typeface="+mj-lt"/>
-                  <a:cs typeface="JetBrains Mono" panose="02000009000000000000" pitchFamily="49" charset="0"/>
-                </a:rPr>
-                <a:t>    </a:t>
-              </a:r>
-              <a:r>
-                <a:rPr kumimoji="0" lang="zh-TW" altLang="zh-TW" sz="1200" b="0" i="0" u="none" strike="noStrike" cap="none" normalizeH="0" baseline="0">
-                  <a:ln>
-                    <a:noFill/>
-                  </a:ln>
-                  <a:solidFill>
-                    <a:srgbClr val="B3AE60"/>
-                  </a:solidFill>
-                  <a:effectLst/>
-                  <a:latin typeface="+mj-lt"/>
-                  <a:cs typeface="JetBrains Mono" panose="02000009000000000000" pitchFamily="49" charset="0"/>
-                </a:rPr>
-                <a:t>@Override</a:t>
-              </a:r>
-              <a:br>
-                <a:rPr kumimoji="0" lang="zh-TW" altLang="zh-TW" sz="1200" b="0" i="0" u="none" strike="noStrike" cap="none" normalizeH="0" baseline="0">
-                  <a:ln>
-                    <a:noFill/>
-                  </a:ln>
-                  <a:solidFill>
-                    <a:srgbClr val="B3AE60"/>
-                  </a:solidFill>
-                  <a:effectLst/>
-                  <a:latin typeface="+mj-lt"/>
-                  <a:cs typeface="JetBrains Mono" panose="02000009000000000000" pitchFamily="49" charset="0"/>
-                </a:rPr>
-              </a:br>
-              <a:r>
-                <a:rPr kumimoji="0" lang="zh-TW" altLang="zh-TW" sz="1200" b="0" i="0" u="none" strike="noStrike" cap="none" normalizeH="0" baseline="0">
-                  <a:ln>
-                    <a:noFill/>
-                  </a:ln>
-                  <a:solidFill>
-                    <a:srgbClr val="B3AE60"/>
-                  </a:solidFill>
-                  <a:effectLst/>
-                  <a:latin typeface="+mj-lt"/>
-                  <a:cs typeface="JetBrains Mono" panose="02000009000000000000" pitchFamily="49" charset="0"/>
-                </a:rPr>
-                <a:t>    </a:t>
-              </a:r>
-              <a:r>
-                <a:rPr kumimoji="0" lang="zh-TW" altLang="zh-TW" sz="1200" b="0" i="0" u="none" strike="noStrike" cap="none" normalizeH="0" baseline="0">
-                  <a:ln>
-                    <a:noFill/>
-                  </a:ln>
-                  <a:solidFill>
-                    <a:srgbClr val="CF8E6D"/>
-                  </a:solidFill>
-                  <a:effectLst/>
-                  <a:latin typeface="+mj-lt"/>
-                  <a:cs typeface="JetBrains Mono" panose="02000009000000000000" pitchFamily="49" charset="0"/>
-                </a:rPr>
-                <a:t>public void </a:t>
-              </a:r>
-              <a:r>
-                <a:rPr kumimoji="0" lang="zh-TW" altLang="zh-TW" sz="1200" b="0" i="0" u="none" strike="noStrike" cap="none" normalizeH="0" baseline="0">
-                  <a:ln>
-                    <a:noFill/>
-                  </a:ln>
-                  <a:solidFill>
-                    <a:srgbClr val="56A8F5"/>
-                  </a:solidFill>
-                  <a:effectLst/>
-                  <a:latin typeface="+mj-lt"/>
-                  <a:cs typeface="JetBrains Mono" panose="02000009000000000000" pitchFamily="49" charset="0"/>
-                </a:rPr>
-                <a:t>onInitializeClient</a:t>
-              </a:r>
-              <a:r>
-                <a:rPr kumimoji="0" lang="zh-TW" altLang="zh-TW" sz="1200" b="0" i="0" u="none" strike="noStrike" cap="none" normalizeH="0" baseline="0">
-                  <a:ln>
-                    <a:noFill/>
-                  </a:ln>
-                  <a:solidFill>
-                    <a:srgbClr val="BCBEC4"/>
-                  </a:solidFill>
-                  <a:effectLst/>
-                  <a:latin typeface="+mj-lt"/>
-                  <a:cs typeface="JetBrains Mono" panose="02000009000000000000" pitchFamily="49" charset="0"/>
-                </a:rPr>
-                <a:t>() {</a:t>
-              </a:r>
-              <a:br>
-                <a:rPr kumimoji="0" lang="zh-TW" altLang="zh-TW" sz="1200" b="0" i="0" u="none" strike="noStrike" cap="none" normalizeH="0" baseline="0">
-                  <a:ln>
-                    <a:noFill/>
-                  </a:ln>
-                  <a:solidFill>
-                    <a:srgbClr val="BCBEC4"/>
-                  </a:solidFill>
-                  <a:effectLst/>
-                  <a:latin typeface="+mj-lt"/>
-                  <a:cs typeface="JetBrains Mono" panose="02000009000000000000" pitchFamily="49" charset="0"/>
-                </a:rPr>
-              </a:br>
-              <a:r>
-                <a:rPr kumimoji="0" lang="zh-TW" altLang="zh-TW" sz="1200" b="0" i="0" u="none" strike="noStrike" cap="none" normalizeH="0" baseline="0">
-                  <a:ln>
-                    <a:noFill/>
-                  </a:ln>
-                  <a:solidFill>
-                    <a:srgbClr val="BCBEC4"/>
-                  </a:solidFill>
-                  <a:effectLst/>
-                  <a:latin typeface="+mj-lt"/>
-                  <a:cs typeface="JetBrains Mono" panose="02000009000000000000" pitchFamily="49" charset="0"/>
-                </a:rPr>
-                <a:t>       </a:t>
-              </a:r>
-              <a:r>
-                <a:rPr kumimoji="0" lang="zh-TW" altLang="zh-TW" sz="1200" b="0" i="0" u="none" strike="noStrike" cap="none" normalizeH="0" baseline="0">
-                  <a:ln>
-                    <a:noFill/>
-                  </a:ln>
-                  <a:solidFill>
-                    <a:srgbClr val="7A7E85"/>
-                  </a:solidFill>
-                  <a:effectLst/>
-                  <a:latin typeface="+mj-lt"/>
-                  <a:cs typeface="JetBrains Mono" panose="02000009000000000000" pitchFamily="49" charset="0"/>
-                </a:rPr>
-                <a:t>// This entrypoint is suitable for setting up client-specific logic, such as rendering.</a:t>
-              </a:r>
-              <a:br>
-                <a:rPr kumimoji="0" lang="zh-TW" altLang="zh-TW" sz="1200" b="0" i="0" u="none" strike="noStrike" cap="none" normalizeH="0" baseline="0">
-                  <a:ln>
-                    <a:noFill/>
-                  </a:ln>
-                  <a:solidFill>
-                    <a:srgbClr val="7A7E85"/>
-                  </a:solidFill>
-                  <a:effectLst/>
-                  <a:latin typeface="+mj-lt"/>
-                  <a:cs typeface="JetBrains Mono" panose="02000009000000000000" pitchFamily="49" charset="0"/>
-                </a:rPr>
-              </a:br>
-              <a:r>
-                <a:rPr kumimoji="0" lang="zh-TW" altLang="zh-TW" sz="1200" b="0" i="0" u="none" strike="noStrike" cap="none" normalizeH="0" baseline="0">
-                  <a:ln>
-                    <a:noFill/>
-                  </a:ln>
-                  <a:solidFill>
-                    <a:srgbClr val="7A7E85"/>
-                  </a:solidFill>
-                  <a:effectLst/>
-                  <a:latin typeface="+mj-lt"/>
-                  <a:cs typeface="JetBrains Mono" panose="02000009000000000000" pitchFamily="49" charset="0"/>
-                </a:rPr>
-                <a:t>    </a:t>
-              </a:r>
-              <a:r>
-                <a:rPr kumimoji="0" lang="zh-TW" altLang="zh-TW" sz="1200" b="0" i="0" u="none" strike="noStrike" cap="none" normalizeH="0" baseline="0">
-                  <a:ln>
-                    <a:noFill/>
-                  </a:ln>
-                  <a:solidFill>
-                    <a:srgbClr val="BCBEC4"/>
-                  </a:solidFill>
-                  <a:effectLst/>
-                  <a:latin typeface="+mj-lt"/>
-                  <a:cs typeface="JetBrains Mono" panose="02000009000000000000" pitchFamily="49" charset="0"/>
-                </a:rPr>
-                <a:t>}</a:t>
-              </a:r>
-              <a:br>
-                <a:rPr kumimoji="0" lang="zh-TW" altLang="zh-TW" sz="1200" b="0" i="0" u="none" strike="noStrike" cap="none" normalizeH="0" baseline="0">
-                  <a:ln>
-                    <a:noFill/>
-                  </a:ln>
-                  <a:solidFill>
-                    <a:srgbClr val="BCBEC4"/>
-                  </a:solidFill>
-                  <a:effectLst/>
-                  <a:latin typeface="+mj-lt"/>
-                  <a:cs typeface="JetBrains Mono" panose="02000009000000000000" pitchFamily="49" charset="0"/>
-                </a:rPr>
-              </a:br>
-              <a:r>
-                <a:rPr kumimoji="0" lang="zh-TW" altLang="zh-TW" sz="1200" b="0" i="0" u="none" strike="noStrike" cap="none" normalizeH="0" baseline="0">
-                  <a:ln>
-                    <a:noFill/>
-                  </a:ln>
-                  <a:solidFill>
-                    <a:srgbClr val="BCBEC4"/>
-                  </a:solidFill>
-                  <a:effectLst/>
-                  <a:latin typeface="+mj-lt"/>
-                  <a:cs typeface="JetBrains Mono" panose="02000009000000000000" pitchFamily="49" charset="0"/>
-                </a:rPr>
-                <a:t>}</a:t>
-              </a:r>
-              <a:endParaRPr kumimoji="0" lang="zh-TW" altLang="zh-TW" sz="1400" b="0" i="0" u="none" strike="noStrike" cap="none" normalizeH="0" baseline="0">
-                <a:ln>
-                  <a:noFill/>
-                </a:ln>
-                <a:solidFill>
-                  <a:schemeClr val="tx1"/>
-                </a:solidFill>
-                <a:effectLst/>
-                <a:latin typeface="+mj-lt"/>
-              </a:endParaRPr>
-            </a:p>
-          </p:txBody>
-        </p:sp>
-        <p:sp>
-          <p:nvSpPr>
-            <p:cNvPr id="11" name="文字方塊 10">
-              <a:extLst>
-                <a:ext uri="{FF2B5EF4-FFF2-40B4-BE49-F238E27FC236}">
-                  <a16:creationId xmlns:a16="http://schemas.microsoft.com/office/drawing/2014/main" id="{3492FBAB-657A-4798-B771-97BED31C37E9}"/>
-                </a:ext>
-              </a:extLst>
-            </p:cNvPr>
-            <p:cNvSpPr txBox="1"/>
-            <p:nvPr/>
-          </p:nvSpPr>
-          <p:spPr>
-            <a:xfrm>
-              <a:off x="13116361" y="6368408"/>
               <a:ext cx="582211" cy="307777"/>
             </a:xfrm>
             <a:prstGeom prst="rect">

--- a/ppt/50_Java 專案：前置作業.pptx
+++ b/ppt/50_Java 專案：前置作業.pptx
@@ -241,7 +241,7 @@
           <a:p>
             <a:fld id="{C27144CB-533C-4CD2-9ED3-63FEE8E9FA13}" type="datetimeFigureOut">
               <a:rPr lang="zh-TW" altLang="en-US" smtClean="0"/>
-              <a:t>2025/2/22</a:t>
+              <a:t>2025/2/24</a:t>
             </a:fld>
             <a:endParaRPr lang="zh-TW" altLang="en-US"/>
           </a:p>
@@ -16565,42 +16565,118 @@
           </a:p>
         </p:txBody>
       </p:sp>
-      <p:pic>
-        <p:nvPicPr>
-          <p:cNvPr id="5" name="圖片 4">
+      <p:grpSp>
+        <p:nvGrpSpPr>
+          <p:cNvPr id="4" name="群組 3">
             <a:extLst>
               <a:ext uri="{FF2B5EF4-FFF2-40B4-BE49-F238E27FC236}">
-                <a16:creationId xmlns:a16="http://schemas.microsoft.com/office/drawing/2014/main" id="{509DF9CD-3AA0-480B-91C4-5B074847795B}"/>
+                <a16:creationId xmlns:a16="http://schemas.microsoft.com/office/drawing/2014/main" id="{175F86F3-63EA-4162-90CD-26BE825B1DFA}"/>
               </a:ext>
             </a:extLst>
           </p:cNvPr>
-          <p:cNvPicPr>
-            <a:picLocks noChangeAspect="1"/>
-          </p:cNvPicPr>
+          <p:cNvGrpSpPr/>
           <p:nvPr/>
-        </p:nvPicPr>
-        <p:blipFill>
-          <a:blip r:embed="rId2">
-            <a:extLst>
-              <a:ext uri="{28A0092B-C50C-407E-A947-70E740481C1C}">
-                <a14:useLocalDpi xmlns:a14="http://schemas.microsoft.com/office/drawing/2010/main"/>
-              </a:ext>
-            </a:extLst>
-          </a:blip>
-          <a:stretch>
-            <a:fillRect/>
-          </a:stretch>
-        </p:blipFill>
-        <p:spPr>
+        </p:nvGrpSpPr>
+        <p:grpSpPr>
           <a:xfrm>
             <a:off x="8753474" y="3209923"/>
             <a:ext cx="2600326" cy="2600326"/>
+            <a:chOff x="8753474" y="3209923"/>
+            <a:chExt cx="2600326" cy="2600326"/>
           </a:xfrm>
-          <a:prstGeom prst="rect">
-            <a:avLst/>
-          </a:prstGeom>
-        </p:spPr>
-      </p:pic>
+        </p:grpSpPr>
+        <p:pic>
+          <p:nvPicPr>
+            <p:cNvPr id="5" name="圖片 4">
+              <a:extLst>
+                <a:ext uri="{FF2B5EF4-FFF2-40B4-BE49-F238E27FC236}">
+                  <a16:creationId xmlns:a16="http://schemas.microsoft.com/office/drawing/2014/main" id="{509DF9CD-3AA0-480B-91C4-5B074847795B}"/>
+                </a:ext>
+              </a:extLst>
+            </p:cNvPr>
+            <p:cNvPicPr>
+              <a:picLocks noChangeAspect="1"/>
+            </p:cNvPicPr>
+            <p:nvPr/>
+          </p:nvPicPr>
+          <p:blipFill>
+            <a:blip r:embed="rId2">
+              <a:extLst>
+                <a:ext uri="{28A0092B-C50C-407E-A947-70E740481C1C}">
+                  <a14:useLocalDpi xmlns:a14="http://schemas.microsoft.com/office/drawing/2010/main"/>
+                </a:ext>
+              </a:extLst>
+            </a:blip>
+            <a:stretch>
+              <a:fillRect/>
+            </a:stretch>
+          </p:blipFill>
+          <p:spPr>
+            <a:xfrm>
+              <a:off x="8753474" y="3209923"/>
+              <a:ext cx="2600326" cy="2600326"/>
+            </a:xfrm>
+            <a:prstGeom prst="rect">
+              <a:avLst/>
+            </a:prstGeom>
+            <a:ln>
+              <a:solidFill>
+                <a:schemeClr val="accent1"/>
+              </a:solidFill>
+            </a:ln>
+          </p:spPr>
+        </p:pic>
+        <p:sp>
+          <p:nvSpPr>
+            <p:cNvPr id="6" name="文字方塊 5">
+              <a:extLst>
+                <a:ext uri="{FF2B5EF4-FFF2-40B4-BE49-F238E27FC236}">
+                  <a16:creationId xmlns:a16="http://schemas.microsoft.com/office/drawing/2014/main" id="{F32BF91D-AEAA-421A-B2AA-75D8DBA6D156}"/>
+                </a:ext>
+              </a:extLst>
+            </p:cNvPr>
+            <p:cNvSpPr txBox="1"/>
+            <p:nvPr/>
+          </p:nvSpPr>
+          <p:spPr>
+            <a:xfrm>
+              <a:off x="10579229" y="5556333"/>
+              <a:ext cx="774571" cy="253916"/>
+            </a:xfrm>
+            <a:prstGeom prst="rect">
+              <a:avLst/>
+            </a:prstGeom>
+            <a:noFill/>
+            <a:ln>
+              <a:solidFill>
+                <a:schemeClr val="accent1"/>
+              </a:solidFill>
+            </a:ln>
+          </p:spPr>
+          <p:txBody>
+            <a:bodyPr wrap="none" rtlCol="0">
+              <a:spAutoFit/>
+            </a:bodyPr>
+            <a:lstStyle/>
+            <a:p>
+              <a:pPr algn="r"/>
+              <a:r>
+                <a:rPr lang="en-US" altLang="zh-TW" sz="1050">
+                  <a:solidFill>
+                    <a:schemeClr val="accent3"/>
+                  </a:solidFill>
+                </a:rPr>
+                <a:t>icon.png</a:t>
+              </a:r>
+              <a:endParaRPr lang="zh-TW" altLang="en-US" sz="1050">
+                <a:solidFill>
+                  <a:schemeClr val="accent3"/>
+                </a:solidFill>
+              </a:endParaRPr>
+            </a:p>
+          </p:txBody>
+        </p:sp>
+      </p:grpSp>
     </p:spTree>
     <p:extLst>
       <p:ext uri="{BB962C8B-B14F-4D97-AF65-F5344CB8AC3E}">

--- a/ppt/50_Java 專案：前置作業.pptx
+++ b/ppt/50_Java 專案：前置作業.pptx
@@ -2,7 +2,7 @@
 <file path=ppt/presentation.xml><?xml version="1.0" encoding="utf-8"?>
 <p:presentation xmlns:a="http://schemas.openxmlformats.org/drawingml/2006/main" xmlns:r="http://schemas.openxmlformats.org/officeDocument/2006/relationships" xmlns:p="http://schemas.openxmlformats.org/presentationml/2006/main" saveSubsetFonts="1">
   <p:sldMasterIdLst>
-    <p:sldMasterId id="2147483665" r:id="rId1"/>
+    <p:sldMasterId id="2147483670" r:id="rId1"/>
   </p:sldMasterIdLst>
   <p:notesMasterIdLst>
     <p:notesMasterId r:id="rId35"/>
@@ -241,7 +241,7 @@
           <a:p>
             <a:fld id="{C27144CB-533C-4CD2-9ED3-63FEE8E9FA13}" type="datetimeFigureOut">
               <a:rPr lang="zh-TW" altLang="en-US" smtClean="0"/>
-              <a:t>2025/2/24</a:t>
+              <a:t>2025/2/28</a:t>
             </a:fld>
             <a:endParaRPr lang="zh-TW" altLang="en-US"/>
           </a:p>
@@ -719,14 +719,14 @@
     </p:spTree>
     <p:extLst>
       <p:ext uri="{BB962C8B-B14F-4D97-AF65-F5344CB8AC3E}">
-        <p14:creationId xmlns:p14="http://schemas.microsoft.com/office/powerpoint/2010/main" val="2410182325"/>
+        <p14:creationId xmlns:p14="http://schemas.microsoft.com/office/powerpoint/2010/main" val="1275087386"/>
       </p:ext>
     </p:extLst>
   </p:cSld>
   <p:clrMapOvr>
     <a:masterClrMapping/>
   </p:clrMapOvr>
-  <p:transition spd="slow">
+  <p:transition>
     <p:push dir="u"/>
   </p:transition>
 </p:sldLayout>
@@ -1103,14 +1103,14 @@
     </p:spTree>
     <p:extLst>
       <p:ext uri="{BB962C8B-B14F-4D97-AF65-F5344CB8AC3E}">
-        <p14:creationId xmlns:p14="http://schemas.microsoft.com/office/powerpoint/2010/main" val="2522119292"/>
+        <p14:creationId xmlns:p14="http://schemas.microsoft.com/office/powerpoint/2010/main" val="2966826827"/>
       </p:ext>
     </p:extLst>
   </p:cSld>
   <p:clrMapOvr>
     <a:masterClrMapping/>
   </p:clrMapOvr>
-  <p:transition spd="slow">
+  <p:transition>
     <p:push dir="u"/>
   </p:transition>
 </p:sldLayout>
@@ -1430,14 +1430,14 @@
     </p:spTree>
     <p:extLst>
       <p:ext uri="{BB962C8B-B14F-4D97-AF65-F5344CB8AC3E}">
-        <p14:creationId xmlns:p14="http://schemas.microsoft.com/office/powerpoint/2010/main" val="3973860053"/>
+        <p14:creationId xmlns:p14="http://schemas.microsoft.com/office/powerpoint/2010/main" val="1810482456"/>
       </p:ext>
     </p:extLst>
   </p:cSld>
   <p:clrMapOvr>
     <a:masterClrMapping/>
   </p:clrMapOvr>
-  <p:transition spd="slow">
+  <p:transition>
     <p:push dir="u"/>
   </p:transition>
 </p:sldLayout>
@@ -1729,14 +1729,14 @@
     </p:spTree>
     <p:extLst>
       <p:ext uri="{BB962C8B-B14F-4D97-AF65-F5344CB8AC3E}">
-        <p14:creationId xmlns:p14="http://schemas.microsoft.com/office/powerpoint/2010/main" val="3591973721"/>
+        <p14:creationId xmlns:p14="http://schemas.microsoft.com/office/powerpoint/2010/main" val="766452790"/>
       </p:ext>
     </p:extLst>
   </p:cSld>
   <p:clrMapOvr>
     <a:masterClrMapping/>
   </p:clrMapOvr>
-  <p:transition spd="slow">
+  <p:transition>
     <p:push dir="u"/>
   </p:transition>
 </p:sldLayout>
@@ -1962,18 +1962,18 @@
     </p:spTree>
     <p:extLst>
       <p:ext uri="{BB962C8B-B14F-4D97-AF65-F5344CB8AC3E}">
-        <p14:creationId xmlns:p14="http://schemas.microsoft.com/office/powerpoint/2010/main" val="2370208208"/>
+        <p14:creationId xmlns:p14="http://schemas.microsoft.com/office/powerpoint/2010/main" val="678150697"/>
       </p:ext>
     </p:extLst>
   </p:cSld>
   <p:clrMap bg1="dk1" tx1="lt1" bg2="dk2" tx2="lt2" accent1="accent1" accent2="accent2" accent3="accent3" accent4="accent4" accent5="accent5" accent6="accent6" hlink="hlink" folHlink="folHlink"/>
   <p:sldLayoutIdLst>
-    <p:sldLayoutId id="2147483666" r:id="rId1"/>
-    <p:sldLayoutId id="2147483667" r:id="rId2"/>
-    <p:sldLayoutId id="2147483668" r:id="rId3"/>
-    <p:sldLayoutId id="2147483669" r:id="rId4"/>
+    <p:sldLayoutId id="2147483671" r:id="rId1"/>
+    <p:sldLayoutId id="2147483672" r:id="rId2"/>
+    <p:sldLayoutId id="2147483673" r:id="rId3"/>
+    <p:sldLayoutId id="2147483674" r:id="rId4"/>
   </p:sldLayoutIdLst>
-  <p:transition spd="slow">
+  <p:transition>
     <p:push dir="u"/>
   </p:transition>
   <p:txStyles>
@@ -2350,7 +2350,7 @@
   <p:clrMapOvr>
     <a:masterClrMapping/>
   </p:clrMapOvr>
-  <p:transition spd="slow">
+  <p:transition>
     <p:push dir="u"/>
   </p:transition>
 </p:sld>
@@ -2952,7 +2952,7 @@
   <p:clrMapOvr>
     <a:masterClrMapping/>
   </p:clrMapOvr>
-  <p:transition spd="slow">
+  <p:transition>
     <p:push dir="u"/>
   </p:transition>
 </p:sld>
@@ -3428,7 +3428,7 @@
   <p:clrMapOvr>
     <a:masterClrMapping/>
   </p:clrMapOvr>
-  <p:transition spd="slow">
+  <p:transition>
     <p:push dir="u"/>
   </p:transition>
 </p:sld>
@@ -3855,7 +3855,7 @@
   <p:clrMapOvr>
     <a:masterClrMapping/>
   </p:clrMapOvr>
-  <p:transition spd="slow">
+  <p:transition>
     <p:push dir="u"/>
   </p:transition>
 </p:sld>
@@ -4566,7 +4566,7 @@
   <p:clrMapOvr>
     <a:masterClrMapping/>
   </p:clrMapOvr>
-  <p:transition spd="slow">
+  <p:transition>
     <p:push dir="u"/>
   </p:transition>
 </p:sld>
@@ -5015,7 +5015,7 @@
   <p:clrMapOvr>
     <a:masterClrMapping/>
   </p:clrMapOvr>
-  <p:transition spd="slow">
+  <p:transition>
     <p:push dir="u"/>
   </p:transition>
 </p:sld>
@@ -5497,7 +5497,7 @@
   <p:clrMapOvr>
     <a:masterClrMapping/>
   </p:clrMapOvr>
-  <p:transition spd="slow">
+  <p:transition>
     <p:push dir="u"/>
   </p:transition>
 </p:sld>
@@ -6189,7 +6189,7 @@
   <p:clrMapOvr>
     <a:masterClrMapping/>
   </p:clrMapOvr>
-  <p:transition spd="slow">
+  <p:transition>
     <p:push dir="u"/>
   </p:transition>
 </p:sld>
@@ -6518,7 +6518,7 @@
   <p:clrMapOvr>
     <a:masterClrMapping/>
   </p:clrMapOvr>
-  <p:transition spd="slow">
+  <p:transition>
     <p:push dir="u"/>
   </p:transition>
 </p:sld>
@@ -6780,7 +6780,7 @@
   <p:clrMapOvr>
     <a:masterClrMapping/>
   </p:clrMapOvr>
-  <p:transition spd="slow">
+  <p:transition>
     <p:push dir="u"/>
   </p:transition>
 </p:sld>
@@ -8058,7 +8058,7 @@
   <p:clrMapOvr>
     <a:masterClrMapping/>
   </p:clrMapOvr>
-  <p:transition spd="slow">
+  <p:transition>
     <p:push dir="u"/>
   </p:transition>
 </p:sld>
@@ -8379,7 +8379,7 @@
   <p:clrMapOvr>
     <a:masterClrMapping/>
   </p:clrMapOvr>
-  <p:transition spd="slow">
+  <p:transition>
     <p:push dir="u"/>
   </p:transition>
 </p:sld>
@@ -8920,7 +8920,7 @@
   <p:clrMapOvr>
     <a:masterClrMapping/>
   </p:clrMapOvr>
-  <p:transition spd="slow">
+  <p:transition>
     <p:push dir="u"/>
   </p:transition>
 </p:sld>
@@ -9137,7 +9137,7 @@
   <p:clrMapOvr>
     <a:masterClrMapping/>
   </p:clrMapOvr>
-  <p:transition spd="slow">
+  <p:transition>
     <p:push dir="u"/>
   </p:transition>
 </p:sld>
@@ -9647,7 +9647,7 @@
   <p:clrMapOvr>
     <a:masterClrMapping/>
   </p:clrMapOvr>
-  <p:transition spd="slow">
+  <p:transition>
     <p:push dir="u"/>
   </p:transition>
 </p:sld>
@@ -13270,7 +13270,7 @@
   <p:clrMapOvr>
     <a:masterClrMapping/>
   </p:clrMapOvr>
-  <p:transition spd="slow">
+  <p:transition>
     <p:push dir="u"/>
   </p:transition>
 </p:sld>
@@ -16389,7 +16389,7 @@
   <p:clrMapOvr>
     <a:masterClrMapping/>
   </p:clrMapOvr>
-  <p:transition spd="slow">
+  <p:transition>
     <p:push dir="u"/>
   </p:transition>
 </p:sld>
@@ -16687,7 +16687,7 @@
   <p:clrMapOvr>
     <a:masterClrMapping/>
   </p:clrMapOvr>
-  <p:transition spd="slow">
+  <p:transition>
     <p:push dir="u"/>
   </p:transition>
 </p:sld>
@@ -16851,7 +16851,7 @@
   <p:clrMapOvr>
     <a:masterClrMapping/>
   </p:clrMapOvr>
-  <p:transition spd="slow">
+  <p:transition>
     <p:push dir="u"/>
   </p:transition>
 </p:sld>
@@ -17418,7 +17418,7 @@
   <p:clrMapOvr>
     <a:masterClrMapping/>
   </p:clrMapOvr>
-  <p:transition spd="slow">
+  <p:transition>
     <p:push dir="u"/>
   </p:transition>
 </p:sld>
@@ -18088,7 +18088,7 @@
   <p:clrMapOvr>
     <a:masterClrMapping/>
   </p:clrMapOvr>
-  <p:transition spd="slow">
+  <p:transition>
     <p:push dir="u"/>
   </p:transition>
 </p:sld>
@@ -18505,7 +18505,7 @@
   <p:clrMapOvr>
     <a:masterClrMapping/>
   </p:clrMapOvr>
-  <p:transition spd="slow">
+  <p:transition>
     <p:push dir="u"/>
   </p:transition>
 </p:sld>
@@ -19154,7 +19154,7 @@
   <p:clrMapOvr>
     <a:masterClrMapping/>
   </p:clrMapOvr>
-  <p:transition spd="slow">
+  <p:transition>
     <p:push dir="u"/>
   </p:transition>
 </p:sld>
@@ -19920,7 +19920,7 @@
   <p:clrMapOvr>
     <a:masterClrMapping/>
   </p:clrMapOvr>
-  <p:transition spd="slow">
+  <p:transition>
     <p:push dir="u"/>
   </p:transition>
 </p:sld>
@@ -20335,7 +20335,7 @@
   <p:clrMapOvr>
     <a:masterClrMapping/>
   </p:clrMapOvr>
-  <p:transition spd="slow">
+  <p:transition>
     <p:push dir="u"/>
   </p:transition>
 </p:sld>
@@ -22176,7 +22176,7 @@
   <p:clrMapOvr>
     <a:masterClrMapping/>
   </p:clrMapOvr>
-  <p:transition spd="slow">
+  <p:transition>
     <p:push dir="u"/>
   </p:transition>
 </p:sld>
@@ -22297,7 +22297,7 @@
   <p:clrMapOvr>
     <a:masterClrMapping/>
   </p:clrMapOvr>
-  <p:transition spd="slow">
+  <p:transition>
     <p:push dir="u"/>
   </p:transition>
 </p:sld>
@@ -22651,7 +22651,7 @@
   <p:clrMapOvr>
     <a:masterClrMapping/>
   </p:clrMapOvr>
-  <p:transition spd="slow">
+  <p:transition>
     <p:push dir="u"/>
   </p:transition>
 </p:sld>
@@ -23382,7 +23382,7 @@
   <p:clrMapOvr>
     <a:masterClrMapping/>
   </p:clrMapOvr>
-  <p:transition spd="slow">
+  <p:transition>
     <p:push dir="u"/>
   </p:transition>
 </p:sld>
@@ -23820,7 +23820,7 @@
   <p:clrMapOvr>
     <a:masterClrMapping/>
   </p:clrMapOvr>
-  <p:transition spd="slow">
+  <p:transition>
     <p:push dir="u"/>
   </p:transition>
 </p:sld>
@@ -24191,7 +24191,7 @@
   <p:clrMapOvr>
     <a:masterClrMapping/>
   </p:clrMapOvr>
-  <p:transition spd="slow">
+  <p:transition>
     <p:push dir="u"/>
   </p:transition>
 </p:sld>
@@ -24643,7 +24643,7 @@
   <p:clrMapOvr>
     <a:masterClrMapping/>
   </p:clrMapOvr>
-  <p:transition spd="slow">
+  <p:transition>
     <p:push dir="u"/>
   </p:transition>
 </p:sld>
@@ -25191,7 +25191,7 @@
   <p:clrMapOvr>
     <a:masterClrMapping/>
   </p:clrMapOvr>
-  <p:transition spd="slow">
+  <p:transition>
     <p:push dir="u"/>
   </p:transition>
 </p:sld>
@@ -25418,7 +25418,7 @@
   <a:extraClrSchemeLst/>
   <a:extLst>
     <a:ext uri="{05A4C25C-085E-4340-85A3-A5531E510DB2}">
-      <thm15:themeFamily xmlns:thm15="http://schemas.microsoft.com/office/thememl/2012/main" name="TYIC" id="{F8B8016E-470C-4FE5-A78C-33B2A9D17434}" vid="{BC6C4CDA-A093-4978-B969-B6482D48D481}"/>
+      <thm15:themeFamily xmlns:thm15="http://schemas.microsoft.com/office/thememl/2012/main" name="TYIC" id="{5F22F33A-EA50-4F22-9F2C-8A64A179567F}" vid="{3247D5A2-1B78-4AF4-9AA5-9AF4332DE771}"/>
     </a:ext>
   </a:extLst>
 </a:theme>

--- a/ppt/50_Java 專案：前置作業.pptx
+++ b/ppt/50_Java 專案：前置作業.pptx
@@ -16649,7 +16649,7 @@
             <a:noFill/>
             <a:ln>
               <a:solidFill>
-                <a:schemeClr val="accent1"/>
+                <a:schemeClr val="bg2"/>
               </a:solidFill>
             </a:ln>
           </p:spPr>
@@ -16663,14 +16663,14 @@
               <a:r>
                 <a:rPr lang="en-US" altLang="zh-TW" sz="1050">
                   <a:solidFill>
-                    <a:schemeClr val="accent3"/>
+                    <a:schemeClr val="bg1"/>
                   </a:solidFill>
                 </a:rPr>
                 <a:t>icon.png</a:t>
               </a:r>
               <a:endParaRPr lang="zh-TW" altLang="en-US" sz="1050">
                 <a:solidFill>
-                  <a:schemeClr val="accent3"/>
+                  <a:schemeClr val="bg1"/>
                 </a:solidFill>
               </a:endParaRPr>
             </a:p>
